--- a/2nd_week/Seminar_2nd_week_1Stage.pptx
+++ b/2nd_week/Seminar_2nd_week_1Stage.pptx
@@ -4998,6 +4998,13 @@
   <p:clrMapOvr>
     <a:masterClrMapping/>
   </p:clrMapOvr>
+  <p:timing>
+    <p:tnLst>
+      <p:par>
+        <p:cTn id="1" dur="indefinite" restart="never" nodeType="tmRoot"/>
+      </p:par>
+    </p:tnLst>
+  </p:timing>
 </p:sld>
 </file>
 
@@ -8938,6 +8945,13 @@
   <p:clrMapOvr>
     <a:masterClrMapping/>
   </p:clrMapOvr>
+  <p:timing>
+    <p:tnLst>
+      <p:par>
+        <p:cTn id="1" dur="indefinite" restart="never" nodeType="tmRoot"/>
+      </p:par>
+    </p:tnLst>
+  </p:timing>
 </p:sld>
 </file>
 
@@ -9317,10 +9331,10 @@
         </p:nvGrpSpPr>
         <p:grpSpPr>
           <a:xfrm>
-            <a:off x="2136710" y="5561046"/>
-            <a:ext cx="5999584" cy="709126"/>
-            <a:chOff x="2136710" y="5561046"/>
-            <a:chExt cx="5999584" cy="709126"/>
+            <a:off x="2136710" y="5551521"/>
+            <a:ext cx="6018634" cy="718651"/>
+            <a:chOff x="2136710" y="5551521"/>
+            <a:chExt cx="6018634" cy="718651"/>
           </a:xfrm>
         </p:grpSpPr>
         <p:sp>
@@ -9337,7 +9351,7 @@
           </p:nvSpPr>
           <p:spPr>
             <a:xfrm>
-              <a:off x="4581328" y="5561046"/>
+              <a:off x="4600378" y="5561046"/>
               <a:ext cx="2295331" cy="709126"/>
             </a:xfrm>
             <a:prstGeom prst="roundRect">
@@ -9391,7 +9405,7 @@
           </p:nvSpPr>
           <p:spPr>
             <a:xfrm>
-              <a:off x="7025946" y="5561046"/>
+              <a:off x="7044996" y="5551521"/>
               <a:ext cx="1110348" cy="369332"/>
             </a:xfrm>
             <a:prstGeom prst="roundRect">
@@ -9554,7 +9568,7 @@
         </p:nvSpPr>
         <p:spPr>
           <a:xfrm>
-            <a:off x="6945086" y="5925462"/>
+            <a:off x="6954611" y="5934987"/>
             <a:ext cx="976604" cy="369332"/>
           </a:xfrm>
           <a:prstGeom prst="roundRect">
@@ -10083,6 +10097,13 @@
   <p:clrMapOvr>
     <a:masterClrMapping/>
   </p:clrMapOvr>
+  <p:timing>
+    <p:tnLst>
+      <p:par>
+        <p:cTn id="1" dur="indefinite" restart="never" nodeType="tmRoot"/>
+      </p:par>
+    </p:tnLst>
+  </p:timing>
 </p:sld>
 </file>
 
@@ -13157,6 +13178,13 @@
   <p:clrMapOvr>
     <a:masterClrMapping/>
   </p:clrMapOvr>
+  <p:timing>
+    <p:tnLst>
+      <p:par>
+        <p:cTn id="1" dur="indefinite" restart="never" nodeType="tmRoot"/>
+      </p:par>
+    </p:tnLst>
+  </p:timing>
 </p:sld>
 </file>
 
@@ -14146,6 +14174,13 @@
   <p:clrMapOvr>
     <a:masterClrMapping/>
   </p:clrMapOvr>
+  <p:timing>
+    <p:tnLst>
+      <p:par>
+        <p:cTn id="1" dur="indefinite" restart="never" nodeType="tmRoot"/>
+      </p:par>
+    </p:tnLst>
+  </p:timing>
 </p:sld>
 </file>
 
@@ -14669,7 +14704,7 @@
         </p:nvSpPr>
         <p:spPr>
           <a:xfrm>
-            <a:off x="4584700" y="1743075"/>
+            <a:off x="4584700" y="2126385"/>
             <a:ext cx="2880000" cy="2880000"/>
           </a:xfrm>
           <a:prstGeom prst="rect">
@@ -14723,7 +14758,7 @@
         </p:nvCxnSpPr>
         <p:spPr>
           <a:xfrm>
-            <a:off x="6037400" y="1743075"/>
+            <a:off x="6037400" y="2126385"/>
             <a:ext cx="0" cy="2880000"/>
           </a:xfrm>
           <a:prstGeom prst="line">
@@ -14764,7 +14799,7 @@
         </p:nvCxnSpPr>
         <p:spPr>
           <a:xfrm>
-            <a:off x="6761300" y="1743075"/>
+            <a:off x="6761300" y="2126385"/>
             <a:ext cx="0" cy="2880000"/>
           </a:xfrm>
           <a:prstGeom prst="line">
@@ -14805,7 +14840,7 @@
         </p:nvCxnSpPr>
         <p:spPr>
           <a:xfrm>
-            <a:off x="5307150" y="1743075"/>
+            <a:off x="5307150" y="2126385"/>
             <a:ext cx="0" cy="2880000"/>
           </a:xfrm>
           <a:prstGeom prst="line">
@@ -14848,7 +14883,7 @@
         </p:nvCxnSpPr>
         <p:spPr>
           <a:xfrm>
-            <a:off x="4584700" y="3192406"/>
+            <a:off x="4584700" y="3575716"/>
             <a:ext cx="2880000" cy="0"/>
           </a:xfrm>
           <a:prstGeom prst="line">
@@ -14889,7 +14924,7 @@
         </p:nvCxnSpPr>
         <p:spPr>
           <a:xfrm>
-            <a:off x="4584700" y="2487750"/>
+            <a:off x="4584700" y="2871060"/>
             <a:ext cx="2880000" cy="0"/>
           </a:xfrm>
           <a:prstGeom prst="line">
@@ -14930,7 +14965,7 @@
         </p:nvCxnSpPr>
         <p:spPr>
           <a:xfrm>
-            <a:off x="4584700" y="3897450"/>
+            <a:off x="4584700" y="4280760"/>
             <a:ext cx="2880000" cy="0"/>
           </a:xfrm>
           <a:prstGeom prst="line">
@@ -14971,7 +15006,7 @@
         </p:nvSpPr>
         <p:spPr>
           <a:xfrm>
-            <a:off x="8169549" y="1743075"/>
+            <a:off x="8169549" y="2126385"/>
             <a:ext cx="2880000" cy="2880000"/>
           </a:xfrm>
           <a:prstGeom prst="rect">
@@ -15026,7 +15061,7 @@
         </p:nvCxnSpPr>
         <p:spPr>
           <a:xfrm>
-            <a:off x="9609549" y="1743075"/>
+            <a:off x="9609549" y="2126385"/>
             <a:ext cx="0" cy="2880000"/>
           </a:xfrm>
           <a:prstGeom prst="line">
@@ -15067,7 +15102,7 @@
         </p:nvCxnSpPr>
         <p:spPr>
           <a:xfrm>
-            <a:off x="10333449" y="1743075"/>
+            <a:off x="10333449" y="2126385"/>
             <a:ext cx="0" cy="2880000"/>
           </a:xfrm>
           <a:prstGeom prst="line">
@@ -15108,7 +15143,7 @@
         </p:nvCxnSpPr>
         <p:spPr>
           <a:xfrm>
-            <a:off x="8904699" y="1743075"/>
+            <a:off x="8904699" y="2126385"/>
             <a:ext cx="0" cy="2880000"/>
           </a:xfrm>
           <a:prstGeom prst="line">
@@ -15152,7 +15187,7 @@
         </p:nvCxnSpPr>
         <p:spPr>
           <a:xfrm>
-            <a:off x="8169549" y="3183075"/>
+            <a:off x="8169549" y="3566385"/>
             <a:ext cx="2880000" cy="0"/>
           </a:xfrm>
           <a:prstGeom prst="line">
@@ -15193,7 +15228,7 @@
         </p:nvCxnSpPr>
         <p:spPr>
           <a:xfrm>
-            <a:off x="8169549" y="2487750"/>
+            <a:off x="8169549" y="2871060"/>
             <a:ext cx="2880000" cy="0"/>
           </a:xfrm>
           <a:prstGeom prst="line">
@@ -15234,7 +15269,7 @@
         </p:nvCxnSpPr>
         <p:spPr>
           <a:xfrm>
-            <a:off x="8169549" y="3897450"/>
+            <a:off x="8169549" y="4280760"/>
             <a:ext cx="2880000" cy="0"/>
           </a:xfrm>
           <a:prstGeom prst="line">
@@ -15275,7 +15310,7 @@
         </p:nvCxnSpPr>
         <p:spPr>
           <a:xfrm>
-            <a:off x="5668193" y="1743075"/>
+            <a:off x="5668193" y="2126385"/>
             <a:ext cx="0" cy="2880000"/>
           </a:xfrm>
           <a:prstGeom prst="line">
@@ -15316,7 +15351,7 @@
         </p:nvCxnSpPr>
         <p:spPr>
           <a:xfrm>
-            <a:off x="6390019" y="1743075"/>
+            <a:off x="6390019" y="2126385"/>
             <a:ext cx="0" cy="2880000"/>
           </a:xfrm>
           <a:prstGeom prst="line">
@@ -15357,7 +15392,7 @@
         </p:nvCxnSpPr>
         <p:spPr>
           <a:xfrm>
-            <a:off x="7108476" y="1743075"/>
+            <a:off x="7108476" y="2126385"/>
             <a:ext cx="0" cy="2880000"/>
           </a:xfrm>
           <a:prstGeom prst="line">
@@ -15398,7 +15433,7 @@
         </p:nvCxnSpPr>
         <p:spPr>
           <a:xfrm>
-            <a:off x="4959066" y="1743075"/>
+            <a:off x="4959066" y="2126385"/>
             <a:ext cx="0" cy="2880000"/>
           </a:xfrm>
           <a:prstGeom prst="line">
@@ -15439,7 +15474,7 @@
         </p:nvCxnSpPr>
         <p:spPr>
           <a:xfrm>
-            <a:off x="4584700" y="2840953"/>
+            <a:off x="4584700" y="3224263"/>
             <a:ext cx="2880000" cy="0"/>
           </a:xfrm>
           <a:prstGeom prst="line">
@@ -15480,7 +15515,7 @@
         </p:nvCxnSpPr>
         <p:spPr>
           <a:xfrm>
-            <a:off x="4584700" y="2126966"/>
+            <a:off x="4584700" y="2510276"/>
             <a:ext cx="2880000" cy="0"/>
           </a:xfrm>
           <a:prstGeom prst="line">
@@ -15521,7 +15556,7 @@
         </p:nvCxnSpPr>
         <p:spPr>
           <a:xfrm>
-            <a:off x="4584700" y="3555328"/>
+            <a:off x="4584700" y="3938638"/>
             <a:ext cx="2880000" cy="0"/>
           </a:xfrm>
           <a:prstGeom prst="line">
@@ -15562,7 +15597,7 @@
         </p:nvCxnSpPr>
         <p:spPr>
           <a:xfrm>
-            <a:off x="4584700" y="4252987"/>
+            <a:off x="4584700" y="4636297"/>
             <a:ext cx="2880000" cy="0"/>
           </a:xfrm>
           <a:prstGeom prst="line">
@@ -15603,7 +15638,7 @@
         </p:nvSpPr>
         <p:spPr>
           <a:xfrm>
-            <a:off x="4946582" y="4615010"/>
+            <a:off x="4946582" y="4998320"/>
             <a:ext cx="2149194" cy="369332"/>
           </a:xfrm>
           <a:prstGeom prst="rect">
@@ -15638,7 +15673,7 @@
         </p:nvSpPr>
         <p:spPr>
           <a:xfrm>
-            <a:off x="8564484" y="4604413"/>
+            <a:off x="8564484" y="4987723"/>
             <a:ext cx="2149194" cy="369332"/>
           </a:xfrm>
           <a:prstGeom prst="rect">
@@ -15673,7 +15708,7 @@
         </p:nvSpPr>
         <p:spPr>
           <a:xfrm>
-            <a:off x="1163163" y="4604413"/>
+            <a:off x="1163163" y="4987723"/>
             <a:ext cx="2518118" cy="369332"/>
           </a:xfrm>
           <a:prstGeom prst="rect">
@@ -15723,7 +15758,7 @@
         </p:blipFill>
         <p:spPr bwMode="auto">
           <a:xfrm>
-            <a:off x="1002884" y="1724413"/>
+            <a:off x="1002884" y="2107723"/>
             <a:ext cx="2880000" cy="2880000"/>
           </a:xfrm>
           <a:prstGeom prst="rect">
@@ -15768,7 +15803,7 @@
         </p:nvSpPr>
         <p:spPr>
           <a:xfrm>
-            <a:off x="2480984" y="2362200"/>
+            <a:off x="2480984" y="2745510"/>
             <a:ext cx="1138516" cy="2216813"/>
           </a:xfrm>
           <a:prstGeom prst="rect">
@@ -15820,7 +15855,7 @@
         </p:nvSpPr>
         <p:spPr>
           <a:xfrm>
-            <a:off x="1002884" y="2076166"/>
+            <a:off x="1002884" y="2459476"/>
             <a:ext cx="1440000" cy="2452047"/>
           </a:xfrm>
           <a:prstGeom prst="rect">
@@ -15829,7 +15864,7 @@
           <a:noFill/>
           <a:ln w="38100">
             <a:solidFill>
-              <a:srgbClr val="FFFF00"/>
+              <a:srgbClr val="00B0F0"/>
             </a:solidFill>
           </a:ln>
         </p:spPr>
@@ -15872,7 +15907,7 @@
         </p:nvSpPr>
         <p:spPr>
           <a:xfrm>
-            <a:off x="5358992" y="3604026"/>
+            <a:off x="5358992" y="3281274"/>
             <a:ext cx="242749" cy="229272"/>
           </a:xfrm>
           <a:prstGeom prst="rect">
@@ -15925,7 +15960,7 @@
         </p:nvSpPr>
         <p:spPr>
           <a:xfrm>
-            <a:off x="5238576" y="3324356"/>
+            <a:off x="5238576" y="3002816"/>
             <a:ext cx="503490" cy="788611"/>
           </a:xfrm>
           <a:prstGeom prst="rect">
@@ -15978,7 +16013,7 @@
         </p:nvSpPr>
         <p:spPr>
           <a:xfrm>
-            <a:off x="5141144" y="3420917"/>
+            <a:off x="5150669" y="3089852"/>
             <a:ext cx="670541" cy="615843"/>
           </a:xfrm>
           <a:prstGeom prst="rect">
@@ -15987,7 +16022,7 @@
           <a:noFill/>
           <a:ln w="28575">
             <a:solidFill>
-              <a:srgbClr val="00B0F0"/>
+              <a:schemeClr val="tx1"/>
             </a:solidFill>
             <a:prstDash val="sysDash"/>
           </a:ln>
@@ -16031,7 +16066,7 @@
         </p:nvSpPr>
         <p:spPr>
           <a:xfrm>
-            <a:off x="5043652" y="3508706"/>
+            <a:off x="5062702" y="3177641"/>
             <a:ext cx="856931" cy="459979"/>
           </a:xfrm>
           <a:prstGeom prst="rect">
@@ -16040,7 +16075,7 @@
           <a:noFill/>
           <a:ln w="28575">
             <a:solidFill>
-              <a:srgbClr val="00B0F0"/>
+              <a:schemeClr val="tx1"/>
             </a:solidFill>
             <a:prstDash val="sysDash"/>
           </a:ln>
@@ -16084,7 +16119,7 @@
         </p:nvSpPr>
         <p:spPr>
           <a:xfrm>
-            <a:off x="6450238" y="2534210"/>
+            <a:off x="6450238" y="3630683"/>
             <a:ext cx="242749" cy="229272"/>
           </a:xfrm>
           <a:prstGeom prst="rect">
@@ -16137,7 +16172,7 @@
         </p:nvSpPr>
         <p:spPr>
           <a:xfrm>
-            <a:off x="6329822" y="2254540"/>
+            <a:off x="6329822" y="3361750"/>
             <a:ext cx="503490" cy="788611"/>
           </a:xfrm>
           <a:prstGeom prst="rect">
@@ -16146,7 +16181,7 @@
           <a:noFill/>
           <a:ln w="28575">
             <a:solidFill>
-              <a:schemeClr val="tx1"/>
+              <a:srgbClr val="C00000"/>
             </a:solidFill>
             <a:prstDash val="sysDash"/>
           </a:ln>
@@ -16190,7 +16225,7 @@
         </p:nvSpPr>
         <p:spPr>
           <a:xfrm>
-            <a:off x="6232390" y="2351101"/>
+            <a:off x="6241915" y="3448786"/>
             <a:ext cx="670541" cy="615843"/>
           </a:xfrm>
           <a:prstGeom prst="rect">
@@ -16199,7 +16234,7 @@
           <a:noFill/>
           <a:ln w="28575">
             <a:solidFill>
-              <a:schemeClr val="tx1"/>
+              <a:srgbClr val="C00000"/>
             </a:solidFill>
             <a:prstDash val="sysDash"/>
           </a:ln>
@@ -16243,7 +16278,7 @@
         </p:nvSpPr>
         <p:spPr>
           <a:xfrm>
-            <a:off x="6161851" y="2438890"/>
+            <a:off x="6171376" y="3527050"/>
             <a:ext cx="804578" cy="459979"/>
           </a:xfrm>
           <a:prstGeom prst="rect">
@@ -16296,7 +16331,7 @@
         </p:nvSpPr>
         <p:spPr>
           <a:xfrm>
-            <a:off x="9738050" y="2594752"/>
+            <a:off x="9023831" y="3664189"/>
             <a:ext cx="473301" cy="496851"/>
           </a:xfrm>
           <a:prstGeom prst="rect">
@@ -16349,7 +16384,7 @@
         </p:nvSpPr>
         <p:spPr>
           <a:xfrm>
-            <a:off x="9459699" y="1994454"/>
+            <a:off x="8762106" y="3055578"/>
             <a:ext cx="981681" cy="1708984"/>
           </a:xfrm>
           <a:prstGeom prst="rect">
@@ -16358,7 +16393,7 @@
           <a:noFill/>
           <a:ln w="28575">
             <a:solidFill>
-              <a:srgbClr val="C00000"/>
+              <a:srgbClr val="00B0F0"/>
             </a:solidFill>
             <a:prstDash val="sysDash"/>
           </a:ln>
@@ -16402,7 +16437,7 @@
         </p:nvSpPr>
         <p:spPr>
           <a:xfrm>
-            <a:off x="9296844" y="2185353"/>
+            <a:off x="8599251" y="3256002"/>
             <a:ext cx="1307389" cy="1334582"/>
           </a:xfrm>
           <a:prstGeom prst="rect">
@@ -16455,7 +16490,7 @@
         </p:nvSpPr>
         <p:spPr>
           <a:xfrm>
-            <a:off x="9115136" y="2336963"/>
+            <a:off x="8417543" y="3424238"/>
             <a:ext cx="1670804" cy="996812"/>
           </a:xfrm>
           <a:prstGeom prst="rect">
@@ -16508,7 +16543,754 @@
         </p:nvSpPr>
         <p:spPr>
           <a:xfrm>
-            <a:off x="627536" y="5272888"/>
+            <a:off x="958407" y="5544449"/>
+            <a:ext cx="9499599" cy="923330"/>
+          </a:xfrm>
+          <a:prstGeom prst="rect">
+            <a:avLst/>
+          </a:prstGeom>
+        </p:spPr>
+        <p:txBody>
+          <a:bodyPr wrap="square">
+            <a:spAutoFit/>
+          </a:bodyPr>
+          <a:lstStyle/>
+          <a:p>
+            <a:r>
+              <a:rPr lang="en-US" altLang="ko-KR" b="1" dirty="0"/>
+              <a:t>SSD uses </a:t>
+            </a:r>
+            <a:r>
+              <a:rPr lang="en-US" altLang="ko-KR" b="1" dirty="0" smtClean="0"/>
+              <a:t>multi </a:t>
+            </a:r>
+            <a:r>
+              <a:rPr lang="en-US" altLang="ko-KR" b="1" dirty="0"/>
+              <a:t>Feature </a:t>
+            </a:r>
+            <a:r>
+              <a:rPr lang="en-US" altLang="ko-KR" b="1" dirty="0" smtClean="0"/>
+              <a:t>maps </a:t>
+            </a:r>
+            <a:r>
+              <a:rPr lang="en-US" altLang="ko-KR" b="1" dirty="0"/>
+              <a:t>with different </a:t>
+            </a:r>
+            <a:r>
+              <a:rPr lang="en-US" altLang="ko-KR" b="1" dirty="0" smtClean="0"/>
+              <a:t>size</a:t>
+            </a:r>
+            <a:r>
+              <a:rPr lang="en-US" altLang="ko-KR" b="1" dirty="0" smtClean="0"/>
+              <a:t>.</a:t>
+            </a:r>
+          </a:p>
+          <a:p>
+            <a:r>
+              <a:rPr lang="en-US" altLang="ko-KR" b="1" dirty="0" smtClean="0"/>
+              <a:t>It also uses many </a:t>
+            </a:r>
+            <a:r>
+              <a:rPr lang="en-US" altLang="ko-KR" b="1" dirty="0"/>
+              <a:t>default boxes with the same function as the anchor </a:t>
+            </a:r>
+            <a:r>
+              <a:rPr lang="en-US" altLang="ko-KR" b="1" dirty="0" smtClean="0"/>
+              <a:t>box</a:t>
+            </a:r>
+          </a:p>
+          <a:p>
+            <a:r>
+              <a:rPr lang="en-US" altLang="ko-KR" b="1" dirty="0" smtClean="0"/>
+              <a:t>While the training procedure, it only needs (input image, ground truth)</a:t>
+            </a:r>
+            <a:endParaRPr lang="en-US" altLang="ko-KR" b="1" dirty="0"/>
+          </a:p>
+        </p:txBody>
+      </p:sp>
+      <p:sp>
+        <p:nvSpPr>
+          <p:cNvPr id="57" name="직사각형 56">
+            <a:extLst>
+              <a:ext uri="{FF2B5EF4-FFF2-40B4-BE49-F238E27FC236}">
+                <a16:creationId xmlns:a16="http://schemas.microsoft.com/office/drawing/2014/main" id="{D37D2321-D1D9-4437-B36B-5CE99E975CFF}"/>
+              </a:ext>
+            </a:extLst>
+          </p:cNvPr>
+          <p:cNvSpPr/>
+          <p:nvPr/>
+        </p:nvSpPr>
+        <p:spPr>
+          <a:xfrm>
+            <a:off x="7007679" y="1528080"/>
+            <a:ext cx="1524357" cy="369332"/>
+          </a:xfrm>
+          <a:prstGeom prst="rect">
+            <a:avLst/>
+          </a:prstGeom>
+        </p:spPr>
+        <p:txBody>
+          <a:bodyPr wrap="square">
+            <a:spAutoFit/>
+          </a:bodyPr>
+          <a:lstStyle/>
+          <a:p>
+            <a:r>
+              <a:rPr lang="en-US" altLang="ko-KR" b="1" dirty="0" smtClean="0"/>
+              <a:t>Default Box</a:t>
+            </a:r>
+            <a:endParaRPr lang="ko-KR" altLang="en-US" b="1" dirty="0"/>
+          </a:p>
+        </p:txBody>
+      </p:sp>
+      <p:sp>
+        <p:nvSpPr>
+          <p:cNvPr id="4" name="직사각형 3"/>
+          <p:cNvSpPr/>
+          <p:nvPr/>
+        </p:nvSpPr>
+        <p:spPr>
+          <a:xfrm>
+            <a:off x="7032619" y="1528080"/>
+            <a:ext cx="1425402" cy="369332"/>
+          </a:xfrm>
+          <a:prstGeom prst="rect">
+            <a:avLst/>
+          </a:prstGeom>
+          <a:noFill/>
+          <a:ln w="28575">
+            <a:solidFill>
+              <a:schemeClr val="accent4">
+                <a:lumMod val="75000"/>
+              </a:schemeClr>
+            </a:solidFill>
+          </a:ln>
+        </p:spPr>
+        <p:style>
+          <a:lnRef idx="2">
+            <a:schemeClr val="accent1">
+              <a:shade val="50000"/>
+            </a:schemeClr>
+          </a:lnRef>
+          <a:fillRef idx="1">
+            <a:schemeClr val="accent1"/>
+          </a:fillRef>
+          <a:effectRef idx="0">
+            <a:schemeClr val="accent1"/>
+          </a:effectRef>
+          <a:fontRef idx="minor">
+            <a:schemeClr val="lt1"/>
+          </a:fontRef>
+        </p:style>
+        <p:txBody>
+          <a:bodyPr rtlCol="0" anchor="ctr"/>
+          <a:lstStyle/>
+          <a:p>
+            <a:pPr algn="ctr"/>
+            <a:endParaRPr lang="ko-KR" altLang="en-US" dirty="0"/>
+          </a:p>
+        </p:txBody>
+      </p:sp>
+      <p:sp>
+        <p:nvSpPr>
+          <p:cNvPr id="37" name="모서리가 둥근 직사각형 36"/>
+          <p:cNvSpPr/>
+          <p:nvPr/>
+        </p:nvSpPr>
+        <p:spPr>
+          <a:xfrm>
+            <a:off x="2074118" y="5616645"/>
+            <a:ext cx="2183557" cy="249382"/>
+          </a:xfrm>
+          <a:prstGeom prst="roundRect">
+            <a:avLst/>
+          </a:prstGeom>
+          <a:noFill/>
+          <a:ln>
+            <a:solidFill>
+              <a:srgbClr val="C00000"/>
+            </a:solidFill>
+          </a:ln>
+        </p:spPr>
+        <p:style>
+          <a:lnRef idx="2">
+            <a:schemeClr val="accent1">
+              <a:shade val="50000"/>
+            </a:schemeClr>
+          </a:lnRef>
+          <a:fillRef idx="1">
+            <a:schemeClr val="accent1"/>
+          </a:fillRef>
+          <a:effectRef idx="0">
+            <a:schemeClr val="accent1"/>
+          </a:effectRef>
+          <a:fontRef idx="minor">
+            <a:schemeClr val="lt1"/>
+          </a:fontRef>
+        </p:style>
+        <p:txBody>
+          <a:bodyPr rtlCol="0" anchor="ctr"/>
+          <a:lstStyle/>
+          <a:p>
+            <a:pPr algn="ctr"/>
+            <a:endParaRPr lang="ko-KR" altLang="en-US"/>
+          </a:p>
+        </p:txBody>
+      </p:sp>
+      <p:sp>
+        <p:nvSpPr>
+          <p:cNvPr id="58" name="모서리가 둥근 직사각형 57"/>
+          <p:cNvSpPr/>
+          <p:nvPr/>
+        </p:nvSpPr>
+        <p:spPr>
+          <a:xfrm>
+            <a:off x="4841848" y="5609733"/>
+            <a:ext cx="1565150" cy="249382"/>
+          </a:xfrm>
+          <a:prstGeom prst="roundRect">
+            <a:avLst/>
+          </a:prstGeom>
+          <a:noFill/>
+          <a:ln>
+            <a:solidFill>
+              <a:srgbClr val="C00000"/>
+            </a:solidFill>
+          </a:ln>
+        </p:spPr>
+        <p:style>
+          <a:lnRef idx="2">
+            <a:schemeClr val="accent1">
+              <a:shade val="50000"/>
+            </a:schemeClr>
+          </a:lnRef>
+          <a:fillRef idx="1">
+            <a:schemeClr val="accent1"/>
+          </a:fillRef>
+          <a:effectRef idx="0">
+            <a:schemeClr val="accent1"/>
+          </a:effectRef>
+          <a:fontRef idx="minor">
+            <a:schemeClr val="lt1"/>
+          </a:fontRef>
+        </p:style>
+        <p:txBody>
+          <a:bodyPr rtlCol="0" anchor="ctr"/>
+          <a:lstStyle/>
+          <a:p>
+            <a:pPr algn="ctr"/>
+            <a:endParaRPr lang="ko-KR" altLang="en-US"/>
+          </a:p>
+        </p:txBody>
+      </p:sp>
+      <p:sp>
+        <p:nvSpPr>
+          <p:cNvPr id="59" name="모서리가 둥근 직사각형 58"/>
+          <p:cNvSpPr/>
+          <p:nvPr/>
+        </p:nvSpPr>
+        <p:spPr>
+          <a:xfrm>
+            <a:off x="2997723" y="5886776"/>
+            <a:ext cx="1567927" cy="249382"/>
+          </a:xfrm>
+          <a:prstGeom prst="roundRect">
+            <a:avLst/>
+          </a:prstGeom>
+          <a:noFill/>
+          <a:ln>
+            <a:solidFill>
+              <a:srgbClr val="C00000"/>
+            </a:solidFill>
+          </a:ln>
+        </p:spPr>
+        <p:style>
+          <a:lnRef idx="2">
+            <a:schemeClr val="accent1">
+              <a:shade val="50000"/>
+            </a:schemeClr>
+          </a:lnRef>
+          <a:fillRef idx="1">
+            <a:schemeClr val="accent1"/>
+          </a:fillRef>
+          <a:effectRef idx="0">
+            <a:schemeClr val="accent1"/>
+          </a:effectRef>
+          <a:fontRef idx="minor">
+            <a:schemeClr val="lt1"/>
+          </a:fontRef>
+        </p:style>
+        <p:txBody>
+          <a:bodyPr rtlCol="0" anchor="ctr"/>
+          <a:lstStyle/>
+          <a:p>
+            <a:pPr algn="ctr"/>
+            <a:endParaRPr lang="ko-KR" altLang="en-US"/>
+          </a:p>
+        </p:txBody>
+      </p:sp>
+      <p:sp>
+        <p:nvSpPr>
+          <p:cNvPr id="60" name="직사각형 59">
+            <a:extLst>
+              <a:ext uri="{FF2B5EF4-FFF2-40B4-BE49-F238E27FC236}">
+                <a16:creationId xmlns:a16="http://schemas.microsoft.com/office/drawing/2014/main" id="{D37D2321-D1D9-4437-B36B-5CE99E975CFF}"/>
+              </a:ext>
+            </a:extLst>
+          </p:cNvPr>
+          <p:cNvSpPr/>
+          <p:nvPr/>
+        </p:nvSpPr>
+        <p:spPr>
+          <a:xfrm>
+            <a:off x="900028" y="1649872"/>
+            <a:ext cx="3187899" cy="369332"/>
+          </a:xfrm>
+          <a:prstGeom prst="rect">
+            <a:avLst/>
+          </a:prstGeom>
+        </p:spPr>
+        <p:txBody>
+          <a:bodyPr wrap="square">
+            <a:spAutoFit/>
+          </a:bodyPr>
+          <a:lstStyle/>
+          <a:p>
+            <a:r>
+              <a:rPr lang="en-US" altLang="ko-KR" b="1" dirty="0" smtClean="0"/>
+              <a:t>(300*300)Input Image Size</a:t>
+            </a:r>
+            <a:endParaRPr lang="ko-KR" altLang="en-US" b="1" dirty="0"/>
+          </a:p>
+        </p:txBody>
+      </p:sp>
+      <p:sp>
+        <p:nvSpPr>
+          <p:cNvPr id="61" name="직사각형 60"/>
+          <p:cNvSpPr/>
+          <p:nvPr/>
+        </p:nvSpPr>
+        <p:spPr>
+          <a:xfrm>
+            <a:off x="924967" y="1662572"/>
+            <a:ext cx="3046957" cy="369332"/>
+          </a:xfrm>
+          <a:prstGeom prst="rect">
+            <a:avLst/>
+          </a:prstGeom>
+          <a:noFill/>
+          <a:ln w="28575">
+            <a:solidFill>
+              <a:schemeClr val="accent4">
+                <a:lumMod val="75000"/>
+              </a:schemeClr>
+            </a:solidFill>
+          </a:ln>
+        </p:spPr>
+        <p:style>
+          <a:lnRef idx="2">
+            <a:schemeClr val="accent1">
+              <a:shade val="50000"/>
+            </a:schemeClr>
+          </a:lnRef>
+          <a:fillRef idx="1">
+            <a:schemeClr val="accent1"/>
+          </a:fillRef>
+          <a:effectRef idx="0">
+            <a:schemeClr val="accent1"/>
+          </a:effectRef>
+          <a:fontRef idx="minor">
+            <a:schemeClr val="lt1"/>
+          </a:fontRef>
+        </p:style>
+        <p:txBody>
+          <a:bodyPr rtlCol="0" anchor="ctr"/>
+          <a:lstStyle/>
+          <a:p>
+            <a:pPr algn="ctr"/>
+            <a:endParaRPr lang="ko-KR" altLang="en-US" dirty="0"/>
+          </a:p>
+        </p:txBody>
+      </p:sp>
+      <p:sp>
+        <p:nvSpPr>
+          <p:cNvPr id="41" name="자유형 40"/>
+          <p:cNvSpPr/>
+          <p:nvPr/>
+        </p:nvSpPr>
+        <p:spPr>
+          <a:xfrm>
+            <a:off x="5915025" y="1914525"/>
+            <a:ext cx="1752600" cy="1457325"/>
+          </a:xfrm>
+          <a:custGeom>
+            <a:avLst/>
+            <a:gdLst>
+              <a:gd name="connsiteX0" fmla="*/ 0 w 3238500"/>
+              <a:gd name="connsiteY0" fmla="*/ 1466850 h 1466850"/>
+              <a:gd name="connsiteX1" fmla="*/ 1733550 w 3238500"/>
+              <a:gd name="connsiteY1" fmla="*/ 352425 h 1466850"/>
+              <a:gd name="connsiteX2" fmla="*/ 3238500 w 3238500"/>
+              <a:gd name="connsiteY2" fmla="*/ 0 h 1466850"/>
+              <a:gd name="connsiteX0" fmla="*/ 0 w 1802916"/>
+              <a:gd name="connsiteY0" fmla="*/ 1457325 h 1457325"/>
+              <a:gd name="connsiteX1" fmla="*/ 1733550 w 1802916"/>
+              <a:gd name="connsiteY1" fmla="*/ 342900 h 1457325"/>
+              <a:gd name="connsiteX2" fmla="*/ 1752600 w 1802916"/>
+              <a:gd name="connsiteY2" fmla="*/ 0 h 1457325"/>
+              <a:gd name="connsiteX0" fmla="*/ 0 w 1752600"/>
+              <a:gd name="connsiteY0" fmla="*/ 1457325 h 1457325"/>
+              <a:gd name="connsiteX1" fmla="*/ 657225 w 1752600"/>
+              <a:gd name="connsiteY1" fmla="*/ 666750 h 1457325"/>
+              <a:gd name="connsiteX2" fmla="*/ 1752600 w 1752600"/>
+              <a:gd name="connsiteY2" fmla="*/ 0 h 1457325"/>
+            </a:gdLst>
+            <a:ahLst/>
+            <a:cxnLst>
+              <a:cxn ang="0">
+                <a:pos x="connsiteX0" y="connsiteY0"/>
+              </a:cxn>
+              <a:cxn ang="0">
+                <a:pos x="connsiteX1" y="connsiteY1"/>
+              </a:cxn>
+              <a:cxn ang="0">
+                <a:pos x="connsiteX2" y="connsiteY2"/>
+              </a:cxn>
+            </a:cxnLst>
+            <a:rect l="l" t="t" r="r" b="b"/>
+            <a:pathLst>
+              <a:path w="1752600" h="1457325">
+                <a:moveTo>
+                  <a:pt x="0" y="1457325"/>
+                </a:moveTo>
+                <a:cubicBezTo>
+                  <a:pt x="596900" y="1022350"/>
+                  <a:pt x="365125" y="909637"/>
+                  <a:pt x="657225" y="666750"/>
+                </a:cubicBezTo>
+                <a:cubicBezTo>
+                  <a:pt x="949325" y="423863"/>
+                  <a:pt x="1270000" y="53975"/>
+                  <a:pt x="1752600" y="0"/>
+                </a:cubicBezTo>
+              </a:path>
+            </a:pathLst>
+          </a:custGeom>
+          <a:noFill/>
+          <a:ln w="19050">
+            <a:solidFill>
+              <a:schemeClr val="accent4">
+                <a:lumMod val="75000"/>
+              </a:schemeClr>
+            </a:solidFill>
+          </a:ln>
+        </p:spPr>
+        <p:style>
+          <a:lnRef idx="2">
+            <a:schemeClr val="accent1">
+              <a:shade val="50000"/>
+            </a:schemeClr>
+          </a:lnRef>
+          <a:fillRef idx="1">
+            <a:schemeClr val="accent1"/>
+          </a:fillRef>
+          <a:effectRef idx="0">
+            <a:schemeClr val="accent1"/>
+          </a:effectRef>
+          <a:fontRef idx="minor">
+            <a:schemeClr val="lt1"/>
+          </a:fontRef>
+        </p:style>
+        <p:txBody>
+          <a:bodyPr rtlCol="0" anchor="ctr"/>
+          <a:lstStyle/>
+          <a:p>
+            <a:pPr algn="ctr"/>
+            <a:endParaRPr lang="ko-KR" altLang="en-US"/>
+          </a:p>
+        </p:txBody>
+      </p:sp>
+      <p:sp>
+        <p:nvSpPr>
+          <p:cNvPr id="42" name="자유형 41"/>
+          <p:cNvSpPr/>
+          <p:nvPr/>
+        </p:nvSpPr>
+        <p:spPr>
+          <a:xfrm>
+            <a:off x="7705723" y="1885950"/>
+            <a:ext cx="1552575" cy="1190625"/>
+          </a:xfrm>
+          <a:custGeom>
+            <a:avLst/>
+            <a:gdLst>
+              <a:gd name="connsiteX0" fmla="*/ 800100 w 800100"/>
+              <a:gd name="connsiteY0" fmla="*/ 1171575 h 1171575"/>
+              <a:gd name="connsiteX1" fmla="*/ 333375 w 800100"/>
+              <a:gd name="connsiteY1" fmla="*/ 381000 h 1171575"/>
+              <a:gd name="connsiteX2" fmla="*/ 0 w 800100"/>
+              <a:gd name="connsiteY2" fmla="*/ 0 h 1171575"/>
+              <a:gd name="connsiteX0" fmla="*/ 104775 w 333915"/>
+              <a:gd name="connsiteY0" fmla="*/ 1171575 h 1171575"/>
+              <a:gd name="connsiteX1" fmla="*/ 333375 w 333915"/>
+              <a:gd name="connsiteY1" fmla="*/ 381000 h 1171575"/>
+              <a:gd name="connsiteX2" fmla="*/ 0 w 333915"/>
+              <a:gd name="connsiteY2" fmla="*/ 0 h 1171575"/>
+              <a:gd name="connsiteX0" fmla="*/ 153706 w 153706"/>
+              <a:gd name="connsiteY0" fmla="*/ 1171575 h 1171575"/>
+              <a:gd name="connsiteX1" fmla="*/ 1306 w 153706"/>
+              <a:gd name="connsiteY1" fmla="*/ 371475 h 1171575"/>
+              <a:gd name="connsiteX2" fmla="*/ 48931 w 153706"/>
+              <a:gd name="connsiteY2" fmla="*/ 0 h 1171575"/>
+              <a:gd name="connsiteX0" fmla="*/ 153706 w 153706"/>
+              <a:gd name="connsiteY0" fmla="*/ 1171575 h 1171575"/>
+              <a:gd name="connsiteX1" fmla="*/ 1306 w 153706"/>
+              <a:gd name="connsiteY1" fmla="*/ 371475 h 1171575"/>
+              <a:gd name="connsiteX2" fmla="*/ 48931 w 153706"/>
+              <a:gd name="connsiteY2" fmla="*/ 0 h 1171575"/>
+              <a:gd name="connsiteX0" fmla="*/ 1552575 w 1552575"/>
+              <a:gd name="connsiteY0" fmla="*/ 1190625 h 1190625"/>
+              <a:gd name="connsiteX1" fmla="*/ 1400175 w 1552575"/>
+              <a:gd name="connsiteY1" fmla="*/ 390525 h 1190625"/>
+              <a:gd name="connsiteX2" fmla="*/ 0 w 1552575"/>
+              <a:gd name="connsiteY2" fmla="*/ 0 h 1190625"/>
+              <a:gd name="connsiteX0" fmla="*/ 1552575 w 1552575"/>
+              <a:gd name="connsiteY0" fmla="*/ 1190625 h 1190625"/>
+              <a:gd name="connsiteX1" fmla="*/ 866775 w 1552575"/>
+              <a:gd name="connsiteY1" fmla="*/ 457200 h 1190625"/>
+              <a:gd name="connsiteX2" fmla="*/ 0 w 1552575"/>
+              <a:gd name="connsiteY2" fmla="*/ 0 h 1190625"/>
+            </a:gdLst>
+            <a:ahLst/>
+            <a:cxnLst>
+              <a:cxn ang="0">
+                <a:pos x="connsiteX0" y="connsiteY0"/>
+              </a:cxn>
+              <a:cxn ang="0">
+                <a:pos x="connsiteX1" y="connsiteY1"/>
+              </a:cxn>
+              <a:cxn ang="0">
+                <a:pos x="connsiteX2" y="connsiteY2"/>
+              </a:cxn>
+            </a:cxnLst>
+            <a:rect l="l" t="t" r="r" b="b"/>
+            <a:pathLst>
+              <a:path w="1552575" h="1190625">
+                <a:moveTo>
+                  <a:pt x="1552575" y="1190625"/>
+                </a:moveTo>
+                <a:cubicBezTo>
+                  <a:pt x="1385887" y="892968"/>
+                  <a:pt x="1125538" y="655638"/>
+                  <a:pt x="866775" y="457200"/>
+                </a:cubicBezTo>
+                <a:cubicBezTo>
+                  <a:pt x="608012" y="258763"/>
+                  <a:pt x="100012" y="92869"/>
+                  <a:pt x="0" y="0"/>
+                </a:cubicBezTo>
+              </a:path>
+            </a:pathLst>
+          </a:custGeom>
+          <a:noFill/>
+          <a:ln w="19050">
+            <a:solidFill>
+              <a:schemeClr val="accent4">
+                <a:lumMod val="75000"/>
+              </a:schemeClr>
+            </a:solidFill>
+          </a:ln>
+        </p:spPr>
+        <p:style>
+          <a:lnRef idx="2">
+            <a:schemeClr val="accent1">
+              <a:shade val="50000"/>
+            </a:schemeClr>
+          </a:lnRef>
+          <a:fillRef idx="1">
+            <a:schemeClr val="accent1"/>
+          </a:fillRef>
+          <a:effectRef idx="0">
+            <a:schemeClr val="accent1"/>
+          </a:effectRef>
+          <a:fontRef idx="minor">
+            <a:schemeClr val="lt1"/>
+          </a:fontRef>
+        </p:style>
+        <p:txBody>
+          <a:bodyPr rtlCol="0" anchor="ctr"/>
+          <a:lstStyle/>
+          <a:p>
+            <a:pPr algn="ctr"/>
+            <a:endParaRPr lang="ko-KR" altLang="en-US"/>
+          </a:p>
+        </p:txBody>
+      </p:sp>
+      <p:sp>
+        <p:nvSpPr>
+          <p:cNvPr id="43" name="자유형 42"/>
+          <p:cNvSpPr/>
+          <p:nvPr/>
+        </p:nvSpPr>
+        <p:spPr>
+          <a:xfrm>
+            <a:off x="6981824" y="1914526"/>
+            <a:ext cx="714375" cy="1828800"/>
+          </a:xfrm>
+          <a:custGeom>
+            <a:avLst/>
+            <a:gdLst>
+              <a:gd name="connsiteX0" fmla="*/ 0 w 1447800"/>
+              <a:gd name="connsiteY0" fmla="*/ 1609725 h 1609725"/>
+              <a:gd name="connsiteX1" fmla="*/ 790575 w 1447800"/>
+              <a:gd name="connsiteY1" fmla="*/ 619125 h 1609725"/>
+              <a:gd name="connsiteX2" fmla="*/ 1447800 w 1447800"/>
+              <a:gd name="connsiteY2" fmla="*/ 0 h 1609725"/>
+              <a:gd name="connsiteX0" fmla="*/ 0 w 1447800"/>
+              <a:gd name="connsiteY0" fmla="*/ 1609725 h 1609725"/>
+              <a:gd name="connsiteX1" fmla="*/ 790575 w 1447800"/>
+              <a:gd name="connsiteY1" fmla="*/ 619125 h 1609725"/>
+              <a:gd name="connsiteX2" fmla="*/ 1200150 w 1447800"/>
+              <a:gd name="connsiteY2" fmla="*/ 180975 h 1609725"/>
+              <a:gd name="connsiteX3" fmla="*/ 1447800 w 1447800"/>
+              <a:gd name="connsiteY3" fmla="*/ 0 h 1609725"/>
+              <a:gd name="connsiteX0" fmla="*/ 0 w 2171700"/>
+              <a:gd name="connsiteY0" fmla="*/ 1876425 h 1876425"/>
+              <a:gd name="connsiteX1" fmla="*/ 790575 w 2171700"/>
+              <a:gd name="connsiteY1" fmla="*/ 885825 h 1876425"/>
+              <a:gd name="connsiteX2" fmla="*/ 1200150 w 2171700"/>
+              <a:gd name="connsiteY2" fmla="*/ 447675 h 1876425"/>
+              <a:gd name="connsiteX3" fmla="*/ 2171700 w 2171700"/>
+              <a:gd name="connsiteY3" fmla="*/ 0 h 1876425"/>
+              <a:gd name="connsiteX0" fmla="*/ 0 w 2190750"/>
+              <a:gd name="connsiteY0" fmla="*/ 1847850 h 1847850"/>
+              <a:gd name="connsiteX1" fmla="*/ 790575 w 2190750"/>
+              <a:gd name="connsiteY1" fmla="*/ 857250 h 1847850"/>
+              <a:gd name="connsiteX2" fmla="*/ 1200150 w 2190750"/>
+              <a:gd name="connsiteY2" fmla="*/ 419100 h 1847850"/>
+              <a:gd name="connsiteX3" fmla="*/ 2190750 w 2190750"/>
+              <a:gd name="connsiteY3" fmla="*/ 0 h 1847850"/>
+              <a:gd name="connsiteX0" fmla="*/ 0 w 2190750"/>
+              <a:gd name="connsiteY0" fmla="*/ 1847850 h 1847850"/>
+              <a:gd name="connsiteX1" fmla="*/ 790575 w 2190750"/>
+              <a:gd name="connsiteY1" fmla="*/ 857250 h 1847850"/>
+              <a:gd name="connsiteX2" fmla="*/ 1362075 w 2190750"/>
+              <a:gd name="connsiteY2" fmla="*/ 361950 h 1847850"/>
+              <a:gd name="connsiteX3" fmla="*/ 2190750 w 2190750"/>
+              <a:gd name="connsiteY3" fmla="*/ 0 h 1847850"/>
+              <a:gd name="connsiteX0" fmla="*/ 0 w 1372406"/>
+              <a:gd name="connsiteY0" fmla="*/ 1828800 h 1828800"/>
+              <a:gd name="connsiteX1" fmla="*/ 790575 w 1372406"/>
+              <a:gd name="connsiteY1" fmla="*/ 838200 h 1828800"/>
+              <a:gd name="connsiteX2" fmla="*/ 1362075 w 1372406"/>
+              <a:gd name="connsiteY2" fmla="*/ 342900 h 1828800"/>
+              <a:gd name="connsiteX3" fmla="*/ 714375 w 1372406"/>
+              <a:gd name="connsiteY3" fmla="*/ 0 h 1828800"/>
+              <a:gd name="connsiteX0" fmla="*/ 0 w 796377"/>
+              <a:gd name="connsiteY0" fmla="*/ 1828800 h 1828800"/>
+              <a:gd name="connsiteX1" fmla="*/ 790575 w 796377"/>
+              <a:gd name="connsiteY1" fmla="*/ 838200 h 1828800"/>
+              <a:gd name="connsiteX2" fmla="*/ 409575 w 796377"/>
+              <a:gd name="connsiteY2" fmla="*/ 885825 h 1828800"/>
+              <a:gd name="connsiteX3" fmla="*/ 714375 w 796377"/>
+              <a:gd name="connsiteY3" fmla="*/ 0 h 1828800"/>
+              <a:gd name="connsiteX0" fmla="*/ 0 w 714375"/>
+              <a:gd name="connsiteY0" fmla="*/ 1828800 h 1828800"/>
+              <a:gd name="connsiteX1" fmla="*/ 228600 w 714375"/>
+              <a:gd name="connsiteY1" fmla="*/ 1323975 h 1828800"/>
+              <a:gd name="connsiteX2" fmla="*/ 409575 w 714375"/>
+              <a:gd name="connsiteY2" fmla="*/ 885825 h 1828800"/>
+              <a:gd name="connsiteX3" fmla="*/ 714375 w 714375"/>
+              <a:gd name="connsiteY3" fmla="*/ 0 h 1828800"/>
+            </a:gdLst>
+            <a:ahLst/>
+            <a:cxnLst>
+              <a:cxn ang="0">
+                <a:pos x="connsiteX0" y="connsiteY0"/>
+              </a:cxn>
+              <a:cxn ang="0">
+                <a:pos x="connsiteX1" y="connsiteY1"/>
+              </a:cxn>
+              <a:cxn ang="0">
+                <a:pos x="connsiteX2" y="connsiteY2"/>
+              </a:cxn>
+              <a:cxn ang="0">
+                <a:pos x="connsiteX3" y="connsiteY3"/>
+              </a:cxn>
+            </a:cxnLst>
+            <a:rect l="l" t="t" r="r" b="b"/>
+            <a:pathLst>
+              <a:path w="714375" h="1828800">
+                <a:moveTo>
+                  <a:pt x="0" y="1828800"/>
+                </a:moveTo>
+                <a:cubicBezTo>
+                  <a:pt x="274637" y="1467643"/>
+                  <a:pt x="160338" y="1481137"/>
+                  <a:pt x="228600" y="1323975"/>
+                </a:cubicBezTo>
+                <a:cubicBezTo>
+                  <a:pt x="296862" y="1166813"/>
+                  <a:pt x="300038" y="989012"/>
+                  <a:pt x="409575" y="885825"/>
+                </a:cubicBezTo>
+                <a:cubicBezTo>
+                  <a:pt x="519112" y="782638"/>
+                  <a:pt x="673100" y="30162"/>
+                  <a:pt x="714375" y="0"/>
+                </a:cubicBezTo>
+              </a:path>
+            </a:pathLst>
+          </a:custGeom>
+          <a:noFill/>
+          <a:ln w="19050">
+            <a:solidFill>
+              <a:schemeClr val="accent4">
+                <a:lumMod val="75000"/>
+              </a:schemeClr>
+            </a:solidFill>
+          </a:ln>
+        </p:spPr>
+        <p:style>
+          <a:lnRef idx="2">
+            <a:schemeClr val="accent1">
+              <a:shade val="50000"/>
+            </a:schemeClr>
+          </a:lnRef>
+          <a:fillRef idx="1">
+            <a:schemeClr val="accent1"/>
+          </a:fillRef>
+          <a:effectRef idx="0">
+            <a:schemeClr val="accent1"/>
+          </a:effectRef>
+          <a:fontRef idx="minor">
+            <a:schemeClr val="lt1"/>
+          </a:fontRef>
+        </p:style>
+        <p:txBody>
+          <a:bodyPr rtlCol="0" anchor="ctr"/>
+          <a:lstStyle/>
+          <a:p>
+            <a:pPr algn="ctr"/>
+            <a:endParaRPr lang="ko-KR" altLang="en-US"/>
+          </a:p>
+        </p:txBody>
+      </p:sp>
+      <p:sp>
+        <p:nvSpPr>
+          <p:cNvPr id="63" name="직사각형 62">
+            <a:extLst>
+              <a:ext uri="{FF2B5EF4-FFF2-40B4-BE49-F238E27FC236}">
+                <a16:creationId xmlns:a16="http://schemas.microsoft.com/office/drawing/2014/main" id="{1B00303A-37E8-47C3-A8A8-C52D7E5853CC}"/>
+              </a:ext>
+            </a:extLst>
+          </p:cNvPr>
+          <p:cNvSpPr/>
+          <p:nvPr/>
+        </p:nvSpPr>
+        <p:spPr>
+          <a:xfrm>
+            <a:off x="730566" y="-1037185"/>
             <a:ext cx="9499599" cy="646331"/>
           </a:xfrm>
           <a:prstGeom prst="rect">
@@ -16522,19 +17304,167 @@
           <a:lstStyle/>
           <a:p>
             <a:r>
-              <a:rPr lang="en-US" altLang="ko-KR" b="1" dirty="0"/>
-              <a:t>SSD uses double Feature map with different size, </a:t>
-            </a:r>
-          </a:p>
-          <a:p>
-            <a:r>
-              <a:rPr lang="en-US" altLang="ko-KR" b="1" dirty="0"/>
-              <a:t>It also uses </a:t>
+              <a:rPr lang="ko-KR" altLang="en-US" b="1" dirty="0" smtClean="0"/>
+              <a:t>해상도가 큰 </a:t>
+            </a:r>
+            <a:r>
+              <a:rPr lang="en-US" altLang="ko-KR" b="1" dirty="0" smtClean="0"/>
+              <a:t>FM</a:t>
+            </a:r>
+            <a:r>
+              <a:rPr lang="ko-KR" altLang="en-US" b="1" dirty="0" smtClean="0"/>
+              <a:t>은 상대적으로 </a:t>
+            </a:r>
+            <a:r>
+              <a:rPr lang="ko-KR" altLang="en-US" b="1" dirty="0" err="1" smtClean="0"/>
+              <a:t>작은크기의</a:t>
+            </a:r>
+            <a:r>
+              <a:rPr lang="ko-KR" altLang="en-US" b="1" dirty="0" smtClean="0"/>
+              <a:t> 물체를 </a:t>
+            </a:r>
+            <a:r>
+              <a:rPr lang="ko-KR" altLang="en-US" b="1" dirty="0" err="1" smtClean="0"/>
+              <a:t>잘잡고</a:t>
+            </a:r>
+            <a:endParaRPr lang="en-US" altLang="ko-KR" b="1" dirty="0" smtClean="0"/>
+          </a:p>
+          <a:p>
+            <a:r>
+              <a:rPr lang="ko-KR" altLang="en-US" b="1" dirty="0" smtClean="0"/>
+              <a:t>해상도가 큰 </a:t>
+            </a:r>
+            <a:r>
+              <a:rPr lang="en-US" altLang="ko-KR" b="1" dirty="0" smtClean="0"/>
+              <a:t>FM</a:t>
+            </a:r>
+            <a:r>
+              <a:rPr lang="ko-KR" altLang="en-US" b="1" dirty="0" smtClean="0"/>
+              <a:t>은 큰 크기의 물체를 </a:t>
+            </a:r>
+            <a:r>
+              <a:rPr lang="ko-KR" altLang="en-US" b="1" dirty="0" err="1" smtClean="0"/>
+              <a:t>잘잡는다</a:t>
             </a:r>
             <a:endParaRPr lang="ko-KR" altLang="en-US" b="1" dirty="0"/>
           </a:p>
         </p:txBody>
       </p:sp>
+      <p:sp>
+        <p:nvSpPr>
+          <p:cNvPr id="64" name="직사각형 63">
+            <a:extLst>
+              <a:ext uri="{FF2B5EF4-FFF2-40B4-BE49-F238E27FC236}">
+                <a16:creationId xmlns:a16="http://schemas.microsoft.com/office/drawing/2014/main" id="{1B00303A-37E8-47C3-A8A8-C52D7E5853CC}"/>
+              </a:ext>
+            </a:extLst>
+          </p:cNvPr>
+          <p:cNvSpPr/>
+          <p:nvPr/>
+        </p:nvSpPr>
+        <p:spPr>
+          <a:xfrm>
+            <a:off x="8626440" y="1367104"/>
+            <a:ext cx="2181991" cy="646331"/>
+          </a:xfrm>
+          <a:prstGeom prst="rect">
+            <a:avLst/>
+          </a:prstGeom>
+        </p:spPr>
+        <p:txBody>
+          <a:bodyPr wrap="square">
+            <a:spAutoFit/>
+          </a:bodyPr>
+          <a:lstStyle/>
+          <a:p>
+            <a:r>
+              <a:rPr lang="en-US" altLang="ko-KR" b="1" dirty="0" smtClean="0"/>
+              <a:t>BB Regression</a:t>
+            </a:r>
+          </a:p>
+          <a:p>
+            <a:r>
+              <a:rPr lang="en-US" altLang="ko-KR" b="1" dirty="0" smtClean="0"/>
+              <a:t>Confidence Score</a:t>
+            </a:r>
+            <a:endParaRPr lang="ko-KR" altLang="en-US" b="1" dirty="0"/>
+          </a:p>
+        </p:txBody>
+      </p:sp>
+      <p:cxnSp>
+        <p:nvCxnSpPr>
+          <p:cNvPr id="62" name="직선 연결선 61"/>
+          <p:cNvCxnSpPr>
+            <a:stCxn id="4" idx="3"/>
+          </p:cNvCxnSpPr>
+          <p:nvPr/>
+        </p:nvCxnSpPr>
+        <p:spPr>
+          <a:xfrm flipV="1">
+            <a:off x="8458021" y="1528080"/>
+            <a:ext cx="168419" cy="184666"/>
+          </a:xfrm>
+          <a:prstGeom prst="line">
+            <a:avLst/>
+          </a:prstGeom>
+          <a:ln w="19050">
+            <a:solidFill>
+              <a:schemeClr val="tx1"/>
+            </a:solidFill>
+          </a:ln>
+        </p:spPr>
+        <p:style>
+          <a:lnRef idx="1">
+            <a:schemeClr val="accent1"/>
+          </a:lnRef>
+          <a:fillRef idx="0">
+            <a:schemeClr val="accent1"/>
+          </a:fillRef>
+          <a:effectRef idx="0">
+            <a:schemeClr val="accent1"/>
+          </a:effectRef>
+          <a:fontRef idx="minor">
+            <a:schemeClr val="tx1"/>
+          </a:fontRef>
+        </p:style>
+      </p:cxnSp>
+      <p:cxnSp>
+        <p:nvCxnSpPr>
+          <p:cNvPr id="4097" name="직선 연결선 4096"/>
+          <p:cNvCxnSpPr>
+            <a:stCxn id="4" idx="3"/>
+          </p:cNvCxnSpPr>
+          <p:nvPr/>
+        </p:nvCxnSpPr>
+        <p:spPr>
+          <a:xfrm>
+            <a:off x="8458021" y="1712746"/>
+            <a:ext cx="168419" cy="134492"/>
+          </a:xfrm>
+          <a:prstGeom prst="line">
+            <a:avLst/>
+          </a:prstGeom>
+          <a:ln w="19050">
+            <a:solidFill>
+              <a:schemeClr val="tx1"/>
+            </a:solidFill>
+          </a:ln>
+        </p:spPr>
+        <p:style>
+          <a:lnRef idx="1">
+            <a:schemeClr val="accent1"/>
+          </a:lnRef>
+          <a:fillRef idx="0">
+            <a:schemeClr val="accent1"/>
+          </a:fillRef>
+          <a:effectRef idx="0">
+            <a:schemeClr val="accent1"/>
+          </a:effectRef>
+          <a:fontRef idx="minor">
+            <a:schemeClr val="tx1"/>
+          </a:fontRef>
+        </p:style>
+      </p:cxnSp>
     </p:spTree>
     <p:extLst>
       <p:ext uri="{BB962C8B-B14F-4D97-AF65-F5344CB8AC3E}">
@@ -16545,6 +17475,13 @@
   <p:clrMapOvr>
     <a:masterClrMapping/>
   </p:clrMapOvr>
+  <p:timing>
+    <p:tnLst>
+      <p:par>
+        <p:cTn id="1" dur="indefinite" restart="never" nodeType="tmRoot"/>
+      </p:par>
+    </p:tnLst>
+  </p:timing>
 </p:sld>
 </file>
 
@@ -16923,72 +17860,9 @@
           </a:p>
         </p:txBody>
       </p:sp>
-      <p:sp>
-        <p:nvSpPr>
-          <p:cNvPr id="6" name="직사각형 5">
-            <a:extLst>
-              <a:ext uri="{FF2B5EF4-FFF2-40B4-BE49-F238E27FC236}">
-                <a16:creationId xmlns:a16="http://schemas.microsoft.com/office/drawing/2014/main" id="{1B00303A-37E8-47C3-A8A8-C52D7E5853CC}"/>
-              </a:ext>
-            </a:extLst>
-          </p:cNvPr>
-          <p:cNvSpPr/>
-          <p:nvPr/>
-        </p:nvSpPr>
-        <p:spPr>
-          <a:xfrm>
-            <a:off x="228600" y="739566"/>
-            <a:ext cx="9499599" cy="646331"/>
-          </a:xfrm>
-          <a:prstGeom prst="rect">
-            <a:avLst/>
-          </a:prstGeom>
-        </p:spPr>
-        <p:txBody>
-          <a:bodyPr wrap="square">
-            <a:spAutoFit/>
-          </a:bodyPr>
-          <a:lstStyle/>
-          <a:p>
-            <a:r>
-              <a:rPr lang="en-US" altLang="ko-KR" b="1" dirty="0" err="1"/>
-              <a:t>SSDNet</a:t>
-            </a:r>
-            <a:r>
-              <a:rPr lang="en-US" altLang="ko-KR" b="1" dirty="0"/>
-              <a:t> doesn’t use </a:t>
-            </a:r>
-            <a:r>
-              <a:rPr lang="en-US" altLang="ko-KR" b="1" dirty="0" err="1"/>
-              <a:t>Object_Proposal</a:t>
-            </a:r>
-            <a:r>
-              <a:rPr lang="en-US" altLang="ko-KR" b="1" dirty="0"/>
-              <a:t> procedure.</a:t>
-            </a:r>
-          </a:p>
-          <a:p>
-            <a:r>
-              <a:rPr lang="en-US" altLang="ko-KR" b="1" dirty="0"/>
-              <a:t>Both speed and accuracy of these are superior to YOLO &amp; </a:t>
-            </a:r>
-            <a:r>
-              <a:rPr lang="en-US" altLang="ko-KR" b="1" dirty="0" err="1"/>
-              <a:t>FasterRCNN</a:t>
-            </a:r>
-            <a:endParaRPr lang="ko-KR" altLang="en-US" b="1" dirty="0"/>
-          </a:p>
-        </p:txBody>
-      </p:sp>
       <p:pic>
         <p:nvPicPr>
-          <p:cNvPr id="14" name="Picture 4" descr="https://miro.medium.com/max/700/1*51joMGlhxvftTxGtA4lA7Q.png">
-            <a:extLst>
-              <a:ext uri="{FF2B5EF4-FFF2-40B4-BE49-F238E27FC236}">
-                <a16:creationId xmlns:a16="http://schemas.microsoft.com/office/drawing/2014/main" id="{DC46A03B-3815-4ABA-B381-1D79D77A07F8}"/>
-              </a:ext>
-            </a:extLst>
-          </p:cNvPr>
+          <p:cNvPr id="2050" name="Picture 2" descr="model"/>
           <p:cNvPicPr>
             <a:picLocks noChangeAspect="1" noChangeArrowheads="1"/>
           </p:cNvPicPr>
@@ -17009,8 +17883,8 @@
         </p:blipFill>
         <p:spPr bwMode="auto">
           <a:xfrm>
-            <a:off x="441324" y="1806606"/>
-            <a:ext cx="11039476" cy="3447988"/>
+            <a:off x="709845" y="2008197"/>
+            <a:ext cx="10889241" cy="3338503"/>
           </a:xfrm>
           <a:prstGeom prst="rect">
             <a:avLst/>
@@ -17027,6 +17901,627 @@
           </a:extLst>
         </p:spPr>
       </p:pic>
+      <p:sp>
+        <p:nvSpPr>
+          <p:cNvPr id="8" name="내용 개체 틀 2">
+            <a:extLst>
+              <a:ext uri="{FF2B5EF4-FFF2-40B4-BE49-F238E27FC236}">
+                <a16:creationId xmlns:a16="http://schemas.microsoft.com/office/drawing/2014/main" id="{8B61C2D0-725E-489B-A335-9B709B151937}"/>
+              </a:ext>
+            </a:extLst>
+          </p:cNvPr>
+          <p:cNvSpPr txBox="1">
+            <a:spLocks/>
+          </p:cNvSpPr>
+          <p:nvPr/>
+        </p:nvSpPr>
+        <p:spPr>
+          <a:xfrm>
+            <a:off x="3733799" y="5346700"/>
+            <a:ext cx="3746501" cy="334566"/>
+          </a:xfrm>
+          <a:prstGeom prst="rect">
+            <a:avLst/>
+          </a:prstGeom>
+        </p:spPr>
+        <p:txBody>
+          <a:bodyPr vert="horz" lIns="91440" tIns="45720" rIns="91440" bIns="45720" rtlCol="0">
+            <a:normAutofit lnSpcReduction="10000"/>
+          </a:bodyPr>
+          <a:lstStyle>
+            <a:lvl1pPr marL="0" indent="0" algn="ctr" defTabSz="914400" rtl="0" eaLnBrk="1" latinLnBrk="0" hangingPunct="1">
+              <a:lnSpc>
+                <a:spcPct val="90000"/>
+              </a:lnSpc>
+              <a:spcBef>
+                <a:spcPts val="1000"/>
+              </a:spcBef>
+              <a:buFont typeface="Arial" panose="020B0604020202020204" pitchFamily="34" charset="0"/>
+              <a:buNone/>
+              <a:defRPr sz="2400" kern="1200">
+                <a:solidFill>
+                  <a:schemeClr val="tx1"/>
+                </a:solidFill>
+                <a:latin typeface="+mn-lt"/>
+                <a:ea typeface="+mn-ea"/>
+                <a:cs typeface="+mn-cs"/>
+              </a:defRPr>
+            </a:lvl1pPr>
+            <a:lvl2pPr marL="457200" indent="0" algn="ctr" defTabSz="914400" rtl="0" eaLnBrk="1" latinLnBrk="0" hangingPunct="1">
+              <a:lnSpc>
+                <a:spcPct val="90000"/>
+              </a:lnSpc>
+              <a:spcBef>
+                <a:spcPts val="500"/>
+              </a:spcBef>
+              <a:buFont typeface="Arial" panose="020B0604020202020204" pitchFamily="34" charset="0"/>
+              <a:buNone/>
+              <a:defRPr sz="2000" kern="1200">
+                <a:solidFill>
+                  <a:schemeClr val="tx1"/>
+                </a:solidFill>
+                <a:latin typeface="+mn-lt"/>
+                <a:ea typeface="+mn-ea"/>
+                <a:cs typeface="+mn-cs"/>
+              </a:defRPr>
+            </a:lvl2pPr>
+            <a:lvl3pPr marL="914400" indent="0" algn="ctr" defTabSz="914400" rtl="0" eaLnBrk="1" latinLnBrk="0" hangingPunct="1">
+              <a:lnSpc>
+                <a:spcPct val="90000"/>
+              </a:lnSpc>
+              <a:spcBef>
+                <a:spcPts val="500"/>
+              </a:spcBef>
+              <a:buFont typeface="Arial" panose="020B0604020202020204" pitchFamily="34" charset="0"/>
+              <a:buNone/>
+              <a:defRPr sz="1800" kern="1200">
+                <a:solidFill>
+                  <a:schemeClr val="tx1"/>
+                </a:solidFill>
+                <a:latin typeface="+mn-lt"/>
+                <a:ea typeface="+mn-ea"/>
+                <a:cs typeface="+mn-cs"/>
+              </a:defRPr>
+            </a:lvl3pPr>
+            <a:lvl4pPr marL="1371600" indent="0" algn="ctr" defTabSz="914400" rtl="0" eaLnBrk="1" latinLnBrk="0" hangingPunct="1">
+              <a:lnSpc>
+                <a:spcPct val="90000"/>
+              </a:lnSpc>
+              <a:spcBef>
+                <a:spcPts val="500"/>
+              </a:spcBef>
+              <a:buFont typeface="Arial" panose="020B0604020202020204" pitchFamily="34" charset="0"/>
+              <a:buNone/>
+              <a:defRPr sz="1600" kern="1200">
+                <a:solidFill>
+                  <a:schemeClr val="tx1"/>
+                </a:solidFill>
+                <a:latin typeface="+mn-lt"/>
+                <a:ea typeface="+mn-ea"/>
+                <a:cs typeface="+mn-cs"/>
+              </a:defRPr>
+            </a:lvl4pPr>
+            <a:lvl5pPr marL="1828800" indent="0" algn="ctr" defTabSz="914400" rtl="0" eaLnBrk="1" latinLnBrk="0" hangingPunct="1">
+              <a:lnSpc>
+                <a:spcPct val="90000"/>
+              </a:lnSpc>
+              <a:spcBef>
+                <a:spcPts val="500"/>
+              </a:spcBef>
+              <a:buFont typeface="Arial" panose="020B0604020202020204" pitchFamily="34" charset="0"/>
+              <a:buNone/>
+              <a:defRPr sz="1600" kern="1200">
+                <a:solidFill>
+                  <a:schemeClr val="tx1"/>
+                </a:solidFill>
+                <a:latin typeface="+mn-lt"/>
+                <a:ea typeface="+mn-ea"/>
+                <a:cs typeface="+mn-cs"/>
+              </a:defRPr>
+            </a:lvl5pPr>
+            <a:lvl6pPr marL="2286000" indent="0" algn="ctr" defTabSz="914400" rtl="0" eaLnBrk="1" latinLnBrk="0" hangingPunct="1">
+              <a:lnSpc>
+                <a:spcPct val="90000"/>
+              </a:lnSpc>
+              <a:spcBef>
+                <a:spcPts val="500"/>
+              </a:spcBef>
+              <a:buFont typeface="Arial" panose="020B0604020202020204" pitchFamily="34" charset="0"/>
+              <a:buNone/>
+              <a:defRPr sz="1600" kern="1200">
+                <a:solidFill>
+                  <a:schemeClr val="tx1"/>
+                </a:solidFill>
+                <a:latin typeface="+mn-lt"/>
+                <a:ea typeface="+mn-ea"/>
+                <a:cs typeface="+mn-cs"/>
+              </a:defRPr>
+            </a:lvl6pPr>
+            <a:lvl7pPr marL="2743200" indent="0" algn="ctr" defTabSz="914400" rtl="0" eaLnBrk="1" latinLnBrk="0" hangingPunct="1">
+              <a:lnSpc>
+                <a:spcPct val="90000"/>
+              </a:lnSpc>
+              <a:spcBef>
+                <a:spcPts val="500"/>
+              </a:spcBef>
+              <a:buFont typeface="Arial" panose="020B0604020202020204" pitchFamily="34" charset="0"/>
+              <a:buNone/>
+              <a:defRPr sz="1600" kern="1200">
+                <a:solidFill>
+                  <a:schemeClr val="tx1"/>
+                </a:solidFill>
+                <a:latin typeface="+mn-lt"/>
+                <a:ea typeface="+mn-ea"/>
+                <a:cs typeface="+mn-cs"/>
+              </a:defRPr>
+            </a:lvl7pPr>
+            <a:lvl8pPr marL="3200400" indent="0" algn="ctr" defTabSz="914400" rtl="0" eaLnBrk="1" latinLnBrk="0" hangingPunct="1">
+              <a:lnSpc>
+                <a:spcPct val="90000"/>
+              </a:lnSpc>
+              <a:spcBef>
+                <a:spcPts val="500"/>
+              </a:spcBef>
+              <a:buFont typeface="Arial" panose="020B0604020202020204" pitchFamily="34" charset="0"/>
+              <a:buNone/>
+              <a:defRPr sz="1600" kern="1200">
+                <a:solidFill>
+                  <a:schemeClr val="tx1"/>
+                </a:solidFill>
+                <a:latin typeface="+mn-lt"/>
+                <a:ea typeface="+mn-ea"/>
+                <a:cs typeface="+mn-cs"/>
+              </a:defRPr>
+            </a:lvl8pPr>
+            <a:lvl9pPr marL="3657600" indent="0" algn="ctr" defTabSz="914400" rtl="0" eaLnBrk="1" latinLnBrk="0" hangingPunct="1">
+              <a:lnSpc>
+                <a:spcPct val="90000"/>
+              </a:lnSpc>
+              <a:spcBef>
+                <a:spcPts val="500"/>
+              </a:spcBef>
+              <a:buFont typeface="Arial" panose="020B0604020202020204" pitchFamily="34" charset="0"/>
+              <a:buNone/>
+              <a:defRPr sz="1600" kern="1200">
+                <a:solidFill>
+                  <a:schemeClr val="tx1"/>
+                </a:solidFill>
+                <a:latin typeface="+mn-lt"/>
+                <a:ea typeface="+mn-ea"/>
+                <a:cs typeface="+mn-cs"/>
+              </a:defRPr>
+            </a:lvl9pPr>
+          </a:lstStyle>
+          <a:p>
+            <a:pPr lvl="0" algn="l" eaLnBrk="0" fontAlgn="base" hangingPunct="0">
+              <a:lnSpc>
+                <a:spcPct val="100000"/>
+              </a:lnSpc>
+              <a:spcBef>
+                <a:spcPct val="0"/>
+              </a:spcBef>
+              <a:spcAft>
+                <a:spcPct val="0"/>
+              </a:spcAft>
+            </a:pPr>
+            <a:r>
+              <a:rPr lang="en-US" altLang="ko-KR" sz="1600" b="1" dirty="0" smtClean="0"/>
+              <a:t>Feed-Forward Convolution Network</a:t>
+            </a:r>
+            <a:endParaRPr lang="en-US" altLang="ko-KR" sz="1600" b="1" dirty="0"/>
+          </a:p>
+          <a:p>
+            <a:pPr lvl="0" algn="l" eaLnBrk="0" fontAlgn="base" hangingPunct="0">
+              <a:lnSpc>
+                <a:spcPct val="100000"/>
+              </a:lnSpc>
+              <a:spcBef>
+                <a:spcPct val="0"/>
+              </a:spcBef>
+              <a:spcAft>
+                <a:spcPct val="0"/>
+              </a:spcAft>
+            </a:pPr>
+            <a:endParaRPr lang="en-US" altLang="ko-KR" dirty="0"/>
+          </a:p>
+          <a:p>
+            <a:pPr lvl="0" algn="l" eaLnBrk="0" fontAlgn="base" hangingPunct="0">
+              <a:lnSpc>
+                <a:spcPct val="100000"/>
+              </a:lnSpc>
+              <a:spcBef>
+                <a:spcPct val="0"/>
+              </a:spcBef>
+              <a:spcAft>
+                <a:spcPct val="0"/>
+              </a:spcAft>
+            </a:pPr>
+            <a:endParaRPr lang="en-US" altLang="ko-KR" dirty="0"/>
+          </a:p>
+        </p:txBody>
+      </p:sp>
+      <p:cxnSp>
+        <p:nvCxnSpPr>
+          <p:cNvPr id="3" name="직선 화살표 연결선 2"/>
+          <p:cNvCxnSpPr/>
+          <p:nvPr/>
+        </p:nvCxnSpPr>
+        <p:spPr>
+          <a:xfrm>
+            <a:off x="1428749" y="5346700"/>
+            <a:ext cx="8947151" cy="0"/>
+          </a:xfrm>
+          <a:prstGeom prst="straightConnector1">
+            <a:avLst/>
+          </a:prstGeom>
+          <a:ln w="19050">
+            <a:solidFill>
+              <a:schemeClr val="tx1"/>
+            </a:solidFill>
+            <a:tailEnd type="triangle"/>
+          </a:ln>
+        </p:spPr>
+        <p:style>
+          <a:lnRef idx="1">
+            <a:schemeClr val="accent1"/>
+          </a:lnRef>
+          <a:fillRef idx="0">
+            <a:schemeClr val="accent1"/>
+          </a:fillRef>
+          <a:effectRef idx="0">
+            <a:schemeClr val="accent1"/>
+          </a:effectRef>
+          <a:fontRef idx="minor">
+            <a:schemeClr val="tx1"/>
+          </a:fontRef>
+        </p:style>
+      </p:cxnSp>
+      <p:sp>
+        <p:nvSpPr>
+          <p:cNvPr id="5" name="왼쪽 중괄호 4"/>
+          <p:cNvSpPr/>
+          <p:nvPr/>
+        </p:nvSpPr>
+        <p:spPr>
+          <a:xfrm rot="5400000">
+            <a:off x="2484275" y="678024"/>
+            <a:ext cx="226008" cy="3314959"/>
+          </a:xfrm>
+          <a:custGeom>
+            <a:avLst/>
+            <a:gdLst>
+              <a:gd name="connsiteX0" fmla="*/ 215900 w 215900"/>
+              <a:gd name="connsiteY0" fmla="*/ 1587500 h 1587500"/>
+              <a:gd name="connsiteX1" fmla="*/ 107950 w 215900"/>
+              <a:gd name="connsiteY1" fmla="*/ 1569509 h 1587500"/>
+              <a:gd name="connsiteX2" fmla="*/ 107950 w 215900"/>
+              <a:gd name="connsiteY2" fmla="*/ 811741 h 1587500"/>
+              <a:gd name="connsiteX3" fmla="*/ 0 w 215900"/>
+              <a:gd name="connsiteY3" fmla="*/ 793750 h 1587500"/>
+              <a:gd name="connsiteX4" fmla="*/ 107950 w 215900"/>
+              <a:gd name="connsiteY4" fmla="*/ 775759 h 1587500"/>
+              <a:gd name="connsiteX5" fmla="*/ 107950 w 215900"/>
+              <a:gd name="connsiteY5" fmla="*/ 17991 h 1587500"/>
+              <a:gd name="connsiteX6" fmla="*/ 215900 w 215900"/>
+              <a:gd name="connsiteY6" fmla="*/ 0 h 1587500"/>
+              <a:gd name="connsiteX7" fmla="*/ 215900 w 215900"/>
+              <a:gd name="connsiteY7" fmla="*/ 1587500 h 1587500"/>
+              <a:gd name="connsiteX0" fmla="*/ 215900 w 215900"/>
+              <a:gd name="connsiteY0" fmla="*/ 1587500 h 1587500"/>
+              <a:gd name="connsiteX1" fmla="*/ 107950 w 215900"/>
+              <a:gd name="connsiteY1" fmla="*/ 1569509 h 1587500"/>
+              <a:gd name="connsiteX2" fmla="*/ 107950 w 215900"/>
+              <a:gd name="connsiteY2" fmla="*/ 811741 h 1587500"/>
+              <a:gd name="connsiteX3" fmla="*/ 0 w 215900"/>
+              <a:gd name="connsiteY3" fmla="*/ 793750 h 1587500"/>
+              <a:gd name="connsiteX4" fmla="*/ 107950 w 215900"/>
+              <a:gd name="connsiteY4" fmla="*/ 775759 h 1587500"/>
+              <a:gd name="connsiteX5" fmla="*/ 107950 w 215900"/>
+              <a:gd name="connsiteY5" fmla="*/ 17991 h 1587500"/>
+              <a:gd name="connsiteX6" fmla="*/ 215900 w 215900"/>
+              <a:gd name="connsiteY6" fmla="*/ 0 h 1587500"/>
+              <a:gd name="connsiteX0" fmla="*/ 215900 w 215900"/>
+              <a:gd name="connsiteY0" fmla="*/ 1587500 h 1587500"/>
+              <a:gd name="connsiteX1" fmla="*/ 107950 w 215900"/>
+              <a:gd name="connsiteY1" fmla="*/ 1569509 h 1587500"/>
+              <a:gd name="connsiteX2" fmla="*/ 107950 w 215900"/>
+              <a:gd name="connsiteY2" fmla="*/ 811741 h 1587500"/>
+              <a:gd name="connsiteX3" fmla="*/ 0 w 215900"/>
+              <a:gd name="connsiteY3" fmla="*/ 793750 h 1587500"/>
+              <a:gd name="connsiteX4" fmla="*/ 107950 w 215900"/>
+              <a:gd name="connsiteY4" fmla="*/ 775759 h 1587500"/>
+              <a:gd name="connsiteX5" fmla="*/ 107950 w 215900"/>
+              <a:gd name="connsiteY5" fmla="*/ 17991 h 1587500"/>
+              <a:gd name="connsiteX6" fmla="*/ 215900 w 215900"/>
+              <a:gd name="connsiteY6" fmla="*/ 0 h 1587500"/>
+              <a:gd name="connsiteX7" fmla="*/ 215900 w 215900"/>
+              <a:gd name="connsiteY7" fmla="*/ 1587500 h 1587500"/>
+              <a:gd name="connsiteX0" fmla="*/ 215900 w 215900"/>
+              <a:gd name="connsiteY0" fmla="*/ 1587500 h 1587500"/>
+              <a:gd name="connsiteX1" fmla="*/ 107950 w 215900"/>
+              <a:gd name="connsiteY1" fmla="*/ 1569509 h 1587500"/>
+              <a:gd name="connsiteX2" fmla="*/ 107950 w 215900"/>
+              <a:gd name="connsiteY2" fmla="*/ 811741 h 1587500"/>
+              <a:gd name="connsiteX3" fmla="*/ 0 w 215900"/>
+              <a:gd name="connsiteY3" fmla="*/ 793750 h 1587500"/>
+              <a:gd name="connsiteX4" fmla="*/ 107950 w 215900"/>
+              <a:gd name="connsiteY4" fmla="*/ 750359 h 1587500"/>
+              <a:gd name="connsiteX5" fmla="*/ 107950 w 215900"/>
+              <a:gd name="connsiteY5" fmla="*/ 17991 h 1587500"/>
+              <a:gd name="connsiteX6" fmla="*/ 215900 w 215900"/>
+              <a:gd name="connsiteY6" fmla="*/ 0 h 1587500"/>
+              <a:gd name="connsiteX0" fmla="*/ 215900 w 215900"/>
+              <a:gd name="connsiteY0" fmla="*/ 1587500 h 1587500"/>
+              <a:gd name="connsiteX1" fmla="*/ 107950 w 215900"/>
+              <a:gd name="connsiteY1" fmla="*/ 1569509 h 1587500"/>
+              <a:gd name="connsiteX2" fmla="*/ 107950 w 215900"/>
+              <a:gd name="connsiteY2" fmla="*/ 811741 h 1587500"/>
+              <a:gd name="connsiteX3" fmla="*/ 0 w 215900"/>
+              <a:gd name="connsiteY3" fmla="*/ 793750 h 1587500"/>
+              <a:gd name="connsiteX4" fmla="*/ 107950 w 215900"/>
+              <a:gd name="connsiteY4" fmla="*/ 775759 h 1587500"/>
+              <a:gd name="connsiteX5" fmla="*/ 107950 w 215900"/>
+              <a:gd name="connsiteY5" fmla="*/ 17991 h 1587500"/>
+              <a:gd name="connsiteX6" fmla="*/ 215900 w 215900"/>
+              <a:gd name="connsiteY6" fmla="*/ 0 h 1587500"/>
+              <a:gd name="connsiteX7" fmla="*/ 215900 w 215900"/>
+              <a:gd name="connsiteY7" fmla="*/ 1587500 h 1587500"/>
+              <a:gd name="connsiteX0" fmla="*/ 215900 w 215900"/>
+              <a:gd name="connsiteY0" fmla="*/ 1587500 h 1587500"/>
+              <a:gd name="connsiteX1" fmla="*/ 107950 w 215900"/>
+              <a:gd name="connsiteY1" fmla="*/ 1569509 h 1587500"/>
+              <a:gd name="connsiteX2" fmla="*/ 107950 w 215900"/>
+              <a:gd name="connsiteY2" fmla="*/ 826029 h 1587500"/>
+              <a:gd name="connsiteX3" fmla="*/ 0 w 215900"/>
+              <a:gd name="connsiteY3" fmla="*/ 793750 h 1587500"/>
+              <a:gd name="connsiteX4" fmla="*/ 107950 w 215900"/>
+              <a:gd name="connsiteY4" fmla="*/ 750359 h 1587500"/>
+              <a:gd name="connsiteX5" fmla="*/ 107950 w 215900"/>
+              <a:gd name="connsiteY5" fmla="*/ 17991 h 1587500"/>
+              <a:gd name="connsiteX6" fmla="*/ 215900 w 215900"/>
+              <a:gd name="connsiteY6" fmla="*/ 0 h 1587500"/>
+              <a:gd name="connsiteX0" fmla="*/ 215900 w 215900"/>
+              <a:gd name="connsiteY0" fmla="*/ 1587500 h 1587500"/>
+              <a:gd name="connsiteX1" fmla="*/ 107950 w 215900"/>
+              <a:gd name="connsiteY1" fmla="*/ 1569509 h 1587500"/>
+              <a:gd name="connsiteX2" fmla="*/ 107950 w 215900"/>
+              <a:gd name="connsiteY2" fmla="*/ 811741 h 1587500"/>
+              <a:gd name="connsiteX3" fmla="*/ 0 w 215900"/>
+              <a:gd name="connsiteY3" fmla="*/ 793750 h 1587500"/>
+              <a:gd name="connsiteX4" fmla="*/ 107950 w 215900"/>
+              <a:gd name="connsiteY4" fmla="*/ 775759 h 1587500"/>
+              <a:gd name="connsiteX5" fmla="*/ 107950 w 215900"/>
+              <a:gd name="connsiteY5" fmla="*/ 17991 h 1587500"/>
+              <a:gd name="connsiteX6" fmla="*/ 215900 w 215900"/>
+              <a:gd name="connsiteY6" fmla="*/ 0 h 1587500"/>
+              <a:gd name="connsiteX7" fmla="*/ 215900 w 215900"/>
+              <a:gd name="connsiteY7" fmla="*/ 1587500 h 1587500"/>
+              <a:gd name="connsiteX0" fmla="*/ 215900 w 215900"/>
+              <a:gd name="connsiteY0" fmla="*/ 1587500 h 1587500"/>
+              <a:gd name="connsiteX1" fmla="*/ 107950 w 215900"/>
+              <a:gd name="connsiteY1" fmla="*/ 1569509 h 1587500"/>
+              <a:gd name="connsiteX2" fmla="*/ 107950 w 215900"/>
+              <a:gd name="connsiteY2" fmla="*/ 830792 h 1587500"/>
+              <a:gd name="connsiteX3" fmla="*/ 0 w 215900"/>
+              <a:gd name="connsiteY3" fmla="*/ 793750 h 1587500"/>
+              <a:gd name="connsiteX4" fmla="*/ 107950 w 215900"/>
+              <a:gd name="connsiteY4" fmla="*/ 750359 h 1587500"/>
+              <a:gd name="connsiteX5" fmla="*/ 107950 w 215900"/>
+              <a:gd name="connsiteY5" fmla="*/ 17991 h 1587500"/>
+              <a:gd name="connsiteX6" fmla="*/ 215900 w 215900"/>
+              <a:gd name="connsiteY6" fmla="*/ 0 h 1587500"/>
+            </a:gdLst>
+            <a:ahLst/>
+            <a:cxnLst>
+              <a:cxn ang="0">
+                <a:pos x="connsiteX0" y="connsiteY0"/>
+              </a:cxn>
+              <a:cxn ang="0">
+                <a:pos x="connsiteX1" y="connsiteY1"/>
+              </a:cxn>
+              <a:cxn ang="0">
+                <a:pos x="connsiteX2" y="connsiteY2"/>
+              </a:cxn>
+              <a:cxn ang="0">
+                <a:pos x="connsiteX3" y="connsiteY3"/>
+              </a:cxn>
+              <a:cxn ang="0">
+                <a:pos x="connsiteX4" y="connsiteY4"/>
+              </a:cxn>
+              <a:cxn ang="0">
+                <a:pos x="connsiteX5" y="connsiteY5"/>
+              </a:cxn>
+              <a:cxn ang="0">
+                <a:pos x="connsiteX6" y="connsiteY6"/>
+              </a:cxn>
+            </a:cxnLst>
+            <a:rect l="l" t="t" r="r" b="b"/>
+            <a:pathLst>
+              <a:path w="215900" h="1587500" stroke="0" extrusionOk="0">
+                <a:moveTo>
+                  <a:pt x="215900" y="1587500"/>
+                </a:moveTo>
+                <a:cubicBezTo>
+                  <a:pt x="156281" y="1587500"/>
+                  <a:pt x="107950" y="1579445"/>
+                  <a:pt x="107950" y="1569509"/>
+                </a:cubicBezTo>
+                <a:lnTo>
+                  <a:pt x="107950" y="811741"/>
+                </a:lnTo>
+                <a:cubicBezTo>
+                  <a:pt x="107950" y="801805"/>
+                  <a:pt x="59619" y="793750"/>
+                  <a:pt x="0" y="793750"/>
+                </a:cubicBezTo>
+                <a:cubicBezTo>
+                  <a:pt x="59619" y="793750"/>
+                  <a:pt x="107950" y="785695"/>
+                  <a:pt x="107950" y="775759"/>
+                </a:cubicBezTo>
+                <a:lnTo>
+                  <a:pt x="107950" y="17991"/>
+                </a:lnTo>
+                <a:cubicBezTo>
+                  <a:pt x="107950" y="8055"/>
+                  <a:pt x="156281" y="0"/>
+                  <a:pt x="215900" y="0"/>
+                </a:cubicBezTo>
+                <a:lnTo>
+                  <a:pt x="215900" y="1587500"/>
+                </a:lnTo>
+                <a:close/>
+              </a:path>
+              <a:path w="215900" h="1587500" fill="none">
+                <a:moveTo>
+                  <a:pt x="215900" y="1587500"/>
+                </a:moveTo>
+                <a:cubicBezTo>
+                  <a:pt x="156281" y="1587500"/>
+                  <a:pt x="107950" y="1579445"/>
+                  <a:pt x="107950" y="1569509"/>
+                </a:cubicBezTo>
+                <a:lnTo>
+                  <a:pt x="107950" y="830792"/>
+                </a:lnTo>
+                <a:cubicBezTo>
+                  <a:pt x="107950" y="820856"/>
+                  <a:pt x="0" y="807155"/>
+                  <a:pt x="0" y="793750"/>
+                </a:cubicBezTo>
+                <a:cubicBezTo>
+                  <a:pt x="0" y="780345"/>
+                  <a:pt x="107950" y="760295"/>
+                  <a:pt x="107950" y="750359"/>
+                </a:cubicBezTo>
+                <a:lnTo>
+                  <a:pt x="107950" y="17991"/>
+                </a:lnTo>
+                <a:cubicBezTo>
+                  <a:pt x="107950" y="8055"/>
+                  <a:pt x="156281" y="0"/>
+                  <a:pt x="215900" y="0"/>
+                </a:cubicBezTo>
+              </a:path>
+            </a:pathLst>
+          </a:custGeom>
+          <a:noFill/>
+          <a:ln w="28575">
+            <a:solidFill>
+              <a:schemeClr val="tx1"/>
+            </a:solidFill>
+          </a:ln>
+        </p:spPr>
+        <p:style>
+          <a:lnRef idx="1">
+            <a:schemeClr val="accent1"/>
+          </a:lnRef>
+          <a:fillRef idx="0">
+            <a:schemeClr val="accent1"/>
+          </a:fillRef>
+          <a:effectRef idx="0">
+            <a:schemeClr val="accent1"/>
+          </a:effectRef>
+          <a:fontRef idx="minor">
+            <a:schemeClr val="tx1"/>
+          </a:fontRef>
+        </p:style>
+        <p:txBody>
+          <a:bodyPr rtlCol="0" anchor="ctr"/>
+          <a:lstStyle/>
+          <a:p>
+            <a:pPr algn="ctr"/>
+            <a:endParaRPr lang="ko-KR" altLang="en-US"/>
+          </a:p>
+        </p:txBody>
+      </p:sp>
+      <p:sp>
+        <p:nvSpPr>
+          <p:cNvPr id="13" name="직사각형 12">
+            <a:extLst>
+              <a:ext uri="{FF2B5EF4-FFF2-40B4-BE49-F238E27FC236}">
+                <a16:creationId xmlns:a16="http://schemas.microsoft.com/office/drawing/2014/main" id="{D37D2321-D1D9-4437-B36B-5CE99E975CFF}"/>
+              </a:ext>
+            </a:extLst>
+          </p:cNvPr>
+          <p:cNvSpPr/>
+          <p:nvPr/>
+        </p:nvSpPr>
+        <p:spPr>
+          <a:xfrm>
+            <a:off x="1309603" y="1674589"/>
+            <a:ext cx="2614697" cy="369332"/>
+          </a:xfrm>
+          <a:prstGeom prst="rect">
+            <a:avLst/>
+          </a:prstGeom>
+        </p:spPr>
+        <p:txBody>
+          <a:bodyPr wrap="square">
+            <a:spAutoFit/>
+          </a:bodyPr>
+          <a:lstStyle/>
+          <a:p>
+            <a:r>
+              <a:rPr lang="en-US" altLang="ko-KR" b="1" dirty="0" err="1" smtClean="0"/>
+              <a:t>BaseNetwork</a:t>
+            </a:r>
+            <a:r>
+              <a:rPr lang="en-US" altLang="ko-KR" b="1" dirty="0" smtClean="0"/>
+              <a:t> : VGG16</a:t>
+            </a:r>
+            <a:endParaRPr lang="ko-KR" altLang="en-US" b="1" dirty="0"/>
+          </a:p>
+        </p:txBody>
+      </p:sp>
+      <p:sp>
+        <p:nvSpPr>
+          <p:cNvPr id="15" name="직사각형 14"/>
+          <p:cNvSpPr/>
+          <p:nvPr/>
+        </p:nvSpPr>
+        <p:spPr>
+          <a:xfrm>
+            <a:off x="1334542" y="1687289"/>
+            <a:ext cx="2523083" cy="369332"/>
+          </a:xfrm>
+          <a:prstGeom prst="rect">
+            <a:avLst/>
+          </a:prstGeom>
+          <a:noFill/>
+          <a:ln w="28575">
+            <a:solidFill>
+              <a:schemeClr val="accent4">
+                <a:lumMod val="75000"/>
+              </a:schemeClr>
+            </a:solidFill>
+          </a:ln>
+        </p:spPr>
+        <p:style>
+          <a:lnRef idx="2">
+            <a:schemeClr val="accent1">
+              <a:shade val="50000"/>
+            </a:schemeClr>
+          </a:lnRef>
+          <a:fillRef idx="1">
+            <a:schemeClr val="accent1"/>
+          </a:fillRef>
+          <a:effectRef idx="0">
+            <a:schemeClr val="accent1"/>
+          </a:effectRef>
+          <a:fontRef idx="minor">
+            <a:schemeClr val="lt1"/>
+          </a:fontRef>
+        </p:style>
+        <p:txBody>
+          <a:bodyPr rtlCol="0" anchor="ctr"/>
+          <a:lstStyle/>
+          <a:p>
+            <a:pPr algn="ctr"/>
+            <a:endParaRPr lang="ko-KR" altLang="en-US" dirty="0"/>
+          </a:p>
+        </p:txBody>
+      </p:sp>
     </p:spTree>
     <p:extLst>
       <p:ext uri="{BB962C8B-B14F-4D97-AF65-F5344CB8AC3E}">
@@ -17037,6 +18532,13 @@
   <p:clrMapOvr>
     <a:masterClrMapping/>
   </p:clrMapOvr>
+  <p:timing>
+    <p:tnLst>
+      <p:par>
+        <p:cTn id="1" dur="indefinite" restart="never" nodeType="tmRoot"/>
+      </p:par>
+    </p:tnLst>
+  </p:timing>
 </p:sld>
 </file>
 

--- a/2nd_week/Seminar_2nd_week_1Stage.pptx
+++ b/2nd_week/Seminar_2nd_week_1Stage.pptx
@@ -209,7 +209,7 @@
           <a:p>
             <a:fld id="{B1203C5A-3920-49F7-B5D5-94E0B113E9A7}" type="datetimeFigureOut">
               <a:rPr lang="ko-KR" altLang="en-US" smtClean="0"/>
-              <a:t>2021-07-13</a:t>
+              <a:t>2021-07-12</a:t>
             </a:fld>
             <a:endParaRPr lang="ko-KR" altLang="en-US"/>
           </a:p>
@@ -1547,7 +1547,7 @@
           <a:p>
             <a:fld id="{2370FB65-6187-4C9B-9B67-2ADD8A9E9DE6}" type="datetimeFigureOut">
               <a:rPr lang="ko-KR" altLang="en-US" smtClean="0"/>
-              <a:t>2021-07-13</a:t>
+              <a:t>2021-07-12</a:t>
             </a:fld>
             <a:endParaRPr lang="ko-KR" altLang="en-US"/>
           </a:p>
@@ -1745,7 +1745,7 @@
           <a:p>
             <a:fld id="{2370FB65-6187-4C9B-9B67-2ADD8A9E9DE6}" type="datetimeFigureOut">
               <a:rPr lang="ko-KR" altLang="en-US" smtClean="0"/>
-              <a:t>2021-07-13</a:t>
+              <a:t>2021-07-12</a:t>
             </a:fld>
             <a:endParaRPr lang="ko-KR" altLang="en-US"/>
           </a:p>
@@ -1953,7 +1953,7 @@
           <a:p>
             <a:fld id="{2370FB65-6187-4C9B-9B67-2ADD8A9E9DE6}" type="datetimeFigureOut">
               <a:rPr lang="ko-KR" altLang="en-US" smtClean="0"/>
-              <a:t>2021-07-13</a:t>
+              <a:t>2021-07-12</a:t>
             </a:fld>
             <a:endParaRPr lang="ko-KR" altLang="en-US"/>
           </a:p>
@@ -2151,7 +2151,7 @@
           <a:p>
             <a:fld id="{2370FB65-6187-4C9B-9B67-2ADD8A9E9DE6}" type="datetimeFigureOut">
               <a:rPr lang="ko-KR" altLang="en-US" smtClean="0"/>
-              <a:t>2021-07-13</a:t>
+              <a:t>2021-07-12</a:t>
             </a:fld>
             <a:endParaRPr lang="ko-KR" altLang="en-US"/>
           </a:p>
@@ -2426,7 +2426,7 @@
           <a:p>
             <a:fld id="{2370FB65-6187-4C9B-9B67-2ADD8A9E9DE6}" type="datetimeFigureOut">
               <a:rPr lang="ko-KR" altLang="en-US" smtClean="0"/>
-              <a:t>2021-07-13</a:t>
+              <a:t>2021-07-12</a:t>
             </a:fld>
             <a:endParaRPr lang="ko-KR" altLang="en-US"/>
           </a:p>
@@ -2691,7 +2691,7 @@
           <a:p>
             <a:fld id="{2370FB65-6187-4C9B-9B67-2ADD8A9E9DE6}" type="datetimeFigureOut">
               <a:rPr lang="ko-KR" altLang="en-US" smtClean="0"/>
-              <a:t>2021-07-13</a:t>
+              <a:t>2021-07-12</a:t>
             </a:fld>
             <a:endParaRPr lang="ko-KR" altLang="en-US"/>
           </a:p>
@@ -3103,7 +3103,7 @@
           <a:p>
             <a:fld id="{2370FB65-6187-4C9B-9B67-2ADD8A9E9DE6}" type="datetimeFigureOut">
               <a:rPr lang="ko-KR" altLang="en-US" smtClean="0"/>
-              <a:t>2021-07-13</a:t>
+              <a:t>2021-07-12</a:t>
             </a:fld>
             <a:endParaRPr lang="ko-KR" altLang="en-US"/>
           </a:p>
@@ -3244,7 +3244,7 @@
           <a:p>
             <a:fld id="{2370FB65-6187-4C9B-9B67-2ADD8A9E9DE6}" type="datetimeFigureOut">
               <a:rPr lang="ko-KR" altLang="en-US" smtClean="0"/>
-              <a:t>2021-07-13</a:t>
+              <a:t>2021-07-12</a:t>
             </a:fld>
             <a:endParaRPr lang="ko-KR" altLang="en-US"/>
           </a:p>
@@ -3357,7 +3357,7 @@
           <a:p>
             <a:fld id="{2370FB65-6187-4C9B-9B67-2ADD8A9E9DE6}" type="datetimeFigureOut">
               <a:rPr lang="ko-KR" altLang="en-US" smtClean="0"/>
-              <a:t>2021-07-13</a:t>
+              <a:t>2021-07-12</a:t>
             </a:fld>
             <a:endParaRPr lang="ko-KR" altLang="en-US"/>
           </a:p>
@@ -3668,7 +3668,7 @@
           <a:p>
             <a:fld id="{2370FB65-6187-4C9B-9B67-2ADD8A9E9DE6}" type="datetimeFigureOut">
               <a:rPr lang="ko-KR" altLang="en-US" smtClean="0"/>
-              <a:t>2021-07-13</a:t>
+              <a:t>2021-07-12</a:t>
             </a:fld>
             <a:endParaRPr lang="ko-KR" altLang="en-US"/>
           </a:p>
@@ -3956,7 +3956,7 @@
           <a:p>
             <a:fld id="{2370FB65-6187-4C9B-9B67-2ADD8A9E9DE6}" type="datetimeFigureOut">
               <a:rPr lang="ko-KR" altLang="en-US" smtClean="0"/>
-              <a:t>2021-07-13</a:t>
+              <a:t>2021-07-12</a:t>
             </a:fld>
             <a:endParaRPr lang="ko-KR" altLang="en-US"/>
           </a:p>
@@ -4197,7 +4197,7 @@
           <a:p>
             <a:fld id="{2370FB65-6187-4C9B-9B67-2ADD8A9E9DE6}" type="datetimeFigureOut">
               <a:rPr lang="ko-KR" altLang="en-US" smtClean="0"/>
-              <a:t>2021-07-13</a:t>
+              <a:t>2021-07-12</a:t>
             </a:fld>
             <a:endParaRPr lang="ko-KR" altLang="en-US"/>
           </a:p>
@@ -4998,13 +4998,6 @@
   <p:clrMapOvr>
     <a:masterClrMapping/>
   </p:clrMapOvr>
-  <p:timing>
-    <p:tnLst>
-      <p:par>
-        <p:cTn id="1" dur="indefinite" restart="never" nodeType="tmRoot"/>
-      </p:par>
-    </p:tnLst>
-  </p:timing>
 </p:sld>
 </file>
 
@@ -8945,13 +8938,6 @@
   <p:clrMapOvr>
     <a:masterClrMapping/>
   </p:clrMapOvr>
-  <p:timing>
-    <p:tnLst>
-      <p:par>
-        <p:cTn id="1" dur="indefinite" restart="never" nodeType="tmRoot"/>
-      </p:par>
-    </p:tnLst>
-  </p:timing>
 </p:sld>
 </file>
 
@@ -9331,10 +9317,10 @@
         </p:nvGrpSpPr>
         <p:grpSpPr>
           <a:xfrm>
-            <a:off x="2136710" y="5551521"/>
-            <a:ext cx="6018634" cy="718651"/>
-            <a:chOff x="2136710" y="5551521"/>
-            <a:chExt cx="6018634" cy="718651"/>
+            <a:off x="2136710" y="5561046"/>
+            <a:ext cx="5999584" cy="709126"/>
+            <a:chOff x="2136710" y="5561046"/>
+            <a:chExt cx="5999584" cy="709126"/>
           </a:xfrm>
         </p:grpSpPr>
         <p:sp>
@@ -9351,7 +9337,7 @@
           </p:nvSpPr>
           <p:spPr>
             <a:xfrm>
-              <a:off x="4600378" y="5561046"/>
+              <a:off x="4581328" y="5561046"/>
               <a:ext cx="2295331" cy="709126"/>
             </a:xfrm>
             <a:prstGeom prst="roundRect">
@@ -9405,7 +9391,7 @@
           </p:nvSpPr>
           <p:spPr>
             <a:xfrm>
-              <a:off x="7044996" y="5551521"/>
+              <a:off x="7025946" y="5561046"/>
               <a:ext cx="1110348" cy="369332"/>
             </a:xfrm>
             <a:prstGeom prst="roundRect">
@@ -9568,7 +9554,7 @@
         </p:nvSpPr>
         <p:spPr>
           <a:xfrm>
-            <a:off x="6954611" y="5934987"/>
+            <a:off x="6945086" y="5925462"/>
             <a:ext cx="976604" cy="369332"/>
           </a:xfrm>
           <a:prstGeom prst="roundRect">
@@ -10097,13 +10083,6 @@
   <p:clrMapOvr>
     <a:masterClrMapping/>
   </p:clrMapOvr>
-  <p:timing>
-    <p:tnLst>
-      <p:par>
-        <p:cTn id="1" dur="indefinite" restart="never" nodeType="tmRoot"/>
-      </p:par>
-    </p:tnLst>
-  </p:timing>
 </p:sld>
 </file>
 
@@ -13178,13 +13157,6 @@
   <p:clrMapOvr>
     <a:masterClrMapping/>
   </p:clrMapOvr>
-  <p:timing>
-    <p:tnLst>
-      <p:par>
-        <p:cTn id="1" dur="indefinite" restart="never" nodeType="tmRoot"/>
-      </p:par>
-    </p:tnLst>
-  </p:timing>
 </p:sld>
 </file>
 
@@ -14174,13 +14146,6 @@
   <p:clrMapOvr>
     <a:masterClrMapping/>
   </p:clrMapOvr>
-  <p:timing>
-    <p:tnLst>
-      <p:par>
-        <p:cTn id="1" dur="indefinite" restart="never" nodeType="tmRoot"/>
-      </p:par>
-    </p:tnLst>
-  </p:timing>
 </p:sld>
 </file>
 
@@ -14704,7 +14669,7 @@
         </p:nvSpPr>
         <p:spPr>
           <a:xfrm>
-            <a:off x="4584700" y="2126385"/>
+            <a:off x="4584700" y="1743075"/>
             <a:ext cx="2880000" cy="2880000"/>
           </a:xfrm>
           <a:prstGeom prst="rect">
@@ -14758,7 +14723,7 @@
         </p:nvCxnSpPr>
         <p:spPr>
           <a:xfrm>
-            <a:off x="6037400" y="2126385"/>
+            <a:off x="6037400" y="1743075"/>
             <a:ext cx="0" cy="2880000"/>
           </a:xfrm>
           <a:prstGeom prst="line">
@@ -14799,7 +14764,7 @@
         </p:nvCxnSpPr>
         <p:spPr>
           <a:xfrm>
-            <a:off x="6761300" y="2126385"/>
+            <a:off x="6761300" y="1743075"/>
             <a:ext cx="0" cy="2880000"/>
           </a:xfrm>
           <a:prstGeom prst="line">
@@ -14840,7 +14805,7 @@
         </p:nvCxnSpPr>
         <p:spPr>
           <a:xfrm>
-            <a:off x="5307150" y="2126385"/>
+            <a:off x="5307150" y="1743075"/>
             <a:ext cx="0" cy="2880000"/>
           </a:xfrm>
           <a:prstGeom prst="line">
@@ -14883,7 +14848,7 @@
         </p:nvCxnSpPr>
         <p:spPr>
           <a:xfrm>
-            <a:off x="4584700" y="3575716"/>
+            <a:off x="4584700" y="3192406"/>
             <a:ext cx="2880000" cy="0"/>
           </a:xfrm>
           <a:prstGeom prst="line">
@@ -14924,7 +14889,7 @@
         </p:nvCxnSpPr>
         <p:spPr>
           <a:xfrm>
-            <a:off x="4584700" y="2871060"/>
+            <a:off x="4584700" y="2487750"/>
             <a:ext cx="2880000" cy="0"/>
           </a:xfrm>
           <a:prstGeom prst="line">
@@ -14965,7 +14930,7 @@
         </p:nvCxnSpPr>
         <p:spPr>
           <a:xfrm>
-            <a:off x="4584700" y="4280760"/>
+            <a:off x="4584700" y="3897450"/>
             <a:ext cx="2880000" cy="0"/>
           </a:xfrm>
           <a:prstGeom prst="line">
@@ -15006,7 +14971,7 @@
         </p:nvSpPr>
         <p:spPr>
           <a:xfrm>
-            <a:off x="8169549" y="2126385"/>
+            <a:off x="8169549" y="1743075"/>
             <a:ext cx="2880000" cy="2880000"/>
           </a:xfrm>
           <a:prstGeom prst="rect">
@@ -15061,7 +15026,7 @@
         </p:nvCxnSpPr>
         <p:spPr>
           <a:xfrm>
-            <a:off x="9609549" y="2126385"/>
+            <a:off x="9609549" y="1743075"/>
             <a:ext cx="0" cy="2880000"/>
           </a:xfrm>
           <a:prstGeom prst="line">
@@ -15102,7 +15067,7 @@
         </p:nvCxnSpPr>
         <p:spPr>
           <a:xfrm>
-            <a:off x="10333449" y="2126385"/>
+            <a:off x="10333449" y="1743075"/>
             <a:ext cx="0" cy="2880000"/>
           </a:xfrm>
           <a:prstGeom prst="line">
@@ -15143,7 +15108,7 @@
         </p:nvCxnSpPr>
         <p:spPr>
           <a:xfrm>
-            <a:off x="8904699" y="2126385"/>
+            <a:off x="8904699" y="1743075"/>
             <a:ext cx="0" cy="2880000"/>
           </a:xfrm>
           <a:prstGeom prst="line">
@@ -15187,7 +15152,7 @@
         </p:nvCxnSpPr>
         <p:spPr>
           <a:xfrm>
-            <a:off x="8169549" y="3566385"/>
+            <a:off x="8169549" y="3183075"/>
             <a:ext cx="2880000" cy="0"/>
           </a:xfrm>
           <a:prstGeom prst="line">
@@ -15228,7 +15193,7 @@
         </p:nvCxnSpPr>
         <p:spPr>
           <a:xfrm>
-            <a:off x="8169549" y="2871060"/>
+            <a:off x="8169549" y="2487750"/>
             <a:ext cx="2880000" cy="0"/>
           </a:xfrm>
           <a:prstGeom prst="line">
@@ -15269,7 +15234,7 @@
         </p:nvCxnSpPr>
         <p:spPr>
           <a:xfrm>
-            <a:off x="8169549" y="4280760"/>
+            <a:off x="8169549" y="3897450"/>
             <a:ext cx="2880000" cy="0"/>
           </a:xfrm>
           <a:prstGeom prst="line">
@@ -15310,7 +15275,7 @@
         </p:nvCxnSpPr>
         <p:spPr>
           <a:xfrm>
-            <a:off x="5668193" y="2126385"/>
+            <a:off x="5668193" y="1743075"/>
             <a:ext cx="0" cy="2880000"/>
           </a:xfrm>
           <a:prstGeom prst="line">
@@ -15351,7 +15316,7 @@
         </p:nvCxnSpPr>
         <p:spPr>
           <a:xfrm>
-            <a:off x="6390019" y="2126385"/>
+            <a:off x="6390019" y="1743075"/>
             <a:ext cx="0" cy="2880000"/>
           </a:xfrm>
           <a:prstGeom prst="line">
@@ -15392,7 +15357,7 @@
         </p:nvCxnSpPr>
         <p:spPr>
           <a:xfrm>
-            <a:off x="7108476" y="2126385"/>
+            <a:off x="7108476" y="1743075"/>
             <a:ext cx="0" cy="2880000"/>
           </a:xfrm>
           <a:prstGeom prst="line">
@@ -15433,7 +15398,7 @@
         </p:nvCxnSpPr>
         <p:spPr>
           <a:xfrm>
-            <a:off x="4959066" y="2126385"/>
+            <a:off x="4959066" y="1743075"/>
             <a:ext cx="0" cy="2880000"/>
           </a:xfrm>
           <a:prstGeom prst="line">
@@ -15474,7 +15439,7 @@
         </p:nvCxnSpPr>
         <p:spPr>
           <a:xfrm>
-            <a:off x="4584700" y="3224263"/>
+            <a:off x="4584700" y="2840953"/>
             <a:ext cx="2880000" cy="0"/>
           </a:xfrm>
           <a:prstGeom prst="line">
@@ -15515,7 +15480,7 @@
         </p:nvCxnSpPr>
         <p:spPr>
           <a:xfrm>
-            <a:off x="4584700" y="2510276"/>
+            <a:off x="4584700" y="2126966"/>
             <a:ext cx="2880000" cy="0"/>
           </a:xfrm>
           <a:prstGeom prst="line">
@@ -15556,7 +15521,7 @@
         </p:nvCxnSpPr>
         <p:spPr>
           <a:xfrm>
-            <a:off x="4584700" y="3938638"/>
+            <a:off x="4584700" y="3555328"/>
             <a:ext cx="2880000" cy="0"/>
           </a:xfrm>
           <a:prstGeom prst="line">
@@ -15597,7 +15562,7 @@
         </p:nvCxnSpPr>
         <p:spPr>
           <a:xfrm>
-            <a:off x="4584700" y="4636297"/>
+            <a:off x="4584700" y="4252987"/>
             <a:ext cx="2880000" cy="0"/>
           </a:xfrm>
           <a:prstGeom prst="line">
@@ -15638,7 +15603,7 @@
         </p:nvSpPr>
         <p:spPr>
           <a:xfrm>
-            <a:off x="4946582" y="4998320"/>
+            <a:off x="4946582" y="4615010"/>
             <a:ext cx="2149194" cy="369332"/>
           </a:xfrm>
           <a:prstGeom prst="rect">
@@ -15673,7 +15638,7 @@
         </p:nvSpPr>
         <p:spPr>
           <a:xfrm>
-            <a:off x="8564484" y="4987723"/>
+            <a:off x="8564484" y="4604413"/>
             <a:ext cx="2149194" cy="369332"/>
           </a:xfrm>
           <a:prstGeom prst="rect">
@@ -15708,7 +15673,7 @@
         </p:nvSpPr>
         <p:spPr>
           <a:xfrm>
-            <a:off x="1163163" y="4987723"/>
+            <a:off x="1163163" y="4604413"/>
             <a:ext cx="2518118" cy="369332"/>
           </a:xfrm>
           <a:prstGeom prst="rect">
@@ -15758,7 +15723,7 @@
         </p:blipFill>
         <p:spPr bwMode="auto">
           <a:xfrm>
-            <a:off x="1002884" y="2107723"/>
+            <a:off x="1002884" y="1724413"/>
             <a:ext cx="2880000" cy="2880000"/>
           </a:xfrm>
           <a:prstGeom prst="rect">
@@ -15803,7 +15768,7 @@
         </p:nvSpPr>
         <p:spPr>
           <a:xfrm>
-            <a:off x="2480984" y="2745510"/>
+            <a:off x="2480984" y="2362200"/>
             <a:ext cx="1138516" cy="2216813"/>
           </a:xfrm>
           <a:prstGeom prst="rect">
@@ -15855,7 +15820,7 @@
         </p:nvSpPr>
         <p:spPr>
           <a:xfrm>
-            <a:off x="1002884" y="2459476"/>
+            <a:off x="1002884" y="2076166"/>
             <a:ext cx="1440000" cy="2452047"/>
           </a:xfrm>
           <a:prstGeom prst="rect">
@@ -15864,7 +15829,7 @@
           <a:noFill/>
           <a:ln w="38100">
             <a:solidFill>
-              <a:srgbClr val="00B0F0"/>
+              <a:srgbClr val="FFFF00"/>
             </a:solidFill>
           </a:ln>
         </p:spPr>
@@ -15907,7 +15872,7 @@
         </p:nvSpPr>
         <p:spPr>
           <a:xfrm>
-            <a:off x="5358992" y="3281274"/>
+            <a:off x="5358992" y="3604026"/>
             <a:ext cx="242749" cy="229272"/>
           </a:xfrm>
           <a:prstGeom prst="rect">
@@ -15960,7 +15925,7 @@
         </p:nvSpPr>
         <p:spPr>
           <a:xfrm>
-            <a:off x="5238576" y="3002816"/>
+            <a:off x="5238576" y="3324356"/>
             <a:ext cx="503490" cy="788611"/>
           </a:xfrm>
           <a:prstGeom prst="rect">
@@ -16013,7 +15978,219 @@
         </p:nvSpPr>
         <p:spPr>
           <a:xfrm>
-            <a:off x="5150669" y="3089852"/>
+            <a:off x="5141144" y="3420917"/>
+            <a:ext cx="670541" cy="615843"/>
+          </a:xfrm>
+          <a:prstGeom prst="rect">
+            <a:avLst/>
+          </a:prstGeom>
+          <a:noFill/>
+          <a:ln w="28575">
+            <a:solidFill>
+              <a:srgbClr val="00B0F0"/>
+            </a:solidFill>
+            <a:prstDash val="sysDash"/>
+          </a:ln>
+        </p:spPr>
+        <p:style>
+          <a:lnRef idx="2">
+            <a:schemeClr val="accent1">
+              <a:shade val="50000"/>
+            </a:schemeClr>
+          </a:lnRef>
+          <a:fillRef idx="1">
+            <a:schemeClr val="accent1"/>
+          </a:fillRef>
+          <a:effectRef idx="0">
+            <a:schemeClr val="accent1"/>
+          </a:effectRef>
+          <a:fontRef idx="minor">
+            <a:schemeClr val="lt1"/>
+          </a:fontRef>
+        </p:style>
+        <p:txBody>
+          <a:bodyPr rtlCol="0" anchor="ctr"/>
+          <a:lstStyle/>
+          <a:p>
+            <a:pPr algn="ctr"/>
+            <a:endParaRPr lang="ko-KR" altLang="en-US"/>
+          </a:p>
+        </p:txBody>
+      </p:sp>
+      <p:sp>
+        <p:nvSpPr>
+          <p:cNvPr id="47" name="직사각형 46">
+            <a:extLst>
+              <a:ext uri="{FF2B5EF4-FFF2-40B4-BE49-F238E27FC236}">
+                <a16:creationId xmlns:a16="http://schemas.microsoft.com/office/drawing/2014/main" id="{D8BB2E71-3E89-4064-B265-D93CC6E2201A}"/>
+              </a:ext>
+            </a:extLst>
+          </p:cNvPr>
+          <p:cNvSpPr/>
+          <p:nvPr/>
+        </p:nvSpPr>
+        <p:spPr>
+          <a:xfrm>
+            <a:off x="5043652" y="3508706"/>
+            <a:ext cx="856931" cy="459979"/>
+          </a:xfrm>
+          <a:prstGeom prst="rect">
+            <a:avLst/>
+          </a:prstGeom>
+          <a:noFill/>
+          <a:ln w="28575">
+            <a:solidFill>
+              <a:srgbClr val="00B0F0"/>
+            </a:solidFill>
+            <a:prstDash val="sysDash"/>
+          </a:ln>
+        </p:spPr>
+        <p:style>
+          <a:lnRef idx="2">
+            <a:schemeClr val="accent1">
+              <a:shade val="50000"/>
+            </a:schemeClr>
+          </a:lnRef>
+          <a:fillRef idx="1">
+            <a:schemeClr val="accent1"/>
+          </a:fillRef>
+          <a:effectRef idx="0">
+            <a:schemeClr val="accent1"/>
+          </a:effectRef>
+          <a:fontRef idx="minor">
+            <a:schemeClr val="lt1"/>
+          </a:fontRef>
+        </p:style>
+        <p:txBody>
+          <a:bodyPr rtlCol="0" anchor="ctr"/>
+          <a:lstStyle/>
+          <a:p>
+            <a:pPr algn="ctr"/>
+            <a:endParaRPr lang="ko-KR" altLang="en-US"/>
+          </a:p>
+        </p:txBody>
+      </p:sp>
+      <p:sp>
+        <p:nvSpPr>
+          <p:cNvPr id="48" name="직사각형 47">
+            <a:extLst>
+              <a:ext uri="{FF2B5EF4-FFF2-40B4-BE49-F238E27FC236}">
+                <a16:creationId xmlns:a16="http://schemas.microsoft.com/office/drawing/2014/main" id="{B51DB7DD-51C2-44F3-8DD0-EF75D28CBE8F}"/>
+              </a:ext>
+            </a:extLst>
+          </p:cNvPr>
+          <p:cNvSpPr/>
+          <p:nvPr/>
+        </p:nvSpPr>
+        <p:spPr>
+          <a:xfrm>
+            <a:off x="6450238" y="2534210"/>
+            <a:ext cx="242749" cy="229272"/>
+          </a:xfrm>
+          <a:prstGeom prst="rect">
+            <a:avLst/>
+          </a:prstGeom>
+          <a:noFill/>
+          <a:ln w="28575">
+            <a:solidFill>
+              <a:schemeClr val="tx1"/>
+            </a:solidFill>
+            <a:prstDash val="sysDash"/>
+          </a:ln>
+        </p:spPr>
+        <p:style>
+          <a:lnRef idx="2">
+            <a:schemeClr val="accent1">
+              <a:shade val="50000"/>
+            </a:schemeClr>
+          </a:lnRef>
+          <a:fillRef idx="1">
+            <a:schemeClr val="accent1"/>
+          </a:fillRef>
+          <a:effectRef idx="0">
+            <a:schemeClr val="accent1"/>
+          </a:effectRef>
+          <a:fontRef idx="minor">
+            <a:schemeClr val="lt1"/>
+          </a:fontRef>
+        </p:style>
+        <p:txBody>
+          <a:bodyPr rtlCol="0" anchor="ctr"/>
+          <a:lstStyle/>
+          <a:p>
+            <a:pPr algn="ctr"/>
+            <a:endParaRPr lang="ko-KR" altLang="en-US"/>
+          </a:p>
+        </p:txBody>
+      </p:sp>
+      <p:sp>
+        <p:nvSpPr>
+          <p:cNvPr id="49" name="직사각형 48">
+            <a:extLst>
+              <a:ext uri="{FF2B5EF4-FFF2-40B4-BE49-F238E27FC236}">
+                <a16:creationId xmlns:a16="http://schemas.microsoft.com/office/drawing/2014/main" id="{56C40234-E93F-4C05-A8CF-C3E7567D05BF}"/>
+              </a:ext>
+            </a:extLst>
+          </p:cNvPr>
+          <p:cNvSpPr/>
+          <p:nvPr/>
+        </p:nvSpPr>
+        <p:spPr>
+          <a:xfrm>
+            <a:off x="6329822" y="2254540"/>
+            <a:ext cx="503490" cy="788611"/>
+          </a:xfrm>
+          <a:prstGeom prst="rect">
+            <a:avLst/>
+          </a:prstGeom>
+          <a:noFill/>
+          <a:ln w="28575">
+            <a:solidFill>
+              <a:schemeClr val="tx1"/>
+            </a:solidFill>
+            <a:prstDash val="sysDash"/>
+          </a:ln>
+        </p:spPr>
+        <p:style>
+          <a:lnRef idx="2">
+            <a:schemeClr val="accent1">
+              <a:shade val="50000"/>
+            </a:schemeClr>
+          </a:lnRef>
+          <a:fillRef idx="1">
+            <a:schemeClr val="accent1"/>
+          </a:fillRef>
+          <a:effectRef idx="0">
+            <a:schemeClr val="accent1"/>
+          </a:effectRef>
+          <a:fontRef idx="minor">
+            <a:schemeClr val="lt1"/>
+          </a:fontRef>
+        </p:style>
+        <p:txBody>
+          <a:bodyPr rtlCol="0" anchor="ctr"/>
+          <a:lstStyle/>
+          <a:p>
+            <a:pPr algn="ctr"/>
+            <a:endParaRPr lang="ko-KR" altLang="en-US"/>
+          </a:p>
+        </p:txBody>
+      </p:sp>
+      <p:sp>
+        <p:nvSpPr>
+          <p:cNvPr id="50" name="직사각형 49">
+            <a:extLst>
+              <a:ext uri="{FF2B5EF4-FFF2-40B4-BE49-F238E27FC236}">
+                <a16:creationId xmlns:a16="http://schemas.microsoft.com/office/drawing/2014/main" id="{6B3FB4ED-CCF5-4493-9C19-B61ED6BE68F5}"/>
+              </a:ext>
+            </a:extLst>
+          </p:cNvPr>
+          <p:cNvSpPr/>
+          <p:nvPr/>
+        </p:nvSpPr>
+        <p:spPr>
+          <a:xfrm>
+            <a:off x="6232390" y="2351101"/>
             <a:ext cx="670541" cy="615843"/>
           </a:xfrm>
           <a:prstGeom prst="rect">
@@ -16054,10 +16231,10 @@
       </p:sp>
       <p:sp>
         <p:nvSpPr>
-          <p:cNvPr id="47" name="직사각형 46">
-            <a:extLst>
-              <a:ext uri="{FF2B5EF4-FFF2-40B4-BE49-F238E27FC236}">
-                <a16:creationId xmlns:a16="http://schemas.microsoft.com/office/drawing/2014/main" id="{D8BB2E71-3E89-4064-B265-D93CC6E2201A}"/>
+          <p:cNvPr id="51" name="직사각형 50">
+            <a:extLst>
+              <a:ext uri="{FF2B5EF4-FFF2-40B4-BE49-F238E27FC236}">
+                <a16:creationId xmlns:a16="http://schemas.microsoft.com/office/drawing/2014/main" id="{D1CE7F3A-80AB-4C66-8C76-FB8BFA98DC0C}"/>
               </a:ext>
             </a:extLst>
           </p:cNvPr>
@@ -16066,219 +16243,7 @@
         </p:nvSpPr>
         <p:spPr>
           <a:xfrm>
-            <a:off x="5062702" y="3177641"/>
-            <a:ext cx="856931" cy="459979"/>
-          </a:xfrm>
-          <a:prstGeom prst="rect">
-            <a:avLst/>
-          </a:prstGeom>
-          <a:noFill/>
-          <a:ln w="28575">
-            <a:solidFill>
-              <a:schemeClr val="tx1"/>
-            </a:solidFill>
-            <a:prstDash val="sysDash"/>
-          </a:ln>
-        </p:spPr>
-        <p:style>
-          <a:lnRef idx="2">
-            <a:schemeClr val="accent1">
-              <a:shade val="50000"/>
-            </a:schemeClr>
-          </a:lnRef>
-          <a:fillRef idx="1">
-            <a:schemeClr val="accent1"/>
-          </a:fillRef>
-          <a:effectRef idx="0">
-            <a:schemeClr val="accent1"/>
-          </a:effectRef>
-          <a:fontRef idx="minor">
-            <a:schemeClr val="lt1"/>
-          </a:fontRef>
-        </p:style>
-        <p:txBody>
-          <a:bodyPr rtlCol="0" anchor="ctr"/>
-          <a:lstStyle/>
-          <a:p>
-            <a:pPr algn="ctr"/>
-            <a:endParaRPr lang="ko-KR" altLang="en-US"/>
-          </a:p>
-        </p:txBody>
-      </p:sp>
-      <p:sp>
-        <p:nvSpPr>
-          <p:cNvPr id="48" name="직사각형 47">
-            <a:extLst>
-              <a:ext uri="{FF2B5EF4-FFF2-40B4-BE49-F238E27FC236}">
-                <a16:creationId xmlns:a16="http://schemas.microsoft.com/office/drawing/2014/main" id="{B51DB7DD-51C2-44F3-8DD0-EF75D28CBE8F}"/>
-              </a:ext>
-            </a:extLst>
-          </p:cNvPr>
-          <p:cNvSpPr/>
-          <p:nvPr/>
-        </p:nvSpPr>
-        <p:spPr>
-          <a:xfrm>
-            <a:off x="6450238" y="3630683"/>
-            <a:ext cx="242749" cy="229272"/>
-          </a:xfrm>
-          <a:prstGeom prst="rect">
-            <a:avLst/>
-          </a:prstGeom>
-          <a:noFill/>
-          <a:ln w="28575">
-            <a:solidFill>
-              <a:schemeClr val="tx1"/>
-            </a:solidFill>
-            <a:prstDash val="sysDash"/>
-          </a:ln>
-        </p:spPr>
-        <p:style>
-          <a:lnRef idx="2">
-            <a:schemeClr val="accent1">
-              <a:shade val="50000"/>
-            </a:schemeClr>
-          </a:lnRef>
-          <a:fillRef idx="1">
-            <a:schemeClr val="accent1"/>
-          </a:fillRef>
-          <a:effectRef idx="0">
-            <a:schemeClr val="accent1"/>
-          </a:effectRef>
-          <a:fontRef idx="minor">
-            <a:schemeClr val="lt1"/>
-          </a:fontRef>
-        </p:style>
-        <p:txBody>
-          <a:bodyPr rtlCol="0" anchor="ctr"/>
-          <a:lstStyle/>
-          <a:p>
-            <a:pPr algn="ctr"/>
-            <a:endParaRPr lang="ko-KR" altLang="en-US"/>
-          </a:p>
-        </p:txBody>
-      </p:sp>
-      <p:sp>
-        <p:nvSpPr>
-          <p:cNvPr id="49" name="직사각형 48">
-            <a:extLst>
-              <a:ext uri="{FF2B5EF4-FFF2-40B4-BE49-F238E27FC236}">
-                <a16:creationId xmlns:a16="http://schemas.microsoft.com/office/drawing/2014/main" id="{56C40234-E93F-4C05-A8CF-C3E7567D05BF}"/>
-              </a:ext>
-            </a:extLst>
-          </p:cNvPr>
-          <p:cNvSpPr/>
-          <p:nvPr/>
-        </p:nvSpPr>
-        <p:spPr>
-          <a:xfrm>
-            <a:off x="6329822" y="3361750"/>
-            <a:ext cx="503490" cy="788611"/>
-          </a:xfrm>
-          <a:prstGeom prst="rect">
-            <a:avLst/>
-          </a:prstGeom>
-          <a:noFill/>
-          <a:ln w="28575">
-            <a:solidFill>
-              <a:srgbClr val="C00000"/>
-            </a:solidFill>
-            <a:prstDash val="sysDash"/>
-          </a:ln>
-        </p:spPr>
-        <p:style>
-          <a:lnRef idx="2">
-            <a:schemeClr val="accent1">
-              <a:shade val="50000"/>
-            </a:schemeClr>
-          </a:lnRef>
-          <a:fillRef idx="1">
-            <a:schemeClr val="accent1"/>
-          </a:fillRef>
-          <a:effectRef idx="0">
-            <a:schemeClr val="accent1"/>
-          </a:effectRef>
-          <a:fontRef idx="minor">
-            <a:schemeClr val="lt1"/>
-          </a:fontRef>
-        </p:style>
-        <p:txBody>
-          <a:bodyPr rtlCol="0" anchor="ctr"/>
-          <a:lstStyle/>
-          <a:p>
-            <a:pPr algn="ctr"/>
-            <a:endParaRPr lang="ko-KR" altLang="en-US"/>
-          </a:p>
-        </p:txBody>
-      </p:sp>
-      <p:sp>
-        <p:nvSpPr>
-          <p:cNvPr id="50" name="직사각형 49">
-            <a:extLst>
-              <a:ext uri="{FF2B5EF4-FFF2-40B4-BE49-F238E27FC236}">
-                <a16:creationId xmlns:a16="http://schemas.microsoft.com/office/drawing/2014/main" id="{6B3FB4ED-CCF5-4493-9C19-B61ED6BE68F5}"/>
-              </a:ext>
-            </a:extLst>
-          </p:cNvPr>
-          <p:cNvSpPr/>
-          <p:nvPr/>
-        </p:nvSpPr>
-        <p:spPr>
-          <a:xfrm>
-            <a:off x="6241915" y="3448786"/>
-            <a:ext cx="670541" cy="615843"/>
-          </a:xfrm>
-          <a:prstGeom prst="rect">
-            <a:avLst/>
-          </a:prstGeom>
-          <a:noFill/>
-          <a:ln w="28575">
-            <a:solidFill>
-              <a:srgbClr val="C00000"/>
-            </a:solidFill>
-            <a:prstDash val="sysDash"/>
-          </a:ln>
-        </p:spPr>
-        <p:style>
-          <a:lnRef idx="2">
-            <a:schemeClr val="accent1">
-              <a:shade val="50000"/>
-            </a:schemeClr>
-          </a:lnRef>
-          <a:fillRef idx="1">
-            <a:schemeClr val="accent1"/>
-          </a:fillRef>
-          <a:effectRef idx="0">
-            <a:schemeClr val="accent1"/>
-          </a:effectRef>
-          <a:fontRef idx="minor">
-            <a:schemeClr val="lt1"/>
-          </a:fontRef>
-        </p:style>
-        <p:txBody>
-          <a:bodyPr rtlCol="0" anchor="ctr"/>
-          <a:lstStyle/>
-          <a:p>
-            <a:pPr algn="ctr"/>
-            <a:endParaRPr lang="ko-KR" altLang="en-US"/>
-          </a:p>
-        </p:txBody>
-      </p:sp>
-      <p:sp>
-        <p:nvSpPr>
-          <p:cNvPr id="51" name="직사각형 50">
-            <a:extLst>
-              <a:ext uri="{FF2B5EF4-FFF2-40B4-BE49-F238E27FC236}">
-                <a16:creationId xmlns:a16="http://schemas.microsoft.com/office/drawing/2014/main" id="{D1CE7F3A-80AB-4C66-8C76-FB8BFA98DC0C}"/>
-              </a:ext>
-            </a:extLst>
-          </p:cNvPr>
-          <p:cNvSpPr/>
-          <p:nvPr/>
-        </p:nvSpPr>
-        <p:spPr>
-          <a:xfrm>
-            <a:off x="6171376" y="3527050"/>
+            <a:off x="6161851" y="2438890"/>
             <a:ext cx="804578" cy="459979"/>
           </a:xfrm>
           <a:prstGeom prst="rect">
@@ -16331,7 +16296,7 @@
         </p:nvSpPr>
         <p:spPr>
           <a:xfrm>
-            <a:off x="9023831" y="3664189"/>
+            <a:off x="9738050" y="2594752"/>
             <a:ext cx="473301" cy="496851"/>
           </a:xfrm>
           <a:prstGeom prst="rect">
@@ -16384,7 +16349,7 @@
         </p:nvSpPr>
         <p:spPr>
           <a:xfrm>
-            <a:off x="8762106" y="3055578"/>
+            <a:off x="9459699" y="1994454"/>
             <a:ext cx="981681" cy="1708984"/>
           </a:xfrm>
           <a:prstGeom prst="rect">
@@ -16393,7 +16358,7 @@
           <a:noFill/>
           <a:ln w="28575">
             <a:solidFill>
-              <a:srgbClr val="00B0F0"/>
+              <a:srgbClr val="C00000"/>
             </a:solidFill>
             <a:prstDash val="sysDash"/>
           </a:ln>
@@ -16437,7 +16402,7 @@
         </p:nvSpPr>
         <p:spPr>
           <a:xfrm>
-            <a:off x="8599251" y="3256002"/>
+            <a:off x="9296844" y="2185353"/>
             <a:ext cx="1307389" cy="1334582"/>
           </a:xfrm>
           <a:prstGeom prst="rect">
@@ -16490,7 +16455,7 @@
         </p:nvSpPr>
         <p:spPr>
           <a:xfrm>
-            <a:off x="8417543" y="3424238"/>
+            <a:off x="9115136" y="2336963"/>
             <a:ext cx="1670804" cy="996812"/>
           </a:xfrm>
           <a:prstGeom prst="rect">
@@ -16543,754 +16508,7 @@
         </p:nvSpPr>
         <p:spPr>
           <a:xfrm>
-            <a:off x="958407" y="5544449"/>
-            <a:ext cx="9499599" cy="923330"/>
-          </a:xfrm>
-          <a:prstGeom prst="rect">
-            <a:avLst/>
-          </a:prstGeom>
-        </p:spPr>
-        <p:txBody>
-          <a:bodyPr wrap="square">
-            <a:spAutoFit/>
-          </a:bodyPr>
-          <a:lstStyle/>
-          <a:p>
-            <a:r>
-              <a:rPr lang="en-US" altLang="ko-KR" b="1" dirty="0"/>
-              <a:t>SSD uses </a:t>
-            </a:r>
-            <a:r>
-              <a:rPr lang="en-US" altLang="ko-KR" b="1" dirty="0" smtClean="0"/>
-              <a:t>multi </a:t>
-            </a:r>
-            <a:r>
-              <a:rPr lang="en-US" altLang="ko-KR" b="1" dirty="0"/>
-              <a:t>Feature </a:t>
-            </a:r>
-            <a:r>
-              <a:rPr lang="en-US" altLang="ko-KR" b="1" dirty="0" smtClean="0"/>
-              <a:t>maps </a:t>
-            </a:r>
-            <a:r>
-              <a:rPr lang="en-US" altLang="ko-KR" b="1" dirty="0"/>
-              <a:t>with different </a:t>
-            </a:r>
-            <a:r>
-              <a:rPr lang="en-US" altLang="ko-KR" b="1" dirty="0" smtClean="0"/>
-              <a:t>size</a:t>
-            </a:r>
-            <a:r>
-              <a:rPr lang="en-US" altLang="ko-KR" b="1" dirty="0" smtClean="0"/>
-              <a:t>.</a:t>
-            </a:r>
-          </a:p>
-          <a:p>
-            <a:r>
-              <a:rPr lang="en-US" altLang="ko-KR" b="1" dirty="0" smtClean="0"/>
-              <a:t>It also uses many </a:t>
-            </a:r>
-            <a:r>
-              <a:rPr lang="en-US" altLang="ko-KR" b="1" dirty="0"/>
-              <a:t>default boxes with the same function as the anchor </a:t>
-            </a:r>
-            <a:r>
-              <a:rPr lang="en-US" altLang="ko-KR" b="1" dirty="0" smtClean="0"/>
-              <a:t>box</a:t>
-            </a:r>
-          </a:p>
-          <a:p>
-            <a:r>
-              <a:rPr lang="en-US" altLang="ko-KR" b="1" dirty="0" smtClean="0"/>
-              <a:t>While the training procedure, it only needs (input image, ground truth)</a:t>
-            </a:r>
-            <a:endParaRPr lang="en-US" altLang="ko-KR" b="1" dirty="0"/>
-          </a:p>
-        </p:txBody>
-      </p:sp>
-      <p:sp>
-        <p:nvSpPr>
-          <p:cNvPr id="57" name="직사각형 56">
-            <a:extLst>
-              <a:ext uri="{FF2B5EF4-FFF2-40B4-BE49-F238E27FC236}">
-                <a16:creationId xmlns:a16="http://schemas.microsoft.com/office/drawing/2014/main" id="{D37D2321-D1D9-4437-B36B-5CE99E975CFF}"/>
-              </a:ext>
-            </a:extLst>
-          </p:cNvPr>
-          <p:cNvSpPr/>
-          <p:nvPr/>
-        </p:nvSpPr>
-        <p:spPr>
-          <a:xfrm>
-            <a:off x="7007679" y="1528080"/>
-            <a:ext cx="1524357" cy="369332"/>
-          </a:xfrm>
-          <a:prstGeom prst="rect">
-            <a:avLst/>
-          </a:prstGeom>
-        </p:spPr>
-        <p:txBody>
-          <a:bodyPr wrap="square">
-            <a:spAutoFit/>
-          </a:bodyPr>
-          <a:lstStyle/>
-          <a:p>
-            <a:r>
-              <a:rPr lang="en-US" altLang="ko-KR" b="1" dirty="0" smtClean="0"/>
-              <a:t>Default Box</a:t>
-            </a:r>
-            <a:endParaRPr lang="ko-KR" altLang="en-US" b="1" dirty="0"/>
-          </a:p>
-        </p:txBody>
-      </p:sp>
-      <p:sp>
-        <p:nvSpPr>
-          <p:cNvPr id="4" name="직사각형 3"/>
-          <p:cNvSpPr/>
-          <p:nvPr/>
-        </p:nvSpPr>
-        <p:spPr>
-          <a:xfrm>
-            <a:off x="7032619" y="1528080"/>
-            <a:ext cx="1425402" cy="369332"/>
-          </a:xfrm>
-          <a:prstGeom prst="rect">
-            <a:avLst/>
-          </a:prstGeom>
-          <a:noFill/>
-          <a:ln w="28575">
-            <a:solidFill>
-              <a:schemeClr val="accent4">
-                <a:lumMod val="75000"/>
-              </a:schemeClr>
-            </a:solidFill>
-          </a:ln>
-        </p:spPr>
-        <p:style>
-          <a:lnRef idx="2">
-            <a:schemeClr val="accent1">
-              <a:shade val="50000"/>
-            </a:schemeClr>
-          </a:lnRef>
-          <a:fillRef idx="1">
-            <a:schemeClr val="accent1"/>
-          </a:fillRef>
-          <a:effectRef idx="0">
-            <a:schemeClr val="accent1"/>
-          </a:effectRef>
-          <a:fontRef idx="minor">
-            <a:schemeClr val="lt1"/>
-          </a:fontRef>
-        </p:style>
-        <p:txBody>
-          <a:bodyPr rtlCol="0" anchor="ctr"/>
-          <a:lstStyle/>
-          <a:p>
-            <a:pPr algn="ctr"/>
-            <a:endParaRPr lang="ko-KR" altLang="en-US" dirty="0"/>
-          </a:p>
-        </p:txBody>
-      </p:sp>
-      <p:sp>
-        <p:nvSpPr>
-          <p:cNvPr id="37" name="모서리가 둥근 직사각형 36"/>
-          <p:cNvSpPr/>
-          <p:nvPr/>
-        </p:nvSpPr>
-        <p:spPr>
-          <a:xfrm>
-            <a:off x="2074118" y="5616645"/>
-            <a:ext cx="2183557" cy="249382"/>
-          </a:xfrm>
-          <a:prstGeom prst="roundRect">
-            <a:avLst/>
-          </a:prstGeom>
-          <a:noFill/>
-          <a:ln>
-            <a:solidFill>
-              <a:srgbClr val="C00000"/>
-            </a:solidFill>
-          </a:ln>
-        </p:spPr>
-        <p:style>
-          <a:lnRef idx="2">
-            <a:schemeClr val="accent1">
-              <a:shade val="50000"/>
-            </a:schemeClr>
-          </a:lnRef>
-          <a:fillRef idx="1">
-            <a:schemeClr val="accent1"/>
-          </a:fillRef>
-          <a:effectRef idx="0">
-            <a:schemeClr val="accent1"/>
-          </a:effectRef>
-          <a:fontRef idx="minor">
-            <a:schemeClr val="lt1"/>
-          </a:fontRef>
-        </p:style>
-        <p:txBody>
-          <a:bodyPr rtlCol="0" anchor="ctr"/>
-          <a:lstStyle/>
-          <a:p>
-            <a:pPr algn="ctr"/>
-            <a:endParaRPr lang="ko-KR" altLang="en-US"/>
-          </a:p>
-        </p:txBody>
-      </p:sp>
-      <p:sp>
-        <p:nvSpPr>
-          <p:cNvPr id="58" name="모서리가 둥근 직사각형 57"/>
-          <p:cNvSpPr/>
-          <p:nvPr/>
-        </p:nvSpPr>
-        <p:spPr>
-          <a:xfrm>
-            <a:off x="4841848" y="5609733"/>
-            <a:ext cx="1565150" cy="249382"/>
-          </a:xfrm>
-          <a:prstGeom prst="roundRect">
-            <a:avLst/>
-          </a:prstGeom>
-          <a:noFill/>
-          <a:ln>
-            <a:solidFill>
-              <a:srgbClr val="C00000"/>
-            </a:solidFill>
-          </a:ln>
-        </p:spPr>
-        <p:style>
-          <a:lnRef idx="2">
-            <a:schemeClr val="accent1">
-              <a:shade val="50000"/>
-            </a:schemeClr>
-          </a:lnRef>
-          <a:fillRef idx="1">
-            <a:schemeClr val="accent1"/>
-          </a:fillRef>
-          <a:effectRef idx="0">
-            <a:schemeClr val="accent1"/>
-          </a:effectRef>
-          <a:fontRef idx="minor">
-            <a:schemeClr val="lt1"/>
-          </a:fontRef>
-        </p:style>
-        <p:txBody>
-          <a:bodyPr rtlCol="0" anchor="ctr"/>
-          <a:lstStyle/>
-          <a:p>
-            <a:pPr algn="ctr"/>
-            <a:endParaRPr lang="ko-KR" altLang="en-US"/>
-          </a:p>
-        </p:txBody>
-      </p:sp>
-      <p:sp>
-        <p:nvSpPr>
-          <p:cNvPr id="59" name="모서리가 둥근 직사각형 58"/>
-          <p:cNvSpPr/>
-          <p:nvPr/>
-        </p:nvSpPr>
-        <p:spPr>
-          <a:xfrm>
-            <a:off x="2997723" y="5886776"/>
-            <a:ext cx="1567927" cy="249382"/>
-          </a:xfrm>
-          <a:prstGeom prst="roundRect">
-            <a:avLst/>
-          </a:prstGeom>
-          <a:noFill/>
-          <a:ln>
-            <a:solidFill>
-              <a:srgbClr val="C00000"/>
-            </a:solidFill>
-          </a:ln>
-        </p:spPr>
-        <p:style>
-          <a:lnRef idx="2">
-            <a:schemeClr val="accent1">
-              <a:shade val="50000"/>
-            </a:schemeClr>
-          </a:lnRef>
-          <a:fillRef idx="1">
-            <a:schemeClr val="accent1"/>
-          </a:fillRef>
-          <a:effectRef idx="0">
-            <a:schemeClr val="accent1"/>
-          </a:effectRef>
-          <a:fontRef idx="minor">
-            <a:schemeClr val="lt1"/>
-          </a:fontRef>
-        </p:style>
-        <p:txBody>
-          <a:bodyPr rtlCol="0" anchor="ctr"/>
-          <a:lstStyle/>
-          <a:p>
-            <a:pPr algn="ctr"/>
-            <a:endParaRPr lang="ko-KR" altLang="en-US"/>
-          </a:p>
-        </p:txBody>
-      </p:sp>
-      <p:sp>
-        <p:nvSpPr>
-          <p:cNvPr id="60" name="직사각형 59">
-            <a:extLst>
-              <a:ext uri="{FF2B5EF4-FFF2-40B4-BE49-F238E27FC236}">
-                <a16:creationId xmlns:a16="http://schemas.microsoft.com/office/drawing/2014/main" id="{D37D2321-D1D9-4437-B36B-5CE99E975CFF}"/>
-              </a:ext>
-            </a:extLst>
-          </p:cNvPr>
-          <p:cNvSpPr/>
-          <p:nvPr/>
-        </p:nvSpPr>
-        <p:spPr>
-          <a:xfrm>
-            <a:off x="900028" y="1649872"/>
-            <a:ext cx="3187899" cy="369332"/>
-          </a:xfrm>
-          <a:prstGeom prst="rect">
-            <a:avLst/>
-          </a:prstGeom>
-        </p:spPr>
-        <p:txBody>
-          <a:bodyPr wrap="square">
-            <a:spAutoFit/>
-          </a:bodyPr>
-          <a:lstStyle/>
-          <a:p>
-            <a:r>
-              <a:rPr lang="en-US" altLang="ko-KR" b="1" dirty="0" smtClean="0"/>
-              <a:t>(300*300)Input Image Size</a:t>
-            </a:r>
-            <a:endParaRPr lang="ko-KR" altLang="en-US" b="1" dirty="0"/>
-          </a:p>
-        </p:txBody>
-      </p:sp>
-      <p:sp>
-        <p:nvSpPr>
-          <p:cNvPr id="61" name="직사각형 60"/>
-          <p:cNvSpPr/>
-          <p:nvPr/>
-        </p:nvSpPr>
-        <p:spPr>
-          <a:xfrm>
-            <a:off x="924967" y="1662572"/>
-            <a:ext cx="3046957" cy="369332"/>
-          </a:xfrm>
-          <a:prstGeom prst="rect">
-            <a:avLst/>
-          </a:prstGeom>
-          <a:noFill/>
-          <a:ln w="28575">
-            <a:solidFill>
-              <a:schemeClr val="accent4">
-                <a:lumMod val="75000"/>
-              </a:schemeClr>
-            </a:solidFill>
-          </a:ln>
-        </p:spPr>
-        <p:style>
-          <a:lnRef idx="2">
-            <a:schemeClr val="accent1">
-              <a:shade val="50000"/>
-            </a:schemeClr>
-          </a:lnRef>
-          <a:fillRef idx="1">
-            <a:schemeClr val="accent1"/>
-          </a:fillRef>
-          <a:effectRef idx="0">
-            <a:schemeClr val="accent1"/>
-          </a:effectRef>
-          <a:fontRef idx="minor">
-            <a:schemeClr val="lt1"/>
-          </a:fontRef>
-        </p:style>
-        <p:txBody>
-          <a:bodyPr rtlCol="0" anchor="ctr"/>
-          <a:lstStyle/>
-          <a:p>
-            <a:pPr algn="ctr"/>
-            <a:endParaRPr lang="ko-KR" altLang="en-US" dirty="0"/>
-          </a:p>
-        </p:txBody>
-      </p:sp>
-      <p:sp>
-        <p:nvSpPr>
-          <p:cNvPr id="41" name="자유형 40"/>
-          <p:cNvSpPr/>
-          <p:nvPr/>
-        </p:nvSpPr>
-        <p:spPr>
-          <a:xfrm>
-            <a:off x="5915025" y="1914525"/>
-            <a:ext cx="1752600" cy="1457325"/>
-          </a:xfrm>
-          <a:custGeom>
-            <a:avLst/>
-            <a:gdLst>
-              <a:gd name="connsiteX0" fmla="*/ 0 w 3238500"/>
-              <a:gd name="connsiteY0" fmla="*/ 1466850 h 1466850"/>
-              <a:gd name="connsiteX1" fmla="*/ 1733550 w 3238500"/>
-              <a:gd name="connsiteY1" fmla="*/ 352425 h 1466850"/>
-              <a:gd name="connsiteX2" fmla="*/ 3238500 w 3238500"/>
-              <a:gd name="connsiteY2" fmla="*/ 0 h 1466850"/>
-              <a:gd name="connsiteX0" fmla="*/ 0 w 1802916"/>
-              <a:gd name="connsiteY0" fmla="*/ 1457325 h 1457325"/>
-              <a:gd name="connsiteX1" fmla="*/ 1733550 w 1802916"/>
-              <a:gd name="connsiteY1" fmla="*/ 342900 h 1457325"/>
-              <a:gd name="connsiteX2" fmla="*/ 1752600 w 1802916"/>
-              <a:gd name="connsiteY2" fmla="*/ 0 h 1457325"/>
-              <a:gd name="connsiteX0" fmla="*/ 0 w 1752600"/>
-              <a:gd name="connsiteY0" fmla="*/ 1457325 h 1457325"/>
-              <a:gd name="connsiteX1" fmla="*/ 657225 w 1752600"/>
-              <a:gd name="connsiteY1" fmla="*/ 666750 h 1457325"/>
-              <a:gd name="connsiteX2" fmla="*/ 1752600 w 1752600"/>
-              <a:gd name="connsiteY2" fmla="*/ 0 h 1457325"/>
-            </a:gdLst>
-            <a:ahLst/>
-            <a:cxnLst>
-              <a:cxn ang="0">
-                <a:pos x="connsiteX0" y="connsiteY0"/>
-              </a:cxn>
-              <a:cxn ang="0">
-                <a:pos x="connsiteX1" y="connsiteY1"/>
-              </a:cxn>
-              <a:cxn ang="0">
-                <a:pos x="connsiteX2" y="connsiteY2"/>
-              </a:cxn>
-            </a:cxnLst>
-            <a:rect l="l" t="t" r="r" b="b"/>
-            <a:pathLst>
-              <a:path w="1752600" h="1457325">
-                <a:moveTo>
-                  <a:pt x="0" y="1457325"/>
-                </a:moveTo>
-                <a:cubicBezTo>
-                  <a:pt x="596900" y="1022350"/>
-                  <a:pt x="365125" y="909637"/>
-                  <a:pt x="657225" y="666750"/>
-                </a:cubicBezTo>
-                <a:cubicBezTo>
-                  <a:pt x="949325" y="423863"/>
-                  <a:pt x="1270000" y="53975"/>
-                  <a:pt x="1752600" y="0"/>
-                </a:cubicBezTo>
-              </a:path>
-            </a:pathLst>
-          </a:custGeom>
-          <a:noFill/>
-          <a:ln w="19050">
-            <a:solidFill>
-              <a:schemeClr val="accent4">
-                <a:lumMod val="75000"/>
-              </a:schemeClr>
-            </a:solidFill>
-          </a:ln>
-        </p:spPr>
-        <p:style>
-          <a:lnRef idx="2">
-            <a:schemeClr val="accent1">
-              <a:shade val="50000"/>
-            </a:schemeClr>
-          </a:lnRef>
-          <a:fillRef idx="1">
-            <a:schemeClr val="accent1"/>
-          </a:fillRef>
-          <a:effectRef idx="0">
-            <a:schemeClr val="accent1"/>
-          </a:effectRef>
-          <a:fontRef idx="minor">
-            <a:schemeClr val="lt1"/>
-          </a:fontRef>
-        </p:style>
-        <p:txBody>
-          <a:bodyPr rtlCol="0" anchor="ctr"/>
-          <a:lstStyle/>
-          <a:p>
-            <a:pPr algn="ctr"/>
-            <a:endParaRPr lang="ko-KR" altLang="en-US"/>
-          </a:p>
-        </p:txBody>
-      </p:sp>
-      <p:sp>
-        <p:nvSpPr>
-          <p:cNvPr id="42" name="자유형 41"/>
-          <p:cNvSpPr/>
-          <p:nvPr/>
-        </p:nvSpPr>
-        <p:spPr>
-          <a:xfrm>
-            <a:off x="7705723" y="1885950"/>
-            <a:ext cx="1552575" cy="1190625"/>
-          </a:xfrm>
-          <a:custGeom>
-            <a:avLst/>
-            <a:gdLst>
-              <a:gd name="connsiteX0" fmla="*/ 800100 w 800100"/>
-              <a:gd name="connsiteY0" fmla="*/ 1171575 h 1171575"/>
-              <a:gd name="connsiteX1" fmla="*/ 333375 w 800100"/>
-              <a:gd name="connsiteY1" fmla="*/ 381000 h 1171575"/>
-              <a:gd name="connsiteX2" fmla="*/ 0 w 800100"/>
-              <a:gd name="connsiteY2" fmla="*/ 0 h 1171575"/>
-              <a:gd name="connsiteX0" fmla="*/ 104775 w 333915"/>
-              <a:gd name="connsiteY0" fmla="*/ 1171575 h 1171575"/>
-              <a:gd name="connsiteX1" fmla="*/ 333375 w 333915"/>
-              <a:gd name="connsiteY1" fmla="*/ 381000 h 1171575"/>
-              <a:gd name="connsiteX2" fmla="*/ 0 w 333915"/>
-              <a:gd name="connsiteY2" fmla="*/ 0 h 1171575"/>
-              <a:gd name="connsiteX0" fmla="*/ 153706 w 153706"/>
-              <a:gd name="connsiteY0" fmla="*/ 1171575 h 1171575"/>
-              <a:gd name="connsiteX1" fmla="*/ 1306 w 153706"/>
-              <a:gd name="connsiteY1" fmla="*/ 371475 h 1171575"/>
-              <a:gd name="connsiteX2" fmla="*/ 48931 w 153706"/>
-              <a:gd name="connsiteY2" fmla="*/ 0 h 1171575"/>
-              <a:gd name="connsiteX0" fmla="*/ 153706 w 153706"/>
-              <a:gd name="connsiteY0" fmla="*/ 1171575 h 1171575"/>
-              <a:gd name="connsiteX1" fmla="*/ 1306 w 153706"/>
-              <a:gd name="connsiteY1" fmla="*/ 371475 h 1171575"/>
-              <a:gd name="connsiteX2" fmla="*/ 48931 w 153706"/>
-              <a:gd name="connsiteY2" fmla="*/ 0 h 1171575"/>
-              <a:gd name="connsiteX0" fmla="*/ 1552575 w 1552575"/>
-              <a:gd name="connsiteY0" fmla="*/ 1190625 h 1190625"/>
-              <a:gd name="connsiteX1" fmla="*/ 1400175 w 1552575"/>
-              <a:gd name="connsiteY1" fmla="*/ 390525 h 1190625"/>
-              <a:gd name="connsiteX2" fmla="*/ 0 w 1552575"/>
-              <a:gd name="connsiteY2" fmla="*/ 0 h 1190625"/>
-              <a:gd name="connsiteX0" fmla="*/ 1552575 w 1552575"/>
-              <a:gd name="connsiteY0" fmla="*/ 1190625 h 1190625"/>
-              <a:gd name="connsiteX1" fmla="*/ 866775 w 1552575"/>
-              <a:gd name="connsiteY1" fmla="*/ 457200 h 1190625"/>
-              <a:gd name="connsiteX2" fmla="*/ 0 w 1552575"/>
-              <a:gd name="connsiteY2" fmla="*/ 0 h 1190625"/>
-            </a:gdLst>
-            <a:ahLst/>
-            <a:cxnLst>
-              <a:cxn ang="0">
-                <a:pos x="connsiteX0" y="connsiteY0"/>
-              </a:cxn>
-              <a:cxn ang="0">
-                <a:pos x="connsiteX1" y="connsiteY1"/>
-              </a:cxn>
-              <a:cxn ang="0">
-                <a:pos x="connsiteX2" y="connsiteY2"/>
-              </a:cxn>
-            </a:cxnLst>
-            <a:rect l="l" t="t" r="r" b="b"/>
-            <a:pathLst>
-              <a:path w="1552575" h="1190625">
-                <a:moveTo>
-                  <a:pt x="1552575" y="1190625"/>
-                </a:moveTo>
-                <a:cubicBezTo>
-                  <a:pt x="1385887" y="892968"/>
-                  <a:pt x="1125538" y="655638"/>
-                  <a:pt x="866775" y="457200"/>
-                </a:cubicBezTo>
-                <a:cubicBezTo>
-                  <a:pt x="608012" y="258763"/>
-                  <a:pt x="100012" y="92869"/>
-                  <a:pt x="0" y="0"/>
-                </a:cubicBezTo>
-              </a:path>
-            </a:pathLst>
-          </a:custGeom>
-          <a:noFill/>
-          <a:ln w="19050">
-            <a:solidFill>
-              <a:schemeClr val="accent4">
-                <a:lumMod val="75000"/>
-              </a:schemeClr>
-            </a:solidFill>
-          </a:ln>
-        </p:spPr>
-        <p:style>
-          <a:lnRef idx="2">
-            <a:schemeClr val="accent1">
-              <a:shade val="50000"/>
-            </a:schemeClr>
-          </a:lnRef>
-          <a:fillRef idx="1">
-            <a:schemeClr val="accent1"/>
-          </a:fillRef>
-          <a:effectRef idx="0">
-            <a:schemeClr val="accent1"/>
-          </a:effectRef>
-          <a:fontRef idx="minor">
-            <a:schemeClr val="lt1"/>
-          </a:fontRef>
-        </p:style>
-        <p:txBody>
-          <a:bodyPr rtlCol="0" anchor="ctr"/>
-          <a:lstStyle/>
-          <a:p>
-            <a:pPr algn="ctr"/>
-            <a:endParaRPr lang="ko-KR" altLang="en-US"/>
-          </a:p>
-        </p:txBody>
-      </p:sp>
-      <p:sp>
-        <p:nvSpPr>
-          <p:cNvPr id="43" name="자유형 42"/>
-          <p:cNvSpPr/>
-          <p:nvPr/>
-        </p:nvSpPr>
-        <p:spPr>
-          <a:xfrm>
-            <a:off x="6981824" y="1914526"/>
-            <a:ext cx="714375" cy="1828800"/>
-          </a:xfrm>
-          <a:custGeom>
-            <a:avLst/>
-            <a:gdLst>
-              <a:gd name="connsiteX0" fmla="*/ 0 w 1447800"/>
-              <a:gd name="connsiteY0" fmla="*/ 1609725 h 1609725"/>
-              <a:gd name="connsiteX1" fmla="*/ 790575 w 1447800"/>
-              <a:gd name="connsiteY1" fmla="*/ 619125 h 1609725"/>
-              <a:gd name="connsiteX2" fmla="*/ 1447800 w 1447800"/>
-              <a:gd name="connsiteY2" fmla="*/ 0 h 1609725"/>
-              <a:gd name="connsiteX0" fmla="*/ 0 w 1447800"/>
-              <a:gd name="connsiteY0" fmla="*/ 1609725 h 1609725"/>
-              <a:gd name="connsiteX1" fmla="*/ 790575 w 1447800"/>
-              <a:gd name="connsiteY1" fmla="*/ 619125 h 1609725"/>
-              <a:gd name="connsiteX2" fmla="*/ 1200150 w 1447800"/>
-              <a:gd name="connsiteY2" fmla="*/ 180975 h 1609725"/>
-              <a:gd name="connsiteX3" fmla="*/ 1447800 w 1447800"/>
-              <a:gd name="connsiteY3" fmla="*/ 0 h 1609725"/>
-              <a:gd name="connsiteX0" fmla="*/ 0 w 2171700"/>
-              <a:gd name="connsiteY0" fmla="*/ 1876425 h 1876425"/>
-              <a:gd name="connsiteX1" fmla="*/ 790575 w 2171700"/>
-              <a:gd name="connsiteY1" fmla="*/ 885825 h 1876425"/>
-              <a:gd name="connsiteX2" fmla="*/ 1200150 w 2171700"/>
-              <a:gd name="connsiteY2" fmla="*/ 447675 h 1876425"/>
-              <a:gd name="connsiteX3" fmla="*/ 2171700 w 2171700"/>
-              <a:gd name="connsiteY3" fmla="*/ 0 h 1876425"/>
-              <a:gd name="connsiteX0" fmla="*/ 0 w 2190750"/>
-              <a:gd name="connsiteY0" fmla="*/ 1847850 h 1847850"/>
-              <a:gd name="connsiteX1" fmla="*/ 790575 w 2190750"/>
-              <a:gd name="connsiteY1" fmla="*/ 857250 h 1847850"/>
-              <a:gd name="connsiteX2" fmla="*/ 1200150 w 2190750"/>
-              <a:gd name="connsiteY2" fmla="*/ 419100 h 1847850"/>
-              <a:gd name="connsiteX3" fmla="*/ 2190750 w 2190750"/>
-              <a:gd name="connsiteY3" fmla="*/ 0 h 1847850"/>
-              <a:gd name="connsiteX0" fmla="*/ 0 w 2190750"/>
-              <a:gd name="connsiteY0" fmla="*/ 1847850 h 1847850"/>
-              <a:gd name="connsiteX1" fmla="*/ 790575 w 2190750"/>
-              <a:gd name="connsiteY1" fmla="*/ 857250 h 1847850"/>
-              <a:gd name="connsiteX2" fmla="*/ 1362075 w 2190750"/>
-              <a:gd name="connsiteY2" fmla="*/ 361950 h 1847850"/>
-              <a:gd name="connsiteX3" fmla="*/ 2190750 w 2190750"/>
-              <a:gd name="connsiteY3" fmla="*/ 0 h 1847850"/>
-              <a:gd name="connsiteX0" fmla="*/ 0 w 1372406"/>
-              <a:gd name="connsiteY0" fmla="*/ 1828800 h 1828800"/>
-              <a:gd name="connsiteX1" fmla="*/ 790575 w 1372406"/>
-              <a:gd name="connsiteY1" fmla="*/ 838200 h 1828800"/>
-              <a:gd name="connsiteX2" fmla="*/ 1362075 w 1372406"/>
-              <a:gd name="connsiteY2" fmla="*/ 342900 h 1828800"/>
-              <a:gd name="connsiteX3" fmla="*/ 714375 w 1372406"/>
-              <a:gd name="connsiteY3" fmla="*/ 0 h 1828800"/>
-              <a:gd name="connsiteX0" fmla="*/ 0 w 796377"/>
-              <a:gd name="connsiteY0" fmla="*/ 1828800 h 1828800"/>
-              <a:gd name="connsiteX1" fmla="*/ 790575 w 796377"/>
-              <a:gd name="connsiteY1" fmla="*/ 838200 h 1828800"/>
-              <a:gd name="connsiteX2" fmla="*/ 409575 w 796377"/>
-              <a:gd name="connsiteY2" fmla="*/ 885825 h 1828800"/>
-              <a:gd name="connsiteX3" fmla="*/ 714375 w 796377"/>
-              <a:gd name="connsiteY3" fmla="*/ 0 h 1828800"/>
-              <a:gd name="connsiteX0" fmla="*/ 0 w 714375"/>
-              <a:gd name="connsiteY0" fmla="*/ 1828800 h 1828800"/>
-              <a:gd name="connsiteX1" fmla="*/ 228600 w 714375"/>
-              <a:gd name="connsiteY1" fmla="*/ 1323975 h 1828800"/>
-              <a:gd name="connsiteX2" fmla="*/ 409575 w 714375"/>
-              <a:gd name="connsiteY2" fmla="*/ 885825 h 1828800"/>
-              <a:gd name="connsiteX3" fmla="*/ 714375 w 714375"/>
-              <a:gd name="connsiteY3" fmla="*/ 0 h 1828800"/>
-            </a:gdLst>
-            <a:ahLst/>
-            <a:cxnLst>
-              <a:cxn ang="0">
-                <a:pos x="connsiteX0" y="connsiteY0"/>
-              </a:cxn>
-              <a:cxn ang="0">
-                <a:pos x="connsiteX1" y="connsiteY1"/>
-              </a:cxn>
-              <a:cxn ang="0">
-                <a:pos x="connsiteX2" y="connsiteY2"/>
-              </a:cxn>
-              <a:cxn ang="0">
-                <a:pos x="connsiteX3" y="connsiteY3"/>
-              </a:cxn>
-            </a:cxnLst>
-            <a:rect l="l" t="t" r="r" b="b"/>
-            <a:pathLst>
-              <a:path w="714375" h="1828800">
-                <a:moveTo>
-                  <a:pt x="0" y="1828800"/>
-                </a:moveTo>
-                <a:cubicBezTo>
-                  <a:pt x="274637" y="1467643"/>
-                  <a:pt x="160338" y="1481137"/>
-                  <a:pt x="228600" y="1323975"/>
-                </a:cubicBezTo>
-                <a:cubicBezTo>
-                  <a:pt x="296862" y="1166813"/>
-                  <a:pt x="300038" y="989012"/>
-                  <a:pt x="409575" y="885825"/>
-                </a:cubicBezTo>
-                <a:cubicBezTo>
-                  <a:pt x="519112" y="782638"/>
-                  <a:pt x="673100" y="30162"/>
-                  <a:pt x="714375" y="0"/>
-                </a:cubicBezTo>
-              </a:path>
-            </a:pathLst>
-          </a:custGeom>
-          <a:noFill/>
-          <a:ln w="19050">
-            <a:solidFill>
-              <a:schemeClr val="accent4">
-                <a:lumMod val="75000"/>
-              </a:schemeClr>
-            </a:solidFill>
-          </a:ln>
-        </p:spPr>
-        <p:style>
-          <a:lnRef idx="2">
-            <a:schemeClr val="accent1">
-              <a:shade val="50000"/>
-            </a:schemeClr>
-          </a:lnRef>
-          <a:fillRef idx="1">
-            <a:schemeClr val="accent1"/>
-          </a:fillRef>
-          <a:effectRef idx="0">
-            <a:schemeClr val="accent1"/>
-          </a:effectRef>
-          <a:fontRef idx="minor">
-            <a:schemeClr val="lt1"/>
-          </a:fontRef>
-        </p:style>
-        <p:txBody>
-          <a:bodyPr rtlCol="0" anchor="ctr"/>
-          <a:lstStyle/>
-          <a:p>
-            <a:pPr algn="ctr"/>
-            <a:endParaRPr lang="ko-KR" altLang="en-US"/>
-          </a:p>
-        </p:txBody>
-      </p:sp>
-      <p:sp>
-        <p:nvSpPr>
-          <p:cNvPr id="63" name="직사각형 62">
-            <a:extLst>
-              <a:ext uri="{FF2B5EF4-FFF2-40B4-BE49-F238E27FC236}">
-                <a16:creationId xmlns:a16="http://schemas.microsoft.com/office/drawing/2014/main" id="{1B00303A-37E8-47C3-A8A8-C52D7E5853CC}"/>
-              </a:ext>
-            </a:extLst>
-          </p:cNvPr>
-          <p:cNvSpPr/>
-          <p:nvPr/>
-        </p:nvSpPr>
-        <p:spPr>
-          <a:xfrm>
-            <a:off x="730566" y="-1037185"/>
+            <a:off x="627536" y="5272888"/>
             <a:ext cx="9499599" cy="646331"/>
           </a:xfrm>
           <a:prstGeom prst="rect">
@@ -17304,167 +16522,23 @@
           <a:lstStyle/>
           <a:p>
             <a:r>
-              <a:rPr lang="ko-KR" altLang="en-US" b="1" dirty="0" smtClean="0"/>
-              <a:t>해상도가 큰 </a:t>
-            </a:r>
-            <a:r>
-              <a:rPr lang="en-US" altLang="ko-KR" b="1" dirty="0" smtClean="0"/>
-              <a:t>FM</a:t>
-            </a:r>
-            <a:r>
-              <a:rPr lang="ko-KR" altLang="en-US" b="1" dirty="0" smtClean="0"/>
-              <a:t>은 상대적으로 </a:t>
-            </a:r>
-            <a:r>
-              <a:rPr lang="ko-KR" altLang="en-US" b="1" dirty="0" err="1" smtClean="0"/>
-              <a:t>작은크기의</a:t>
-            </a:r>
-            <a:r>
-              <a:rPr lang="ko-KR" altLang="en-US" b="1" dirty="0" smtClean="0"/>
-              <a:t> 물체를 </a:t>
-            </a:r>
-            <a:r>
-              <a:rPr lang="ko-KR" altLang="en-US" b="1" dirty="0" err="1" smtClean="0"/>
-              <a:t>잘잡고</a:t>
-            </a:r>
-            <a:endParaRPr lang="en-US" altLang="ko-KR" b="1" dirty="0" smtClean="0"/>
-          </a:p>
-          <a:p>
-            <a:r>
-              <a:rPr lang="ko-KR" altLang="en-US" b="1" dirty="0" smtClean="0"/>
-              <a:t>해상도가 큰 </a:t>
-            </a:r>
-            <a:r>
-              <a:rPr lang="en-US" altLang="ko-KR" b="1" dirty="0" smtClean="0"/>
-              <a:t>FM</a:t>
-            </a:r>
-            <a:r>
-              <a:rPr lang="ko-KR" altLang="en-US" b="1" dirty="0" smtClean="0"/>
-              <a:t>은 큰 크기의 물체를 </a:t>
-            </a:r>
-            <a:r>
-              <a:rPr lang="ko-KR" altLang="en-US" b="1" dirty="0" err="1" smtClean="0"/>
-              <a:t>잘잡는다</a:t>
+              <a:rPr lang="en-US" altLang="ko-KR" b="1" dirty="0"/>
+              <a:t>SSD uses double Feature map with different size, </a:t>
+            </a:r>
+          </a:p>
+          <a:p>
+            <a:r>
+              <a:rPr lang="en-US" altLang="ko-KR" b="1" dirty="0"/>
+              <a:t>It </a:t>
+            </a:r>
+            <a:r>
+              <a:rPr lang="en-US" altLang="ko-KR" b="1"/>
+              <a:t>also uses </a:t>
             </a:r>
             <a:endParaRPr lang="ko-KR" altLang="en-US" b="1" dirty="0"/>
           </a:p>
         </p:txBody>
       </p:sp>
-      <p:sp>
-        <p:nvSpPr>
-          <p:cNvPr id="64" name="직사각형 63">
-            <a:extLst>
-              <a:ext uri="{FF2B5EF4-FFF2-40B4-BE49-F238E27FC236}">
-                <a16:creationId xmlns:a16="http://schemas.microsoft.com/office/drawing/2014/main" id="{1B00303A-37E8-47C3-A8A8-C52D7E5853CC}"/>
-              </a:ext>
-            </a:extLst>
-          </p:cNvPr>
-          <p:cNvSpPr/>
-          <p:nvPr/>
-        </p:nvSpPr>
-        <p:spPr>
-          <a:xfrm>
-            <a:off x="8626440" y="1367104"/>
-            <a:ext cx="2181991" cy="646331"/>
-          </a:xfrm>
-          <a:prstGeom prst="rect">
-            <a:avLst/>
-          </a:prstGeom>
-        </p:spPr>
-        <p:txBody>
-          <a:bodyPr wrap="square">
-            <a:spAutoFit/>
-          </a:bodyPr>
-          <a:lstStyle/>
-          <a:p>
-            <a:r>
-              <a:rPr lang="en-US" altLang="ko-KR" b="1" dirty="0" smtClean="0"/>
-              <a:t>BB Regression</a:t>
-            </a:r>
-          </a:p>
-          <a:p>
-            <a:r>
-              <a:rPr lang="en-US" altLang="ko-KR" b="1" dirty="0" smtClean="0"/>
-              <a:t>Confidence Score</a:t>
-            </a:r>
-            <a:endParaRPr lang="ko-KR" altLang="en-US" b="1" dirty="0"/>
-          </a:p>
-        </p:txBody>
-      </p:sp>
-      <p:cxnSp>
-        <p:nvCxnSpPr>
-          <p:cNvPr id="62" name="직선 연결선 61"/>
-          <p:cNvCxnSpPr>
-            <a:stCxn id="4" idx="3"/>
-          </p:cNvCxnSpPr>
-          <p:nvPr/>
-        </p:nvCxnSpPr>
-        <p:spPr>
-          <a:xfrm flipV="1">
-            <a:off x="8458021" y="1528080"/>
-            <a:ext cx="168419" cy="184666"/>
-          </a:xfrm>
-          <a:prstGeom prst="line">
-            <a:avLst/>
-          </a:prstGeom>
-          <a:ln w="19050">
-            <a:solidFill>
-              <a:schemeClr val="tx1"/>
-            </a:solidFill>
-          </a:ln>
-        </p:spPr>
-        <p:style>
-          <a:lnRef idx="1">
-            <a:schemeClr val="accent1"/>
-          </a:lnRef>
-          <a:fillRef idx="0">
-            <a:schemeClr val="accent1"/>
-          </a:fillRef>
-          <a:effectRef idx="0">
-            <a:schemeClr val="accent1"/>
-          </a:effectRef>
-          <a:fontRef idx="minor">
-            <a:schemeClr val="tx1"/>
-          </a:fontRef>
-        </p:style>
-      </p:cxnSp>
-      <p:cxnSp>
-        <p:nvCxnSpPr>
-          <p:cNvPr id="4097" name="직선 연결선 4096"/>
-          <p:cNvCxnSpPr>
-            <a:stCxn id="4" idx="3"/>
-          </p:cNvCxnSpPr>
-          <p:nvPr/>
-        </p:nvCxnSpPr>
-        <p:spPr>
-          <a:xfrm>
-            <a:off x="8458021" y="1712746"/>
-            <a:ext cx="168419" cy="134492"/>
-          </a:xfrm>
-          <a:prstGeom prst="line">
-            <a:avLst/>
-          </a:prstGeom>
-          <a:ln w="19050">
-            <a:solidFill>
-              <a:schemeClr val="tx1"/>
-            </a:solidFill>
-          </a:ln>
-        </p:spPr>
-        <p:style>
-          <a:lnRef idx="1">
-            <a:schemeClr val="accent1"/>
-          </a:lnRef>
-          <a:fillRef idx="0">
-            <a:schemeClr val="accent1"/>
-          </a:fillRef>
-          <a:effectRef idx="0">
-            <a:schemeClr val="accent1"/>
-          </a:effectRef>
-          <a:fontRef idx="minor">
-            <a:schemeClr val="tx1"/>
-          </a:fontRef>
-        </p:style>
-      </p:cxnSp>
     </p:spTree>
     <p:extLst>
       <p:ext uri="{BB962C8B-B14F-4D97-AF65-F5344CB8AC3E}">
@@ -17475,13 +16549,6 @@
   <p:clrMapOvr>
     <a:masterClrMapping/>
   </p:clrMapOvr>
-  <p:timing>
-    <p:tnLst>
-      <p:par>
-        <p:cTn id="1" dur="indefinite" restart="never" nodeType="tmRoot"/>
-      </p:par>
-    </p:tnLst>
-  </p:timing>
 </p:sld>
 </file>
 
@@ -17860,9 +16927,72 @@
           </a:p>
         </p:txBody>
       </p:sp>
+      <p:sp>
+        <p:nvSpPr>
+          <p:cNvPr id="6" name="직사각형 5">
+            <a:extLst>
+              <a:ext uri="{FF2B5EF4-FFF2-40B4-BE49-F238E27FC236}">
+                <a16:creationId xmlns:a16="http://schemas.microsoft.com/office/drawing/2014/main" id="{1B00303A-37E8-47C3-A8A8-C52D7E5853CC}"/>
+              </a:ext>
+            </a:extLst>
+          </p:cNvPr>
+          <p:cNvSpPr/>
+          <p:nvPr/>
+        </p:nvSpPr>
+        <p:spPr>
+          <a:xfrm>
+            <a:off x="228600" y="739566"/>
+            <a:ext cx="9499599" cy="646331"/>
+          </a:xfrm>
+          <a:prstGeom prst="rect">
+            <a:avLst/>
+          </a:prstGeom>
+        </p:spPr>
+        <p:txBody>
+          <a:bodyPr wrap="square">
+            <a:spAutoFit/>
+          </a:bodyPr>
+          <a:lstStyle/>
+          <a:p>
+            <a:r>
+              <a:rPr lang="en-US" altLang="ko-KR" b="1" dirty="0" err="1"/>
+              <a:t>SSDNet</a:t>
+            </a:r>
+            <a:r>
+              <a:rPr lang="en-US" altLang="ko-KR" b="1" dirty="0"/>
+              <a:t> doesn’t use </a:t>
+            </a:r>
+            <a:r>
+              <a:rPr lang="en-US" altLang="ko-KR" b="1" dirty="0" err="1"/>
+              <a:t>Object_Proposal</a:t>
+            </a:r>
+            <a:r>
+              <a:rPr lang="en-US" altLang="ko-KR" b="1" dirty="0"/>
+              <a:t> procedure.</a:t>
+            </a:r>
+          </a:p>
+          <a:p>
+            <a:r>
+              <a:rPr lang="en-US" altLang="ko-KR" b="1" dirty="0"/>
+              <a:t>Both speed and accuracy of these are superior to YOLO &amp; </a:t>
+            </a:r>
+            <a:r>
+              <a:rPr lang="en-US" altLang="ko-KR" b="1" dirty="0" err="1"/>
+              <a:t>FasterRCNN</a:t>
+            </a:r>
+            <a:endParaRPr lang="ko-KR" altLang="en-US" b="1" dirty="0"/>
+          </a:p>
+        </p:txBody>
+      </p:sp>
       <p:pic>
         <p:nvPicPr>
-          <p:cNvPr id="2050" name="Picture 2" descr="model"/>
+          <p:cNvPr id="14" name="Picture 4" descr="https://miro.medium.com/max/700/1*51joMGlhxvftTxGtA4lA7Q.png">
+            <a:extLst>
+              <a:ext uri="{FF2B5EF4-FFF2-40B4-BE49-F238E27FC236}">
+                <a16:creationId xmlns:a16="http://schemas.microsoft.com/office/drawing/2014/main" id="{DC46A03B-3815-4ABA-B381-1D79D77A07F8}"/>
+              </a:ext>
+            </a:extLst>
+          </p:cNvPr>
           <p:cNvPicPr>
             <a:picLocks noChangeAspect="1" noChangeArrowheads="1"/>
           </p:cNvPicPr>
@@ -17883,8 +17013,8 @@
         </p:blipFill>
         <p:spPr bwMode="auto">
           <a:xfrm>
-            <a:off x="709845" y="2008197"/>
-            <a:ext cx="10889241" cy="3338503"/>
+            <a:off x="441324" y="1806606"/>
+            <a:ext cx="11039476" cy="3447988"/>
           </a:xfrm>
           <a:prstGeom prst="rect">
             <a:avLst/>
@@ -17901,627 +17031,6 @@
           </a:extLst>
         </p:spPr>
       </p:pic>
-      <p:sp>
-        <p:nvSpPr>
-          <p:cNvPr id="8" name="내용 개체 틀 2">
-            <a:extLst>
-              <a:ext uri="{FF2B5EF4-FFF2-40B4-BE49-F238E27FC236}">
-                <a16:creationId xmlns:a16="http://schemas.microsoft.com/office/drawing/2014/main" id="{8B61C2D0-725E-489B-A335-9B709B151937}"/>
-              </a:ext>
-            </a:extLst>
-          </p:cNvPr>
-          <p:cNvSpPr txBox="1">
-            <a:spLocks/>
-          </p:cNvSpPr>
-          <p:nvPr/>
-        </p:nvSpPr>
-        <p:spPr>
-          <a:xfrm>
-            <a:off x="3733799" y="5346700"/>
-            <a:ext cx="3746501" cy="334566"/>
-          </a:xfrm>
-          <a:prstGeom prst="rect">
-            <a:avLst/>
-          </a:prstGeom>
-        </p:spPr>
-        <p:txBody>
-          <a:bodyPr vert="horz" lIns="91440" tIns="45720" rIns="91440" bIns="45720" rtlCol="0">
-            <a:normAutofit lnSpcReduction="10000"/>
-          </a:bodyPr>
-          <a:lstStyle>
-            <a:lvl1pPr marL="0" indent="0" algn="ctr" defTabSz="914400" rtl="0" eaLnBrk="1" latinLnBrk="0" hangingPunct="1">
-              <a:lnSpc>
-                <a:spcPct val="90000"/>
-              </a:lnSpc>
-              <a:spcBef>
-                <a:spcPts val="1000"/>
-              </a:spcBef>
-              <a:buFont typeface="Arial" panose="020B0604020202020204" pitchFamily="34" charset="0"/>
-              <a:buNone/>
-              <a:defRPr sz="2400" kern="1200">
-                <a:solidFill>
-                  <a:schemeClr val="tx1"/>
-                </a:solidFill>
-                <a:latin typeface="+mn-lt"/>
-                <a:ea typeface="+mn-ea"/>
-                <a:cs typeface="+mn-cs"/>
-              </a:defRPr>
-            </a:lvl1pPr>
-            <a:lvl2pPr marL="457200" indent="0" algn="ctr" defTabSz="914400" rtl="0" eaLnBrk="1" latinLnBrk="0" hangingPunct="1">
-              <a:lnSpc>
-                <a:spcPct val="90000"/>
-              </a:lnSpc>
-              <a:spcBef>
-                <a:spcPts val="500"/>
-              </a:spcBef>
-              <a:buFont typeface="Arial" panose="020B0604020202020204" pitchFamily="34" charset="0"/>
-              <a:buNone/>
-              <a:defRPr sz="2000" kern="1200">
-                <a:solidFill>
-                  <a:schemeClr val="tx1"/>
-                </a:solidFill>
-                <a:latin typeface="+mn-lt"/>
-                <a:ea typeface="+mn-ea"/>
-                <a:cs typeface="+mn-cs"/>
-              </a:defRPr>
-            </a:lvl2pPr>
-            <a:lvl3pPr marL="914400" indent="0" algn="ctr" defTabSz="914400" rtl="0" eaLnBrk="1" latinLnBrk="0" hangingPunct="1">
-              <a:lnSpc>
-                <a:spcPct val="90000"/>
-              </a:lnSpc>
-              <a:spcBef>
-                <a:spcPts val="500"/>
-              </a:spcBef>
-              <a:buFont typeface="Arial" panose="020B0604020202020204" pitchFamily="34" charset="0"/>
-              <a:buNone/>
-              <a:defRPr sz="1800" kern="1200">
-                <a:solidFill>
-                  <a:schemeClr val="tx1"/>
-                </a:solidFill>
-                <a:latin typeface="+mn-lt"/>
-                <a:ea typeface="+mn-ea"/>
-                <a:cs typeface="+mn-cs"/>
-              </a:defRPr>
-            </a:lvl3pPr>
-            <a:lvl4pPr marL="1371600" indent="0" algn="ctr" defTabSz="914400" rtl="0" eaLnBrk="1" latinLnBrk="0" hangingPunct="1">
-              <a:lnSpc>
-                <a:spcPct val="90000"/>
-              </a:lnSpc>
-              <a:spcBef>
-                <a:spcPts val="500"/>
-              </a:spcBef>
-              <a:buFont typeface="Arial" panose="020B0604020202020204" pitchFamily="34" charset="0"/>
-              <a:buNone/>
-              <a:defRPr sz="1600" kern="1200">
-                <a:solidFill>
-                  <a:schemeClr val="tx1"/>
-                </a:solidFill>
-                <a:latin typeface="+mn-lt"/>
-                <a:ea typeface="+mn-ea"/>
-                <a:cs typeface="+mn-cs"/>
-              </a:defRPr>
-            </a:lvl4pPr>
-            <a:lvl5pPr marL="1828800" indent="0" algn="ctr" defTabSz="914400" rtl="0" eaLnBrk="1" latinLnBrk="0" hangingPunct="1">
-              <a:lnSpc>
-                <a:spcPct val="90000"/>
-              </a:lnSpc>
-              <a:spcBef>
-                <a:spcPts val="500"/>
-              </a:spcBef>
-              <a:buFont typeface="Arial" panose="020B0604020202020204" pitchFamily="34" charset="0"/>
-              <a:buNone/>
-              <a:defRPr sz="1600" kern="1200">
-                <a:solidFill>
-                  <a:schemeClr val="tx1"/>
-                </a:solidFill>
-                <a:latin typeface="+mn-lt"/>
-                <a:ea typeface="+mn-ea"/>
-                <a:cs typeface="+mn-cs"/>
-              </a:defRPr>
-            </a:lvl5pPr>
-            <a:lvl6pPr marL="2286000" indent="0" algn="ctr" defTabSz="914400" rtl="0" eaLnBrk="1" latinLnBrk="0" hangingPunct="1">
-              <a:lnSpc>
-                <a:spcPct val="90000"/>
-              </a:lnSpc>
-              <a:spcBef>
-                <a:spcPts val="500"/>
-              </a:spcBef>
-              <a:buFont typeface="Arial" panose="020B0604020202020204" pitchFamily="34" charset="0"/>
-              <a:buNone/>
-              <a:defRPr sz="1600" kern="1200">
-                <a:solidFill>
-                  <a:schemeClr val="tx1"/>
-                </a:solidFill>
-                <a:latin typeface="+mn-lt"/>
-                <a:ea typeface="+mn-ea"/>
-                <a:cs typeface="+mn-cs"/>
-              </a:defRPr>
-            </a:lvl6pPr>
-            <a:lvl7pPr marL="2743200" indent="0" algn="ctr" defTabSz="914400" rtl="0" eaLnBrk="1" latinLnBrk="0" hangingPunct="1">
-              <a:lnSpc>
-                <a:spcPct val="90000"/>
-              </a:lnSpc>
-              <a:spcBef>
-                <a:spcPts val="500"/>
-              </a:spcBef>
-              <a:buFont typeface="Arial" panose="020B0604020202020204" pitchFamily="34" charset="0"/>
-              <a:buNone/>
-              <a:defRPr sz="1600" kern="1200">
-                <a:solidFill>
-                  <a:schemeClr val="tx1"/>
-                </a:solidFill>
-                <a:latin typeface="+mn-lt"/>
-                <a:ea typeface="+mn-ea"/>
-                <a:cs typeface="+mn-cs"/>
-              </a:defRPr>
-            </a:lvl7pPr>
-            <a:lvl8pPr marL="3200400" indent="0" algn="ctr" defTabSz="914400" rtl="0" eaLnBrk="1" latinLnBrk="0" hangingPunct="1">
-              <a:lnSpc>
-                <a:spcPct val="90000"/>
-              </a:lnSpc>
-              <a:spcBef>
-                <a:spcPts val="500"/>
-              </a:spcBef>
-              <a:buFont typeface="Arial" panose="020B0604020202020204" pitchFamily="34" charset="0"/>
-              <a:buNone/>
-              <a:defRPr sz="1600" kern="1200">
-                <a:solidFill>
-                  <a:schemeClr val="tx1"/>
-                </a:solidFill>
-                <a:latin typeface="+mn-lt"/>
-                <a:ea typeface="+mn-ea"/>
-                <a:cs typeface="+mn-cs"/>
-              </a:defRPr>
-            </a:lvl8pPr>
-            <a:lvl9pPr marL="3657600" indent="0" algn="ctr" defTabSz="914400" rtl="0" eaLnBrk="1" latinLnBrk="0" hangingPunct="1">
-              <a:lnSpc>
-                <a:spcPct val="90000"/>
-              </a:lnSpc>
-              <a:spcBef>
-                <a:spcPts val="500"/>
-              </a:spcBef>
-              <a:buFont typeface="Arial" panose="020B0604020202020204" pitchFamily="34" charset="0"/>
-              <a:buNone/>
-              <a:defRPr sz="1600" kern="1200">
-                <a:solidFill>
-                  <a:schemeClr val="tx1"/>
-                </a:solidFill>
-                <a:latin typeface="+mn-lt"/>
-                <a:ea typeface="+mn-ea"/>
-                <a:cs typeface="+mn-cs"/>
-              </a:defRPr>
-            </a:lvl9pPr>
-          </a:lstStyle>
-          <a:p>
-            <a:pPr lvl="0" algn="l" eaLnBrk="0" fontAlgn="base" hangingPunct="0">
-              <a:lnSpc>
-                <a:spcPct val="100000"/>
-              </a:lnSpc>
-              <a:spcBef>
-                <a:spcPct val="0"/>
-              </a:spcBef>
-              <a:spcAft>
-                <a:spcPct val="0"/>
-              </a:spcAft>
-            </a:pPr>
-            <a:r>
-              <a:rPr lang="en-US" altLang="ko-KR" sz="1600" b="1" dirty="0" smtClean="0"/>
-              <a:t>Feed-Forward Convolution Network</a:t>
-            </a:r>
-            <a:endParaRPr lang="en-US" altLang="ko-KR" sz="1600" b="1" dirty="0"/>
-          </a:p>
-          <a:p>
-            <a:pPr lvl="0" algn="l" eaLnBrk="0" fontAlgn="base" hangingPunct="0">
-              <a:lnSpc>
-                <a:spcPct val="100000"/>
-              </a:lnSpc>
-              <a:spcBef>
-                <a:spcPct val="0"/>
-              </a:spcBef>
-              <a:spcAft>
-                <a:spcPct val="0"/>
-              </a:spcAft>
-            </a:pPr>
-            <a:endParaRPr lang="en-US" altLang="ko-KR" dirty="0"/>
-          </a:p>
-          <a:p>
-            <a:pPr lvl="0" algn="l" eaLnBrk="0" fontAlgn="base" hangingPunct="0">
-              <a:lnSpc>
-                <a:spcPct val="100000"/>
-              </a:lnSpc>
-              <a:spcBef>
-                <a:spcPct val="0"/>
-              </a:spcBef>
-              <a:spcAft>
-                <a:spcPct val="0"/>
-              </a:spcAft>
-            </a:pPr>
-            <a:endParaRPr lang="en-US" altLang="ko-KR" dirty="0"/>
-          </a:p>
-        </p:txBody>
-      </p:sp>
-      <p:cxnSp>
-        <p:nvCxnSpPr>
-          <p:cNvPr id="3" name="직선 화살표 연결선 2"/>
-          <p:cNvCxnSpPr/>
-          <p:nvPr/>
-        </p:nvCxnSpPr>
-        <p:spPr>
-          <a:xfrm>
-            <a:off x="1428749" y="5346700"/>
-            <a:ext cx="8947151" cy="0"/>
-          </a:xfrm>
-          <a:prstGeom prst="straightConnector1">
-            <a:avLst/>
-          </a:prstGeom>
-          <a:ln w="19050">
-            <a:solidFill>
-              <a:schemeClr val="tx1"/>
-            </a:solidFill>
-            <a:tailEnd type="triangle"/>
-          </a:ln>
-        </p:spPr>
-        <p:style>
-          <a:lnRef idx="1">
-            <a:schemeClr val="accent1"/>
-          </a:lnRef>
-          <a:fillRef idx="0">
-            <a:schemeClr val="accent1"/>
-          </a:fillRef>
-          <a:effectRef idx="0">
-            <a:schemeClr val="accent1"/>
-          </a:effectRef>
-          <a:fontRef idx="minor">
-            <a:schemeClr val="tx1"/>
-          </a:fontRef>
-        </p:style>
-      </p:cxnSp>
-      <p:sp>
-        <p:nvSpPr>
-          <p:cNvPr id="5" name="왼쪽 중괄호 4"/>
-          <p:cNvSpPr/>
-          <p:nvPr/>
-        </p:nvSpPr>
-        <p:spPr>
-          <a:xfrm rot="5400000">
-            <a:off x="2484275" y="678024"/>
-            <a:ext cx="226008" cy="3314959"/>
-          </a:xfrm>
-          <a:custGeom>
-            <a:avLst/>
-            <a:gdLst>
-              <a:gd name="connsiteX0" fmla="*/ 215900 w 215900"/>
-              <a:gd name="connsiteY0" fmla="*/ 1587500 h 1587500"/>
-              <a:gd name="connsiteX1" fmla="*/ 107950 w 215900"/>
-              <a:gd name="connsiteY1" fmla="*/ 1569509 h 1587500"/>
-              <a:gd name="connsiteX2" fmla="*/ 107950 w 215900"/>
-              <a:gd name="connsiteY2" fmla="*/ 811741 h 1587500"/>
-              <a:gd name="connsiteX3" fmla="*/ 0 w 215900"/>
-              <a:gd name="connsiteY3" fmla="*/ 793750 h 1587500"/>
-              <a:gd name="connsiteX4" fmla="*/ 107950 w 215900"/>
-              <a:gd name="connsiteY4" fmla="*/ 775759 h 1587500"/>
-              <a:gd name="connsiteX5" fmla="*/ 107950 w 215900"/>
-              <a:gd name="connsiteY5" fmla="*/ 17991 h 1587500"/>
-              <a:gd name="connsiteX6" fmla="*/ 215900 w 215900"/>
-              <a:gd name="connsiteY6" fmla="*/ 0 h 1587500"/>
-              <a:gd name="connsiteX7" fmla="*/ 215900 w 215900"/>
-              <a:gd name="connsiteY7" fmla="*/ 1587500 h 1587500"/>
-              <a:gd name="connsiteX0" fmla="*/ 215900 w 215900"/>
-              <a:gd name="connsiteY0" fmla="*/ 1587500 h 1587500"/>
-              <a:gd name="connsiteX1" fmla="*/ 107950 w 215900"/>
-              <a:gd name="connsiteY1" fmla="*/ 1569509 h 1587500"/>
-              <a:gd name="connsiteX2" fmla="*/ 107950 w 215900"/>
-              <a:gd name="connsiteY2" fmla="*/ 811741 h 1587500"/>
-              <a:gd name="connsiteX3" fmla="*/ 0 w 215900"/>
-              <a:gd name="connsiteY3" fmla="*/ 793750 h 1587500"/>
-              <a:gd name="connsiteX4" fmla="*/ 107950 w 215900"/>
-              <a:gd name="connsiteY4" fmla="*/ 775759 h 1587500"/>
-              <a:gd name="connsiteX5" fmla="*/ 107950 w 215900"/>
-              <a:gd name="connsiteY5" fmla="*/ 17991 h 1587500"/>
-              <a:gd name="connsiteX6" fmla="*/ 215900 w 215900"/>
-              <a:gd name="connsiteY6" fmla="*/ 0 h 1587500"/>
-              <a:gd name="connsiteX0" fmla="*/ 215900 w 215900"/>
-              <a:gd name="connsiteY0" fmla="*/ 1587500 h 1587500"/>
-              <a:gd name="connsiteX1" fmla="*/ 107950 w 215900"/>
-              <a:gd name="connsiteY1" fmla="*/ 1569509 h 1587500"/>
-              <a:gd name="connsiteX2" fmla="*/ 107950 w 215900"/>
-              <a:gd name="connsiteY2" fmla="*/ 811741 h 1587500"/>
-              <a:gd name="connsiteX3" fmla="*/ 0 w 215900"/>
-              <a:gd name="connsiteY3" fmla="*/ 793750 h 1587500"/>
-              <a:gd name="connsiteX4" fmla="*/ 107950 w 215900"/>
-              <a:gd name="connsiteY4" fmla="*/ 775759 h 1587500"/>
-              <a:gd name="connsiteX5" fmla="*/ 107950 w 215900"/>
-              <a:gd name="connsiteY5" fmla="*/ 17991 h 1587500"/>
-              <a:gd name="connsiteX6" fmla="*/ 215900 w 215900"/>
-              <a:gd name="connsiteY6" fmla="*/ 0 h 1587500"/>
-              <a:gd name="connsiteX7" fmla="*/ 215900 w 215900"/>
-              <a:gd name="connsiteY7" fmla="*/ 1587500 h 1587500"/>
-              <a:gd name="connsiteX0" fmla="*/ 215900 w 215900"/>
-              <a:gd name="connsiteY0" fmla="*/ 1587500 h 1587500"/>
-              <a:gd name="connsiteX1" fmla="*/ 107950 w 215900"/>
-              <a:gd name="connsiteY1" fmla="*/ 1569509 h 1587500"/>
-              <a:gd name="connsiteX2" fmla="*/ 107950 w 215900"/>
-              <a:gd name="connsiteY2" fmla="*/ 811741 h 1587500"/>
-              <a:gd name="connsiteX3" fmla="*/ 0 w 215900"/>
-              <a:gd name="connsiteY3" fmla="*/ 793750 h 1587500"/>
-              <a:gd name="connsiteX4" fmla="*/ 107950 w 215900"/>
-              <a:gd name="connsiteY4" fmla="*/ 750359 h 1587500"/>
-              <a:gd name="connsiteX5" fmla="*/ 107950 w 215900"/>
-              <a:gd name="connsiteY5" fmla="*/ 17991 h 1587500"/>
-              <a:gd name="connsiteX6" fmla="*/ 215900 w 215900"/>
-              <a:gd name="connsiteY6" fmla="*/ 0 h 1587500"/>
-              <a:gd name="connsiteX0" fmla="*/ 215900 w 215900"/>
-              <a:gd name="connsiteY0" fmla="*/ 1587500 h 1587500"/>
-              <a:gd name="connsiteX1" fmla="*/ 107950 w 215900"/>
-              <a:gd name="connsiteY1" fmla="*/ 1569509 h 1587500"/>
-              <a:gd name="connsiteX2" fmla="*/ 107950 w 215900"/>
-              <a:gd name="connsiteY2" fmla="*/ 811741 h 1587500"/>
-              <a:gd name="connsiteX3" fmla="*/ 0 w 215900"/>
-              <a:gd name="connsiteY3" fmla="*/ 793750 h 1587500"/>
-              <a:gd name="connsiteX4" fmla="*/ 107950 w 215900"/>
-              <a:gd name="connsiteY4" fmla="*/ 775759 h 1587500"/>
-              <a:gd name="connsiteX5" fmla="*/ 107950 w 215900"/>
-              <a:gd name="connsiteY5" fmla="*/ 17991 h 1587500"/>
-              <a:gd name="connsiteX6" fmla="*/ 215900 w 215900"/>
-              <a:gd name="connsiteY6" fmla="*/ 0 h 1587500"/>
-              <a:gd name="connsiteX7" fmla="*/ 215900 w 215900"/>
-              <a:gd name="connsiteY7" fmla="*/ 1587500 h 1587500"/>
-              <a:gd name="connsiteX0" fmla="*/ 215900 w 215900"/>
-              <a:gd name="connsiteY0" fmla="*/ 1587500 h 1587500"/>
-              <a:gd name="connsiteX1" fmla="*/ 107950 w 215900"/>
-              <a:gd name="connsiteY1" fmla="*/ 1569509 h 1587500"/>
-              <a:gd name="connsiteX2" fmla="*/ 107950 w 215900"/>
-              <a:gd name="connsiteY2" fmla="*/ 826029 h 1587500"/>
-              <a:gd name="connsiteX3" fmla="*/ 0 w 215900"/>
-              <a:gd name="connsiteY3" fmla="*/ 793750 h 1587500"/>
-              <a:gd name="connsiteX4" fmla="*/ 107950 w 215900"/>
-              <a:gd name="connsiteY4" fmla="*/ 750359 h 1587500"/>
-              <a:gd name="connsiteX5" fmla="*/ 107950 w 215900"/>
-              <a:gd name="connsiteY5" fmla="*/ 17991 h 1587500"/>
-              <a:gd name="connsiteX6" fmla="*/ 215900 w 215900"/>
-              <a:gd name="connsiteY6" fmla="*/ 0 h 1587500"/>
-              <a:gd name="connsiteX0" fmla="*/ 215900 w 215900"/>
-              <a:gd name="connsiteY0" fmla="*/ 1587500 h 1587500"/>
-              <a:gd name="connsiteX1" fmla="*/ 107950 w 215900"/>
-              <a:gd name="connsiteY1" fmla="*/ 1569509 h 1587500"/>
-              <a:gd name="connsiteX2" fmla="*/ 107950 w 215900"/>
-              <a:gd name="connsiteY2" fmla="*/ 811741 h 1587500"/>
-              <a:gd name="connsiteX3" fmla="*/ 0 w 215900"/>
-              <a:gd name="connsiteY3" fmla="*/ 793750 h 1587500"/>
-              <a:gd name="connsiteX4" fmla="*/ 107950 w 215900"/>
-              <a:gd name="connsiteY4" fmla="*/ 775759 h 1587500"/>
-              <a:gd name="connsiteX5" fmla="*/ 107950 w 215900"/>
-              <a:gd name="connsiteY5" fmla="*/ 17991 h 1587500"/>
-              <a:gd name="connsiteX6" fmla="*/ 215900 w 215900"/>
-              <a:gd name="connsiteY6" fmla="*/ 0 h 1587500"/>
-              <a:gd name="connsiteX7" fmla="*/ 215900 w 215900"/>
-              <a:gd name="connsiteY7" fmla="*/ 1587500 h 1587500"/>
-              <a:gd name="connsiteX0" fmla="*/ 215900 w 215900"/>
-              <a:gd name="connsiteY0" fmla="*/ 1587500 h 1587500"/>
-              <a:gd name="connsiteX1" fmla="*/ 107950 w 215900"/>
-              <a:gd name="connsiteY1" fmla="*/ 1569509 h 1587500"/>
-              <a:gd name="connsiteX2" fmla="*/ 107950 w 215900"/>
-              <a:gd name="connsiteY2" fmla="*/ 830792 h 1587500"/>
-              <a:gd name="connsiteX3" fmla="*/ 0 w 215900"/>
-              <a:gd name="connsiteY3" fmla="*/ 793750 h 1587500"/>
-              <a:gd name="connsiteX4" fmla="*/ 107950 w 215900"/>
-              <a:gd name="connsiteY4" fmla="*/ 750359 h 1587500"/>
-              <a:gd name="connsiteX5" fmla="*/ 107950 w 215900"/>
-              <a:gd name="connsiteY5" fmla="*/ 17991 h 1587500"/>
-              <a:gd name="connsiteX6" fmla="*/ 215900 w 215900"/>
-              <a:gd name="connsiteY6" fmla="*/ 0 h 1587500"/>
-            </a:gdLst>
-            <a:ahLst/>
-            <a:cxnLst>
-              <a:cxn ang="0">
-                <a:pos x="connsiteX0" y="connsiteY0"/>
-              </a:cxn>
-              <a:cxn ang="0">
-                <a:pos x="connsiteX1" y="connsiteY1"/>
-              </a:cxn>
-              <a:cxn ang="0">
-                <a:pos x="connsiteX2" y="connsiteY2"/>
-              </a:cxn>
-              <a:cxn ang="0">
-                <a:pos x="connsiteX3" y="connsiteY3"/>
-              </a:cxn>
-              <a:cxn ang="0">
-                <a:pos x="connsiteX4" y="connsiteY4"/>
-              </a:cxn>
-              <a:cxn ang="0">
-                <a:pos x="connsiteX5" y="connsiteY5"/>
-              </a:cxn>
-              <a:cxn ang="0">
-                <a:pos x="connsiteX6" y="connsiteY6"/>
-              </a:cxn>
-            </a:cxnLst>
-            <a:rect l="l" t="t" r="r" b="b"/>
-            <a:pathLst>
-              <a:path w="215900" h="1587500" stroke="0" extrusionOk="0">
-                <a:moveTo>
-                  <a:pt x="215900" y="1587500"/>
-                </a:moveTo>
-                <a:cubicBezTo>
-                  <a:pt x="156281" y="1587500"/>
-                  <a:pt x="107950" y="1579445"/>
-                  <a:pt x="107950" y="1569509"/>
-                </a:cubicBezTo>
-                <a:lnTo>
-                  <a:pt x="107950" y="811741"/>
-                </a:lnTo>
-                <a:cubicBezTo>
-                  <a:pt x="107950" y="801805"/>
-                  <a:pt x="59619" y="793750"/>
-                  <a:pt x="0" y="793750"/>
-                </a:cubicBezTo>
-                <a:cubicBezTo>
-                  <a:pt x="59619" y="793750"/>
-                  <a:pt x="107950" y="785695"/>
-                  <a:pt x="107950" y="775759"/>
-                </a:cubicBezTo>
-                <a:lnTo>
-                  <a:pt x="107950" y="17991"/>
-                </a:lnTo>
-                <a:cubicBezTo>
-                  <a:pt x="107950" y="8055"/>
-                  <a:pt x="156281" y="0"/>
-                  <a:pt x="215900" y="0"/>
-                </a:cubicBezTo>
-                <a:lnTo>
-                  <a:pt x="215900" y="1587500"/>
-                </a:lnTo>
-                <a:close/>
-              </a:path>
-              <a:path w="215900" h="1587500" fill="none">
-                <a:moveTo>
-                  <a:pt x="215900" y="1587500"/>
-                </a:moveTo>
-                <a:cubicBezTo>
-                  <a:pt x="156281" y="1587500"/>
-                  <a:pt x="107950" y="1579445"/>
-                  <a:pt x="107950" y="1569509"/>
-                </a:cubicBezTo>
-                <a:lnTo>
-                  <a:pt x="107950" y="830792"/>
-                </a:lnTo>
-                <a:cubicBezTo>
-                  <a:pt x="107950" y="820856"/>
-                  <a:pt x="0" y="807155"/>
-                  <a:pt x="0" y="793750"/>
-                </a:cubicBezTo>
-                <a:cubicBezTo>
-                  <a:pt x="0" y="780345"/>
-                  <a:pt x="107950" y="760295"/>
-                  <a:pt x="107950" y="750359"/>
-                </a:cubicBezTo>
-                <a:lnTo>
-                  <a:pt x="107950" y="17991"/>
-                </a:lnTo>
-                <a:cubicBezTo>
-                  <a:pt x="107950" y="8055"/>
-                  <a:pt x="156281" y="0"/>
-                  <a:pt x="215900" y="0"/>
-                </a:cubicBezTo>
-              </a:path>
-            </a:pathLst>
-          </a:custGeom>
-          <a:noFill/>
-          <a:ln w="28575">
-            <a:solidFill>
-              <a:schemeClr val="tx1"/>
-            </a:solidFill>
-          </a:ln>
-        </p:spPr>
-        <p:style>
-          <a:lnRef idx="1">
-            <a:schemeClr val="accent1"/>
-          </a:lnRef>
-          <a:fillRef idx="0">
-            <a:schemeClr val="accent1"/>
-          </a:fillRef>
-          <a:effectRef idx="0">
-            <a:schemeClr val="accent1"/>
-          </a:effectRef>
-          <a:fontRef idx="minor">
-            <a:schemeClr val="tx1"/>
-          </a:fontRef>
-        </p:style>
-        <p:txBody>
-          <a:bodyPr rtlCol="0" anchor="ctr"/>
-          <a:lstStyle/>
-          <a:p>
-            <a:pPr algn="ctr"/>
-            <a:endParaRPr lang="ko-KR" altLang="en-US"/>
-          </a:p>
-        </p:txBody>
-      </p:sp>
-      <p:sp>
-        <p:nvSpPr>
-          <p:cNvPr id="13" name="직사각형 12">
-            <a:extLst>
-              <a:ext uri="{FF2B5EF4-FFF2-40B4-BE49-F238E27FC236}">
-                <a16:creationId xmlns:a16="http://schemas.microsoft.com/office/drawing/2014/main" id="{D37D2321-D1D9-4437-B36B-5CE99E975CFF}"/>
-              </a:ext>
-            </a:extLst>
-          </p:cNvPr>
-          <p:cNvSpPr/>
-          <p:nvPr/>
-        </p:nvSpPr>
-        <p:spPr>
-          <a:xfrm>
-            <a:off x="1309603" y="1674589"/>
-            <a:ext cx="2614697" cy="369332"/>
-          </a:xfrm>
-          <a:prstGeom prst="rect">
-            <a:avLst/>
-          </a:prstGeom>
-        </p:spPr>
-        <p:txBody>
-          <a:bodyPr wrap="square">
-            <a:spAutoFit/>
-          </a:bodyPr>
-          <a:lstStyle/>
-          <a:p>
-            <a:r>
-              <a:rPr lang="en-US" altLang="ko-KR" b="1" dirty="0" err="1" smtClean="0"/>
-              <a:t>BaseNetwork</a:t>
-            </a:r>
-            <a:r>
-              <a:rPr lang="en-US" altLang="ko-KR" b="1" dirty="0" smtClean="0"/>
-              <a:t> : VGG16</a:t>
-            </a:r>
-            <a:endParaRPr lang="ko-KR" altLang="en-US" b="1" dirty="0"/>
-          </a:p>
-        </p:txBody>
-      </p:sp>
-      <p:sp>
-        <p:nvSpPr>
-          <p:cNvPr id="15" name="직사각형 14"/>
-          <p:cNvSpPr/>
-          <p:nvPr/>
-        </p:nvSpPr>
-        <p:spPr>
-          <a:xfrm>
-            <a:off x="1334542" y="1687289"/>
-            <a:ext cx="2523083" cy="369332"/>
-          </a:xfrm>
-          <a:prstGeom prst="rect">
-            <a:avLst/>
-          </a:prstGeom>
-          <a:noFill/>
-          <a:ln w="28575">
-            <a:solidFill>
-              <a:schemeClr val="accent4">
-                <a:lumMod val="75000"/>
-              </a:schemeClr>
-            </a:solidFill>
-          </a:ln>
-        </p:spPr>
-        <p:style>
-          <a:lnRef idx="2">
-            <a:schemeClr val="accent1">
-              <a:shade val="50000"/>
-            </a:schemeClr>
-          </a:lnRef>
-          <a:fillRef idx="1">
-            <a:schemeClr val="accent1"/>
-          </a:fillRef>
-          <a:effectRef idx="0">
-            <a:schemeClr val="accent1"/>
-          </a:effectRef>
-          <a:fontRef idx="minor">
-            <a:schemeClr val="lt1"/>
-          </a:fontRef>
-        </p:style>
-        <p:txBody>
-          <a:bodyPr rtlCol="0" anchor="ctr"/>
-          <a:lstStyle/>
-          <a:p>
-            <a:pPr algn="ctr"/>
-            <a:endParaRPr lang="ko-KR" altLang="en-US" dirty="0"/>
-          </a:p>
-        </p:txBody>
-      </p:sp>
     </p:spTree>
     <p:extLst>
       <p:ext uri="{BB962C8B-B14F-4D97-AF65-F5344CB8AC3E}">
@@ -18532,13 +17041,6 @@
   <p:clrMapOvr>
     <a:masterClrMapping/>
   </p:clrMapOvr>
-  <p:timing>
-    <p:tnLst>
-      <p:par>
-        <p:cTn id="1" dur="indefinite" restart="never" nodeType="tmRoot"/>
-      </p:par>
-    </p:tnLst>
-  </p:timing>
 </p:sld>
 </file>
 

--- a/2nd_week/Seminar_2nd_week_1Stage.pptx
+++ b/2nd_week/Seminar_2nd_week_1Stage.pptx
@@ -38927,7 +38927,7 @@
           <p:nvPr>
             <p:extLst>
               <p:ext uri="{D42A27DB-BD31-4B8C-83A1-F6EECF244321}">
-                <p14:modId xmlns:p14="http://schemas.microsoft.com/office/powerpoint/2010/main" val="1425129249"/>
+                <p14:modId xmlns:p14="http://schemas.microsoft.com/office/powerpoint/2010/main" val="2014845080"/>
               </p:ext>
             </p:extLst>
           </p:nvPr>
@@ -39149,7 +39149,7 @@
                             <a:schemeClr val="tx1"/>
                           </a:solidFill>
                         </a:rPr>
-                        <a:t>(~7.dd)</a:t>
+                        <a:t>(~7.19)</a:t>
                       </a:r>
                       <a:endParaRPr lang="ko-KR" altLang="en-US" sz="2000" b="1" dirty="0">
                         <a:solidFill>
@@ -39212,7 +39212,23 @@
                         <a:buFont typeface="Arial" panose="020B0604020202020204" pitchFamily="34" charset="0"/>
                         <a:buNone/>
                       </a:pPr>
-                      <a:endParaRPr lang="ko-KR" altLang="en-US" sz="2000" b="1" dirty="0">
+                      <a:r>
+                        <a:rPr lang="en-US" altLang="ko-KR" sz="2000" b="1" dirty="0">
+                          <a:solidFill>
+                            <a:schemeClr val="tx1"/>
+                          </a:solidFill>
+                        </a:rPr>
+                        <a:t>N</a:t>
+                      </a:r>
+                      <a:r>
+                        <a:rPr lang="ko-KR" altLang="en-US" sz="2000" b="1" dirty="0">
+                          <a:solidFill>
+                            <a:schemeClr val="tx1"/>
+                          </a:solidFill>
+                        </a:rPr>
+                        <a:t>주차</a:t>
+                      </a:r>
+                      <a:endParaRPr lang="en-US" altLang="ko-KR" sz="2000" b="1" dirty="0">
                         <a:solidFill>
                           <a:schemeClr val="tx1"/>
                         </a:solidFill>
@@ -39656,31 +39672,20 @@
                         <a:buChar char="•"/>
                       </a:pPr>
                       <a:r>
-                        <a:rPr lang="ko-KR" altLang="en-US" sz="2000" b="0" dirty="0">
+                        <a:rPr lang="en-US" altLang="ko-KR" sz="2000" b="0" dirty="0">
                           <a:solidFill>
                             <a:schemeClr val="tx1"/>
                           </a:solidFill>
                         </a:rPr>
-                        <a:t>실습한 결과 </a:t>
+                        <a:t>Feedback </a:t>
                       </a:r>
-                      <a:endParaRPr lang="en-US" altLang="ko-KR" sz="2000" b="0" dirty="0">
-                        <a:solidFill>
-                          <a:schemeClr val="tx1"/>
-                        </a:solidFill>
-                      </a:endParaRPr>
-                    </a:p>
-                    <a:p>
-                      <a:pPr marL="285750" indent="-285750" latinLnBrk="1">
-                        <a:buFont typeface="Arial" panose="020B0604020202020204" pitchFamily="34" charset="0"/>
-                        <a:buChar char="•"/>
-                      </a:pPr>
                       <a:r>
                         <a:rPr lang="ko-KR" altLang="en-US" sz="2000" b="0" dirty="0">
                           <a:solidFill>
                             <a:schemeClr val="tx1"/>
                           </a:solidFill>
                         </a:rPr>
-                        <a:t>백본 바꿔가면서 결과내기</a:t>
+                        <a:t>다 실습</a:t>
                       </a:r>
                     </a:p>
                   </a:txBody>
@@ -39732,6 +39737,48 @@
                   <a:txBody>
                     <a:bodyPr/>
                     <a:lstStyle/>
+                    <a:p>
+                      <a:pPr marL="285750" indent="-285750" latinLnBrk="1">
+                        <a:buFont typeface="Arial" panose="020B0604020202020204" pitchFamily="34" charset="0"/>
+                        <a:buChar char="•"/>
+                      </a:pPr>
+                      <a:r>
+                        <a:rPr lang="en-US" altLang="ko-KR" sz="2000" b="0" dirty="0">
+                          <a:solidFill>
+                            <a:schemeClr val="tx1"/>
+                          </a:solidFill>
+                        </a:rPr>
+                        <a:t>Augmentation</a:t>
+                      </a:r>
+                    </a:p>
+                    <a:p>
+                      <a:pPr marL="285750" indent="-285750" latinLnBrk="1">
+                        <a:buFont typeface="Arial" panose="020B0604020202020204" pitchFamily="34" charset="0"/>
+                        <a:buChar char="•"/>
+                      </a:pPr>
+                      <a:r>
+                        <a:rPr lang="en-US" altLang="ko-KR" sz="2000" b="0" dirty="0">
+                          <a:solidFill>
+                            <a:schemeClr val="tx1"/>
+                          </a:solidFill>
+                        </a:rPr>
+                        <a:t>Loss(focal)</a:t>
+                      </a:r>
+                    </a:p>
+                    <a:p>
+                      <a:pPr marL="285750" indent="-285750" latinLnBrk="1">
+                        <a:buFont typeface="Arial" panose="020B0604020202020204" pitchFamily="34" charset="0"/>
+                        <a:buChar char="•"/>
+                      </a:pPr>
+                      <a:r>
+                        <a:rPr lang="en-US" altLang="ko-KR" sz="2000" b="0" dirty="0">
+                          <a:solidFill>
+                            <a:schemeClr val="tx1"/>
+                          </a:solidFill>
+                        </a:rPr>
+                        <a:t>Ensemble(multi-scale inference)</a:t>
+                      </a:r>
+                    </a:p>
                     <a:p>
                       <a:pPr marL="285750" indent="-285750" latinLnBrk="1">
                         <a:buFont typeface="Arial" panose="020B0604020202020204" pitchFamily="34" charset="0"/>
